--- a/Boceto 1 interfaz Ecosystem.pptx
+++ b/Boceto 1 interfaz Ecosystem.pptx
@@ -6,7 +6,9 @@
   </p:sldMasterIdLst>
   <p:sldIdLst>
     <p:sldId id="257" r:id="rId2"/>
-    <p:sldId id="256" r:id="rId3"/>
+    <p:sldId id="258" r:id="rId3"/>
+    <p:sldId id="259" r:id="rId4"/>
+    <p:sldId id="256" r:id="rId5"/>
   </p:sldIdLst>
   <p:sldSz cx="9144000" cy="6858000" type="screen4x3"/>
   <p:notesSz cx="6858000" cy="9144000"/>
@@ -3174,6 +3176,934 @@
 </file>
 
 <file path=ppt/slides/slide2.xml><?xml version="1.0" encoding="utf-8"?>
+<p:sld xmlns:a="http://schemas.openxmlformats.org/drawingml/2006/main" xmlns:r="http://schemas.openxmlformats.org/officeDocument/2006/relationships" xmlns:p="http://schemas.openxmlformats.org/presentationml/2006/main">
+  <p:cSld>
+    <p:spTree>
+      <p:nvGrpSpPr>
+        <p:cNvPr id="1" name=""/>
+        <p:cNvGrpSpPr/>
+        <p:nvPr/>
+      </p:nvGrpSpPr>
+      <p:grpSpPr>
+        <a:xfrm>
+          <a:off x="0" y="0"/>
+          <a:ext cx="0" cy="0"/>
+          <a:chOff x="0" y="0"/>
+          <a:chExt cx="0" cy="0"/>
+        </a:xfrm>
+      </p:grpSpPr>
+      <p:pic>
+        <p:nvPicPr>
+          <p:cNvPr id="4" name="Imagen 3" descr="Captura de pantalla 2015-06-25 a las 9.28.51.png"/>
+          <p:cNvPicPr>
+            <a:picLocks noChangeAspect="1"/>
+          </p:cNvPicPr>
+          <p:nvPr/>
+        </p:nvPicPr>
+        <p:blipFill>
+          <a:blip r:embed="rId2">
+            <a:extLst>
+              <a:ext uri="{28A0092B-C50C-407E-A947-70E740481C1C}">
+                <a14:useLocalDpi xmlns:a14="http://schemas.microsoft.com/office/drawing/2010/main" val="0"/>
+              </a:ext>
+            </a:extLst>
+          </a:blip>
+          <a:stretch>
+            <a:fillRect/>
+          </a:stretch>
+        </p:blipFill>
+        <p:spPr>
+          <a:xfrm>
+            <a:off x="321734" y="855133"/>
+            <a:ext cx="8408516" cy="5046133"/>
+          </a:xfrm>
+          <a:prstGeom prst="rect">
+            <a:avLst/>
+          </a:prstGeom>
+        </p:spPr>
+      </p:pic>
+      <p:sp>
+        <p:nvSpPr>
+          <p:cNvPr id="6" name="Rectángulo 5"/>
+          <p:cNvSpPr/>
+          <p:nvPr/>
+        </p:nvSpPr>
+        <p:spPr>
+          <a:xfrm>
+            <a:off x="600017" y="1311288"/>
+            <a:ext cx="6651683" cy="4436630"/>
+          </a:xfrm>
+          <a:prstGeom prst="rect">
+            <a:avLst/>
+          </a:prstGeom>
+          <a:solidFill>
+            <a:schemeClr val="bg1"/>
+          </a:solidFill>
+          <a:ln>
+            <a:noFill/>
+          </a:ln>
+          <a:effectLst/>
+        </p:spPr>
+        <p:style>
+          <a:lnRef idx="1">
+            <a:schemeClr val="accent1"/>
+          </a:lnRef>
+          <a:fillRef idx="3">
+            <a:schemeClr val="accent1"/>
+          </a:fillRef>
+          <a:effectRef idx="2">
+            <a:schemeClr val="accent1"/>
+          </a:effectRef>
+          <a:fontRef idx="minor">
+            <a:schemeClr val="lt1"/>
+          </a:fontRef>
+        </p:style>
+        <p:txBody>
+          <a:bodyPr rtlCol="0" anchor="ctr"/>
+          <a:lstStyle/>
+          <a:p>
+            <a:pPr algn="ctr"/>
+            <a:endParaRPr lang="es-ES"/>
+          </a:p>
+        </p:txBody>
+      </p:sp>
+      <p:pic>
+        <p:nvPicPr>
+          <p:cNvPr id="2" name="Imagen 1" descr="Captura de pantalla 2015-06-25 a las 10.14.33.png"/>
+          <p:cNvPicPr>
+            <a:picLocks noChangeAspect="1"/>
+          </p:cNvPicPr>
+          <p:nvPr/>
+        </p:nvPicPr>
+        <p:blipFill>
+          <a:blip r:embed="rId3">
+            <a:extLst>
+              <a:ext uri="{28A0092B-C50C-407E-A947-70E740481C1C}">
+                <a14:useLocalDpi xmlns:a14="http://schemas.microsoft.com/office/drawing/2010/main" val="0"/>
+              </a:ext>
+            </a:extLst>
+          </a:blip>
+          <a:stretch>
+            <a:fillRect/>
+          </a:stretch>
+        </p:blipFill>
+        <p:spPr>
+          <a:xfrm>
+            <a:off x="908071" y="4281884"/>
+            <a:ext cx="1835129" cy="1167584"/>
+          </a:xfrm>
+          <a:prstGeom prst="rect">
+            <a:avLst/>
+          </a:prstGeom>
+        </p:spPr>
+      </p:pic>
+      <p:pic>
+        <p:nvPicPr>
+          <p:cNvPr id="7" name="Imagen 6" descr="Captura de pantalla 2015-06-25 a las 9.53.11.png"/>
+          <p:cNvPicPr>
+            <a:picLocks noChangeAspect="1"/>
+          </p:cNvPicPr>
+          <p:nvPr/>
+        </p:nvPicPr>
+        <p:blipFill>
+          <a:blip r:embed="rId4">
+            <a:extLst>
+              <a:ext uri="{28A0092B-C50C-407E-A947-70E740481C1C}">
+                <a14:useLocalDpi xmlns:a14="http://schemas.microsoft.com/office/drawing/2010/main" val="0"/>
+              </a:ext>
+            </a:extLst>
+          </a:blip>
+          <a:stretch>
+            <a:fillRect/>
+          </a:stretch>
+        </p:blipFill>
+        <p:spPr>
+          <a:xfrm>
+            <a:off x="2688463" y="1800392"/>
+            <a:ext cx="3191637" cy="1825458"/>
+          </a:xfrm>
+          <a:prstGeom prst="rect">
+            <a:avLst/>
+          </a:prstGeom>
+        </p:spPr>
+      </p:pic>
+      <p:pic>
+        <p:nvPicPr>
+          <p:cNvPr id="3" name="Imagen 2" descr="Captura de pantalla 2015-06-25 a las 10.15.00.png"/>
+          <p:cNvPicPr>
+            <a:picLocks noChangeAspect="1"/>
+          </p:cNvPicPr>
+          <p:nvPr/>
+        </p:nvPicPr>
+        <p:blipFill>
+          <a:blip r:embed="rId5">
+            <a:extLst>
+              <a:ext uri="{28A0092B-C50C-407E-A947-70E740481C1C}">
+                <a14:useLocalDpi xmlns:a14="http://schemas.microsoft.com/office/drawing/2010/main" val="0"/>
+              </a:ext>
+            </a:extLst>
+          </a:blip>
+          <a:stretch>
+            <a:fillRect/>
+          </a:stretch>
+        </p:blipFill>
+        <p:spPr>
+          <a:xfrm>
+            <a:off x="2743200" y="1846576"/>
+            <a:ext cx="3083575" cy="1723684"/>
+          </a:xfrm>
+          <a:prstGeom prst="rect">
+            <a:avLst/>
+          </a:prstGeom>
+        </p:spPr>
+      </p:pic>
+      <p:sp>
+        <p:nvSpPr>
+          <p:cNvPr id="8" name="Rectángulo 7"/>
+          <p:cNvSpPr/>
+          <p:nvPr/>
+        </p:nvSpPr>
+        <p:spPr>
+          <a:xfrm>
+            <a:off x="1790700" y="4521200"/>
+            <a:ext cx="615950" cy="323850"/>
+          </a:xfrm>
+          <a:prstGeom prst="rect">
+            <a:avLst/>
+          </a:prstGeom>
+          <a:noFill/>
+        </p:spPr>
+        <p:style>
+          <a:lnRef idx="1">
+            <a:schemeClr val="accent1"/>
+          </a:lnRef>
+          <a:fillRef idx="3">
+            <a:schemeClr val="accent1"/>
+          </a:fillRef>
+          <a:effectRef idx="2">
+            <a:schemeClr val="accent1"/>
+          </a:effectRef>
+          <a:fontRef idx="minor">
+            <a:schemeClr val="lt1"/>
+          </a:fontRef>
+        </p:style>
+        <p:txBody>
+          <a:bodyPr rtlCol="0" anchor="ctr"/>
+          <a:lstStyle/>
+          <a:p>
+            <a:pPr algn="ctr"/>
+            <a:endParaRPr lang="es-ES"/>
+          </a:p>
+        </p:txBody>
+      </p:sp>
+      <p:cxnSp>
+        <p:nvCxnSpPr>
+          <p:cNvPr id="10" name="Conector recto 9"/>
+          <p:cNvCxnSpPr/>
+          <p:nvPr/>
+        </p:nvCxnSpPr>
+        <p:spPr>
+          <a:xfrm flipV="1">
+            <a:off x="1790700" y="1846576"/>
+            <a:ext cx="897763" cy="2674624"/>
+          </a:xfrm>
+          <a:prstGeom prst="line">
+            <a:avLst/>
+          </a:prstGeom>
+          <a:ln w="6350">
+            <a:prstDash val="sysDot"/>
+          </a:ln>
+        </p:spPr>
+        <p:style>
+          <a:lnRef idx="2">
+            <a:schemeClr val="accent1"/>
+          </a:lnRef>
+          <a:fillRef idx="0">
+            <a:schemeClr val="accent1"/>
+          </a:fillRef>
+          <a:effectRef idx="1">
+            <a:schemeClr val="accent1"/>
+          </a:effectRef>
+          <a:fontRef idx="minor">
+            <a:schemeClr val="tx1"/>
+          </a:fontRef>
+        </p:style>
+      </p:cxnSp>
+      <p:cxnSp>
+        <p:nvCxnSpPr>
+          <p:cNvPr id="12" name="Conector recto 11"/>
+          <p:cNvCxnSpPr/>
+          <p:nvPr/>
+        </p:nvCxnSpPr>
+        <p:spPr>
+          <a:xfrm flipV="1">
+            <a:off x="2406650" y="3625850"/>
+            <a:ext cx="3473450" cy="1219200"/>
+          </a:xfrm>
+          <a:prstGeom prst="line">
+            <a:avLst/>
+          </a:prstGeom>
+          <a:ln w="6350">
+            <a:prstDash val="sysDot"/>
+          </a:ln>
+        </p:spPr>
+        <p:style>
+          <a:lnRef idx="2">
+            <a:schemeClr val="accent1"/>
+          </a:lnRef>
+          <a:fillRef idx="0">
+            <a:schemeClr val="accent1"/>
+          </a:fillRef>
+          <a:effectRef idx="1">
+            <a:schemeClr val="accent1"/>
+          </a:effectRef>
+          <a:fontRef idx="minor">
+            <a:schemeClr val="tx1"/>
+          </a:fontRef>
+        </p:style>
+      </p:cxnSp>
+      <p:sp>
+        <p:nvSpPr>
+          <p:cNvPr id="5" name="Llamada con línea 1 4"/>
+          <p:cNvSpPr/>
+          <p:nvPr/>
+        </p:nvSpPr>
+        <p:spPr>
+          <a:xfrm>
+            <a:off x="3893824" y="5022552"/>
+            <a:ext cx="1566333" cy="414867"/>
+          </a:xfrm>
+          <a:prstGeom prst="borderCallout1">
+            <a:avLst>
+              <a:gd name="adj1" fmla="val 51403"/>
+              <a:gd name="adj2" fmla="val 316"/>
+              <a:gd name="adj3" fmla="val -6081"/>
+              <a:gd name="adj4" fmla="val -85087"/>
+            </a:avLst>
+          </a:prstGeom>
+        </p:spPr>
+        <p:style>
+          <a:lnRef idx="1">
+            <a:schemeClr val="accent1"/>
+          </a:lnRef>
+          <a:fillRef idx="3">
+            <a:schemeClr val="accent1"/>
+          </a:fillRef>
+          <a:effectRef idx="2">
+            <a:schemeClr val="accent1"/>
+          </a:effectRef>
+          <a:fontRef idx="minor">
+            <a:schemeClr val="lt1"/>
+          </a:fontRef>
+        </p:style>
+        <p:txBody>
+          <a:bodyPr rtlCol="0" anchor="ctr"/>
+          <a:lstStyle/>
+          <a:p>
+            <a:pPr algn="ctr"/>
+            <a:r>
+              <a:rPr lang="es-ES" sz="600"/>
+              <a:t>En este visor</a:t>
+            </a:r>
+            <a:r>
+              <a:rPr lang="es-ES" sz="600"/>
+              <a:t> aparece el biotopo al completo. El recuadro azul marca qué zona del biotopo abarca el otro visor</a:t>
+            </a:r>
+            <a:endParaRPr lang="es-ES" sz="600"/>
+          </a:p>
+        </p:txBody>
+      </p:sp>
+    </p:spTree>
+    <p:extLst>
+      <p:ext uri="{BB962C8B-B14F-4D97-AF65-F5344CB8AC3E}">
+        <p14:creationId xmlns:p14="http://schemas.microsoft.com/office/powerpoint/2010/main" val="1827675332"/>
+      </p:ext>
+    </p:extLst>
+  </p:cSld>
+  <p:clrMapOvr>
+    <a:masterClrMapping/>
+  </p:clrMapOvr>
+  <p:timing>
+    <p:tnLst>
+      <p:par>
+        <p:cTn xmlns:p14="http://schemas.microsoft.com/office/powerpoint/2010/main" id="1" dur="indefinite" restart="never" nodeType="tmRoot"/>
+      </p:par>
+    </p:tnLst>
+  </p:timing>
+</p:sld>
+</file>
+
+<file path=ppt/slides/slide3.xml><?xml version="1.0" encoding="utf-8"?>
+<p:sld xmlns:a="http://schemas.openxmlformats.org/drawingml/2006/main" xmlns:r="http://schemas.openxmlformats.org/officeDocument/2006/relationships" xmlns:p="http://schemas.openxmlformats.org/presentationml/2006/main">
+  <p:cSld>
+    <p:spTree>
+      <p:nvGrpSpPr>
+        <p:cNvPr id="1" name=""/>
+        <p:cNvGrpSpPr/>
+        <p:nvPr/>
+      </p:nvGrpSpPr>
+      <p:grpSpPr>
+        <a:xfrm>
+          <a:off x="0" y="0"/>
+          <a:ext cx="0" cy="0"/>
+          <a:chOff x="0" y="0"/>
+          <a:chExt cx="0" cy="0"/>
+        </a:xfrm>
+      </p:grpSpPr>
+      <p:pic>
+        <p:nvPicPr>
+          <p:cNvPr id="4" name="Imagen 3" descr="Captura de pantalla 2015-06-25 a las 9.28.51.png"/>
+          <p:cNvPicPr>
+            <a:picLocks noChangeAspect="1"/>
+          </p:cNvPicPr>
+          <p:nvPr/>
+        </p:nvPicPr>
+        <p:blipFill>
+          <a:blip r:embed="rId2">
+            <a:extLst>
+              <a:ext uri="{28A0092B-C50C-407E-A947-70E740481C1C}">
+                <a14:useLocalDpi xmlns:a14="http://schemas.microsoft.com/office/drawing/2010/main" val="0"/>
+              </a:ext>
+            </a:extLst>
+          </a:blip>
+          <a:stretch>
+            <a:fillRect/>
+          </a:stretch>
+        </p:blipFill>
+        <p:spPr>
+          <a:xfrm>
+            <a:off x="321734" y="855133"/>
+            <a:ext cx="8408516" cy="5046133"/>
+          </a:xfrm>
+          <a:prstGeom prst="rect">
+            <a:avLst/>
+          </a:prstGeom>
+        </p:spPr>
+      </p:pic>
+      <p:sp>
+        <p:nvSpPr>
+          <p:cNvPr id="6" name="Rectángulo 5"/>
+          <p:cNvSpPr/>
+          <p:nvPr/>
+        </p:nvSpPr>
+        <p:spPr>
+          <a:xfrm>
+            <a:off x="600017" y="1311288"/>
+            <a:ext cx="6651683" cy="4436630"/>
+          </a:xfrm>
+          <a:prstGeom prst="rect">
+            <a:avLst/>
+          </a:prstGeom>
+          <a:solidFill>
+            <a:schemeClr val="bg1"/>
+          </a:solidFill>
+          <a:ln>
+            <a:noFill/>
+          </a:ln>
+          <a:effectLst/>
+        </p:spPr>
+        <p:style>
+          <a:lnRef idx="1">
+            <a:schemeClr val="accent1"/>
+          </a:lnRef>
+          <a:fillRef idx="3">
+            <a:schemeClr val="accent1"/>
+          </a:fillRef>
+          <a:effectRef idx="2">
+            <a:schemeClr val="accent1"/>
+          </a:effectRef>
+          <a:fontRef idx="minor">
+            <a:schemeClr val="lt1"/>
+          </a:fontRef>
+        </p:style>
+        <p:txBody>
+          <a:bodyPr rtlCol="0" anchor="ctr"/>
+          <a:lstStyle/>
+          <a:p>
+            <a:pPr algn="ctr"/>
+            <a:endParaRPr lang="es-ES"/>
+          </a:p>
+        </p:txBody>
+      </p:sp>
+      <p:pic>
+        <p:nvPicPr>
+          <p:cNvPr id="2" name="Imagen 1" descr="Captura de pantalla 2015-06-25 a las 10.14.33.png"/>
+          <p:cNvPicPr>
+            <a:picLocks noChangeAspect="1"/>
+          </p:cNvPicPr>
+          <p:nvPr/>
+        </p:nvPicPr>
+        <p:blipFill>
+          <a:blip r:embed="rId3">
+            <a:extLst>
+              <a:ext uri="{28A0092B-C50C-407E-A947-70E740481C1C}">
+                <a14:useLocalDpi xmlns:a14="http://schemas.microsoft.com/office/drawing/2010/main" val="0"/>
+              </a:ext>
+            </a:extLst>
+          </a:blip>
+          <a:stretch>
+            <a:fillRect/>
+          </a:stretch>
+        </p:blipFill>
+        <p:spPr>
+          <a:xfrm>
+            <a:off x="908071" y="4281884"/>
+            <a:ext cx="1835129" cy="1167584"/>
+          </a:xfrm>
+          <a:prstGeom prst="rect">
+            <a:avLst/>
+          </a:prstGeom>
+        </p:spPr>
+      </p:pic>
+      <p:grpSp>
+        <p:nvGrpSpPr>
+          <p:cNvPr id="9" name="Agrupar 8"/>
+          <p:cNvGrpSpPr/>
+          <p:nvPr/>
+        </p:nvGrpSpPr>
+        <p:grpSpPr>
+          <a:xfrm>
+            <a:off x="1367180" y="1687733"/>
+            <a:ext cx="2526644" cy="1394973"/>
+            <a:chOff x="2688463" y="1800392"/>
+            <a:chExt cx="3191637" cy="1825458"/>
+          </a:xfrm>
+        </p:grpSpPr>
+        <p:pic>
+          <p:nvPicPr>
+            <p:cNvPr id="7" name="Imagen 6" descr="Captura de pantalla 2015-06-25 a las 9.53.11.png"/>
+            <p:cNvPicPr>
+              <a:picLocks noChangeAspect="1"/>
+            </p:cNvPicPr>
+            <p:nvPr/>
+          </p:nvPicPr>
+          <p:blipFill>
+            <a:blip r:embed="rId4">
+              <a:extLst>
+                <a:ext uri="{28A0092B-C50C-407E-A947-70E740481C1C}">
+                  <a14:useLocalDpi xmlns:a14="http://schemas.microsoft.com/office/drawing/2010/main" val="0"/>
+                </a:ext>
+              </a:extLst>
+            </a:blip>
+            <a:stretch>
+              <a:fillRect/>
+            </a:stretch>
+          </p:blipFill>
+          <p:spPr>
+            <a:xfrm>
+              <a:off x="2688463" y="1800392"/>
+              <a:ext cx="3191637" cy="1825458"/>
+            </a:xfrm>
+            <a:prstGeom prst="rect">
+              <a:avLst/>
+            </a:prstGeom>
+          </p:spPr>
+        </p:pic>
+        <p:pic>
+          <p:nvPicPr>
+            <p:cNvPr id="3" name="Imagen 2" descr="Captura de pantalla 2015-06-25 a las 10.15.00.png"/>
+            <p:cNvPicPr>
+              <a:picLocks noChangeAspect="1"/>
+            </p:cNvPicPr>
+            <p:nvPr/>
+          </p:nvPicPr>
+          <p:blipFill>
+            <a:blip r:embed="rId5">
+              <a:extLst>
+                <a:ext uri="{28A0092B-C50C-407E-A947-70E740481C1C}">
+                  <a14:useLocalDpi xmlns:a14="http://schemas.microsoft.com/office/drawing/2010/main" val="0"/>
+                </a:ext>
+              </a:extLst>
+            </a:blip>
+            <a:stretch>
+              <a:fillRect/>
+            </a:stretch>
+          </p:blipFill>
+          <p:spPr>
+            <a:xfrm>
+              <a:off x="2743200" y="1846576"/>
+              <a:ext cx="3083575" cy="1723684"/>
+            </a:xfrm>
+            <a:prstGeom prst="rect">
+              <a:avLst/>
+            </a:prstGeom>
+          </p:spPr>
+        </p:pic>
+      </p:grpSp>
+      <p:sp>
+        <p:nvSpPr>
+          <p:cNvPr id="8" name="Rectángulo 7"/>
+          <p:cNvSpPr/>
+          <p:nvPr/>
+        </p:nvSpPr>
+        <p:spPr>
+          <a:xfrm>
+            <a:off x="1790700" y="4521200"/>
+            <a:ext cx="615950" cy="323850"/>
+          </a:xfrm>
+          <a:prstGeom prst="rect">
+            <a:avLst/>
+          </a:prstGeom>
+          <a:noFill/>
+        </p:spPr>
+        <p:style>
+          <a:lnRef idx="1">
+            <a:schemeClr val="accent1"/>
+          </a:lnRef>
+          <a:fillRef idx="3">
+            <a:schemeClr val="accent1"/>
+          </a:fillRef>
+          <a:effectRef idx="2">
+            <a:schemeClr val="accent1"/>
+          </a:effectRef>
+          <a:fontRef idx="minor">
+            <a:schemeClr val="lt1"/>
+          </a:fontRef>
+        </p:style>
+        <p:txBody>
+          <a:bodyPr rtlCol="0" anchor="ctr"/>
+          <a:lstStyle/>
+          <a:p>
+            <a:pPr algn="ctr"/>
+            <a:endParaRPr lang="es-ES"/>
+          </a:p>
+        </p:txBody>
+      </p:sp>
+      <p:cxnSp>
+        <p:nvCxnSpPr>
+          <p:cNvPr id="10" name="Conector recto 9"/>
+          <p:cNvCxnSpPr/>
+          <p:nvPr/>
+        </p:nvCxnSpPr>
+        <p:spPr>
+          <a:xfrm flipH="1" flipV="1">
+            <a:off x="1410512" y="3082706"/>
+            <a:ext cx="380188" cy="1762344"/>
+          </a:xfrm>
+          <a:prstGeom prst="line">
+            <a:avLst/>
+          </a:prstGeom>
+          <a:ln w="6350">
+            <a:prstDash val="sysDot"/>
+          </a:ln>
+        </p:spPr>
+        <p:style>
+          <a:lnRef idx="2">
+            <a:schemeClr val="accent1"/>
+          </a:lnRef>
+          <a:fillRef idx="0">
+            <a:schemeClr val="accent1"/>
+          </a:fillRef>
+          <a:effectRef idx="1">
+            <a:schemeClr val="accent1"/>
+          </a:effectRef>
+          <a:fontRef idx="minor">
+            <a:schemeClr val="tx1"/>
+          </a:fontRef>
+        </p:style>
+      </p:cxnSp>
+      <p:cxnSp>
+        <p:nvCxnSpPr>
+          <p:cNvPr id="12" name="Conector recto 11"/>
+          <p:cNvCxnSpPr/>
+          <p:nvPr/>
+        </p:nvCxnSpPr>
+        <p:spPr>
+          <a:xfrm flipV="1">
+            <a:off x="2406650" y="3082706"/>
+            <a:ext cx="1444959" cy="1762344"/>
+          </a:xfrm>
+          <a:prstGeom prst="line">
+            <a:avLst/>
+          </a:prstGeom>
+          <a:ln w="6350">
+            <a:prstDash val="sysDot"/>
+          </a:ln>
+        </p:spPr>
+        <p:style>
+          <a:lnRef idx="2">
+            <a:schemeClr val="accent1"/>
+          </a:lnRef>
+          <a:fillRef idx="0">
+            <a:schemeClr val="accent1"/>
+          </a:fillRef>
+          <a:effectRef idx="1">
+            <a:schemeClr val="accent1"/>
+          </a:effectRef>
+          <a:fontRef idx="minor">
+            <a:schemeClr val="tx1"/>
+          </a:fontRef>
+        </p:style>
+      </p:cxnSp>
+      <p:sp>
+        <p:nvSpPr>
+          <p:cNvPr id="5" name="Llamada con línea 1 4"/>
+          <p:cNvSpPr/>
+          <p:nvPr/>
+        </p:nvSpPr>
+        <p:spPr>
+          <a:xfrm>
+            <a:off x="4825893" y="2206125"/>
+            <a:ext cx="1566333" cy="414867"/>
+          </a:xfrm>
+          <a:prstGeom prst="borderCallout1">
+            <a:avLst>
+              <a:gd name="adj1" fmla="val 51403"/>
+              <a:gd name="adj2" fmla="val 316"/>
+              <a:gd name="adj3" fmla="val 53166"/>
+              <a:gd name="adj4" fmla="val -2694"/>
+            </a:avLst>
+          </a:prstGeom>
+        </p:spPr>
+        <p:style>
+          <a:lnRef idx="1">
+            <a:schemeClr val="accent1"/>
+          </a:lnRef>
+          <a:fillRef idx="3">
+            <a:schemeClr val="accent1"/>
+          </a:fillRef>
+          <a:effectRef idx="2">
+            <a:schemeClr val="accent1"/>
+          </a:effectRef>
+          <a:fontRef idx="minor">
+            <a:schemeClr val="lt1"/>
+          </a:fontRef>
+        </p:style>
+        <p:txBody>
+          <a:bodyPr rtlCol="0" anchor="ctr"/>
+          <a:lstStyle/>
+          <a:p>
+            <a:pPr algn="ctr"/>
+            <a:r>
+              <a:rPr lang="es-ES" sz="600"/>
+              <a:t>Cada ventana puede mostrar  un </a:t>
+            </a:r>
+            <a:r>
+              <a:rPr lang="es-ES" sz="600"/>
+              <a:t>área distinta del biotopo</a:t>
+            </a:r>
+            <a:endParaRPr lang="es-ES" sz="600"/>
+          </a:p>
+        </p:txBody>
+      </p:sp>
+      <p:grpSp>
+        <p:nvGrpSpPr>
+          <p:cNvPr id="13" name="Agrupar 12"/>
+          <p:cNvGrpSpPr/>
+          <p:nvPr/>
+        </p:nvGrpSpPr>
+        <p:grpSpPr>
+          <a:xfrm>
+            <a:off x="4428453" y="3450077"/>
+            <a:ext cx="2526644" cy="1394973"/>
+            <a:chOff x="2688463" y="1800392"/>
+            <a:chExt cx="3191637" cy="1825458"/>
+          </a:xfrm>
+        </p:grpSpPr>
+        <p:pic>
+          <p:nvPicPr>
+            <p:cNvPr id="14" name="Imagen 13" descr="Captura de pantalla 2015-06-25 a las 9.53.11.png"/>
+            <p:cNvPicPr>
+              <a:picLocks noChangeAspect="1"/>
+            </p:cNvPicPr>
+            <p:nvPr/>
+          </p:nvPicPr>
+          <p:blipFill>
+            <a:blip r:embed="rId4">
+              <a:extLst>
+                <a:ext uri="{28A0092B-C50C-407E-A947-70E740481C1C}">
+                  <a14:useLocalDpi xmlns:a14="http://schemas.microsoft.com/office/drawing/2010/main" val="0"/>
+                </a:ext>
+              </a:extLst>
+            </a:blip>
+            <a:stretch>
+              <a:fillRect/>
+            </a:stretch>
+          </p:blipFill>
+          <p:spPr>
+            <a:xfrm>
+              <a:off x="2688463" y="1800392"/>
+              <a:ext cx="3191637" cy="1825458"/>
+            </a:xfrm>
+            <a:prstGeom prst="rect">
+              <a:avLst/>
+            </a:prstGeom>
+          </p:spPr>
+        </p:pic>
+        <p:pic>
+          <p:nvPicPr>
+            <p:cNvPr id="15" name="Imagen 14" descr="Captura de pantalla 2015-06-25 a las 10.15.00.png"/>
+            <p:cNvPicPr>
+              <a:picLocks noChangeAspect="1"/>
+            </p:cNvPicPr>
+            <p:nvPr/>
+          </p:nvPicPr>
+          <p:blipFill>
+            <a:blip r:embed="rId5">
+              <a:extLst>
+                <a:ext uri="{28A0092B-C50C-407E-A947-70E740481C1C}">
+                  <a14:useLocalDpi xmlns:a14="http://schemas.microsoft.com/office/drawing/2010/main" val="0"/>
+                </a:ext>
+              </a:extLst>
+            </a:blip>
+            <a:stretch>
+              <a:fillRect/>
+            </a:stretch>
+          </p:blipFill>
+          <p:spPr>
+            <a:xfrm>
+              <a:off x="2743200" y="1846576"/>
+              <a:ext cx="3083575" cy="1723684"/>
+            </a:xfrm>
+            <a:prstGeom prst="rect">
+              <a:avLst/>
+            </a:prstGeom>
+          </p:spPr>
+        </p:pic>
+      </p:grpSp>
+      <p:sp>
+        <p:nvSpPr>
+          <p:cNvPr id="18" name="Rectángulo 17"/>
+          <p:cNvSpPr/>
+          <p:nvPr/>
+        </p:nvSpPr>
+        <p:spPr>
+          <a:xfrm>
+            <a:off x="1963246" y="4730876"/>
+            <a:ext cx="615950" cy="323850"/>
+          </a:xfrm>
+          <a:prstGeom prst="rect">
+            <a:avLst/>
+          </a:prstGeom>
+          <a:noFill/>
+          <a:ln>
+            <a:solidFill>
+              <a:schemeClr val="accent6">
+                <a:lumMod val="75000"/>
+              </a:schemeClr>
+            </a:solidFill>
+          </a:ln>
+        </p:spPr>
+        <p:style>
+          <a:lnRef idx="1">
+            <a:schemeClr val="accent1"/>
+          </a:lnRef>
+          <a:fillRef idx="3">
+            <a:schemeClr val="accent1"/>
+          </a:fillRef>
+          <a:effectRef idx="2">
+            <a:schemeClr val="accent1"/>
+          </a:effectRef>
+          <a:fontRef idx="minor">
+            <a:schemeClr val="lt1"/>
+          </a:fontRef>
+        </p:style>
+        <p:txBody>
+          <a:bodyPr rtlCol="0" anchor="ctr"/>
+          <a:lstStyle/>
+          <a:p>
+            <a:pPr algn="ctr"/>
+            <a:endParaRPr lang="es-ES"/>
+          </a:p>
+        </p:txBody>
+      </p:sp>
+      <p:cxnSp>
+        <p:nvCxnSpPr>
+          <p:cNvPr id="19" name="Conector recto 18"/>
+          <p:cNvCxnSpPr/>
+          <p:nvPr/>
+        </p:nvCxnSpPr>
+        <p:spPr>
+          <a:xfrm flipV="1">
+            <a:off x="2579196" y="4845050"/>
+            <a:ext cx="4375901" cy="209676"/>
+          </a:xfrm>
+          <a:prstGeom prst="line">
+            <a:avLst/>
+          </a:prstGeom>
+          <a:ln w="6350">
+            <a:solidFill>
+              <a:schemeClr val="accent6">
+                <a:lumMod val="75000"/>
+              </a:schemeClr>
+            </a:solidFill>
+            <a:prstDash val="sysDot"/>
+          </a:ln>
+        </p:spPr>
+        <p:style>
+          <a:lnRef idx="2">
+            <a:schemeClr val="accent1"/>
+          </a:lnRef>
+          <a:fillRef idx="0">
+            <a:schemeClr val="accent1"/>
+          </a:fillRef>
+          <a:effectRef idx="1">
+            <a:schemeClr val="accent1"/>
+          </a:effectRef>
+          <a:fontRef idx="minor">
+            <a:schemeClr val="tx1"/>
+          </a:fontRef>
+        </p:style>
+      </p:cxnSp>
+      <p:cxnSp>
+        <p:nvCxnSpPr>
+          <p:cNvPr id="22" name="Conector recto 21"/>
+          <p:cNvCxnSpPr/>
+          <p:nvPr/>
+        </p:nvCxnSpPr>
+        <p:spPr>
+          <a:xfrm flipV="1">
+            <a:off x="1963246" y="3485370"/>
+            <a:ext cx="2508539" cy="1245506"/>
+          </a:xfrm>
+          <a:prstGeom prst="line">
+            <a:avLst/>
+          </a:prstGeom>
+          <a:ln w="6350">
+            <a:solidFill>
+              <a:schemeClr val="accent6">
+                <a:lumMod val="75000"/>
+              </a:schemeClr>
+            </a:solidFill>
+            <a:prstDash val="sysDot"/>
+          </a:ln>
+        </p:spPr>
+        <p:style>
+          <a:lnRef idx="2">
+            <a:schemeClr val="accent1"/>
+          </a:lnRef>
+          <a:fillRef idx="0">
+            <a:schemeClr val="accent1"/>
+          </a:fillRef>
+          <a:effectRef idx="1">
+            <a:schemeClr val="accent1"/>
+          </a:effectRef>
+          <a:fontRef idx="minor">
+            <a:schemeClr val="tx1"/>
+          </a:fontRef>
+        </p:style>
+      </p:cxnSp>
+    </p:spTree>
+    <p:extLst>
+      <p:ext uri="{BB962C8B-B14F-4D97-AF65-F5344CB8AC3E}">
+        <p14:creationId xmlns:p14="http://schemas.microsoft.com/office/powerpoint/2010/main" val="879927588"/>
+      </p:ext>
+    </p:extLst>
+  </p:cSld>
+  <p:clrMapOvr>
+    <a:masterClrMapping/>
+  </p:clrMapOvr>
+  <p:timing>
+    <p:tnLst>
+      <p:par>
+        <p:cTn xmlns:p14="http://schemas.microsoft.com/office/powerpoint/2010/main" id="1" dur="indefinite" restart="never" nodeType="tmRoot"/>
+      </p:par>
+    </p:tnLst>
+  </p:timing>
+</p:sld>
+</file>
+
+<file path=ppt/slides/slide4.xml><?xml version="1.0" encoding="utf-8"?>
 <p:sld xmlns:a="http://schemas.openxmlformats.org/drawingml/2006/main" xmlns:r="http://schemas.openxmlformats.org/officeDocument/2006/relationships" xmlns:p="http://schemas.openxmlformats.org/presentationml/2006/main">
   <p:cSld>
     <p:bg>

--- a/Boceto 1 interfaz Ecosystem.pptx
+++ b/Boceto 1 interfaz Ecosystem.pptx
@@ -9,6 +9,9 @@
     <p:sldId id="258" r:id="rId3"/>
     <p:sldId id="259" r:id="rId4"/>
     <p:sldId id="256" r:id="rId5"/>
+    <p:sldId id="262" r:id="rId6"/>
+    <p:sldId id="261" r:id="rId7"/>
+    <p:sldId id="260" r:id="rId8"/>
   </p:sldIdLst>
   <p:sldSz cx="9144000" cy="6858000" type="screen4x3"/>
   <p:notesSz cx="6858000" cy="9144000"/>
@@ -7331,15 +7334,15 @@
         </p:nvSpPr>
         <p:spPr>
           <a:xfrm>
-            <a:off x="1536700" y="4819650"/>
-            <a:ext cx="915357" cy="400050"/>
+            <a:off x="1536700" y="4597400"/>
+            <a:ext cx="915357" cy="622300"/>
           </a:xfrm>
           <a:prstGeom prst="borderCallout1">
             <a:avLst>
               <a:gd name="adj1" fmla="val 104095"/>
               <a:gd name="adj2" fmla="val 75985"/>
-              <a:gd name="adj3" fmla="val 172133"/>
-              <a:gd name="adj4" fmla="val 128675"/>
+              <a:gd name="adj3" fmla="val 143206"/>
+              <a:gd name="adj4" fmla="val 129768"/>
             </a:avLst>
           </a:prstGeom>
         </p:spPr>
@@ -7360,6 +7363,13 @@
         <p:txBody>
           <a:bodyPr rtlCol="0" anchor="ctr"/>
           <a:lstStyle/>
+          <a:p>
+            <a:pPr algn="ctr"/>
+            <a:r>
+              <a:rPr lang="es-ES" sz="600"/>
+              <a:t>Time controller: </a:t>
+            </a:r>
+          </a:p>
           <a:p>
             <a:pPr algn="ctr"/>
             <a:r>
@@ -7632,10 +7642,3798 @@
           </a:p>
         </p:txBody>
       </p:sp>
+      <p:pic>
+        <p:nvPicPr>
+          <p:cNvPr id="98" name="Imagen 97" descr="Captura de pantalla 2015-06-25 a las 11.11.47.png"/>
+          <p:cNvPicPr>
+            <a:picLocks noChangeAspect="1"/>
+          </p:cNvPicPr>
+          <p:nvPr/>
+        </p:nvPicPr>
+        <p:blipFill>
+          <a:blip r:embed="rId13">
+            <a:extLst>
+              <a:ext uri="{28A0092B-C50C-407E-A947-70E740481C1C}">
+                <a14:useLocalDpi xmlns:a14="http://schemas.microsoft.com/office/drawing/2010/main" val="0"/>
+              </a:ext>
+            </a:extLst>
+          </a:blip>
+          <a:stretch>
+            <a:fillRect/>
+          </a:stretch>
+        </p:blipFill>
+        <p:spPr>
+          <a:xfrm>
+            <a:off x="7234874" y="4861768"/>
+            <a:ext cx="1595368" cy="579231"/>
+          </a:xfrm>
+          <a:prstGeom prst="rect">
+            <a:avLst/>
+          </a:prstGeom>
+        </p:spPr>
+      </p:pic>
+      <p:sp>
+        <p:nvSpPr>
+          <p:cNvPr id="99" name="Llamada con línea 1 98"/>
+          <p:cNvSpPr/>
+          <p:nvPr/>
+        </p:nvSpPr>
+        <p:spPr>
+          <a:xfrm>
+            <a:off x="7982039" y="4043221"/>
+            <a:ext cx="848203" cy="634806"/>
+          </a:xfrm>
+          <a:prstGeom prst="borderCallout1">
+            <a:avLst>
+              <a:gd name="adj1" fmla="val 96759"/>
+              <a:gd name="adj2" fmla="val 62509"/>
+              <a:gd name="adj3" fmla="val 147110"/>
+              <a:gd name="adj4" fmla="val 13055"/>
+            </a:avLst>
+          </a:prstGeom>
+        </p:spPr>
+        <p:style>
+          <a:lnRef idx="1">
+            <a:schemeClr val="accent1"/>
+          </a:lnRef>
+          <a:fillRef idx="3">
+            <a:schemeClr val="accent1"/>
+          </a:fillRef>
+          <a:effectRef idx="2">
+            <a:schemeClr val="accent1"/>
+          </a:effectRef>
+          <a:fontRef idx="minor">
+            <a:schemeClr val="lt1"/>
+          </a:fontRef>
+        </p:style>
+        <p:txBody>
+          <a:bodyPr rtlCol="0" anchor="ctr"/>
+          <a:lstStyle/>
+          <a:p>
+            <a:pPr algn="ctr"/>
+            <a:r>
+              <a:rPr lang="es-ES" sz="600"/>
+              <a:t>Ventana de eventos: Seleccionamos qu</a:t>
+            </a:r>
+            <a:r>
+              <a:rPr lang="es-ES" sz="600"/>
+              <a:t>é eventos queremos que muestre y van saliendo las notificaciones</a:t>
+            </a:r>
+            <a:endParaRPr lang="es-ES" sz="600"/>
+          </a:p>
+        </p:txBody>
+      </p:sp>
     </p:spTree>
     <p:extLst>
       <p:ext uri="{BB962C8B-B14F-4D97-AF65-F5344CB8AC3E}">
         <p14:creationId xmlns:p14="http://schemas.microsoft.com/office/powerpoint/2010/main" val="1229730209"/>
+      </p:ext>
+    </p:extLst>
+  </p:cSld>
+  <p:clrMapOvr>
+    <a:masterClrMapping/>
+  </p:clrMapOvr>
+  <p:timing>
+    <p:tnLst>
+      <p:par>
+        <p:cTn xmlns:p14="http://schemas.microsoft.com/office/powerpoint/2010/main" id="1" dur="indefinite" restart="never" nodeType="tmRoot"/>
+      </p:par>
+    </p:tnLst>
+  </p:timing>
+</p:sld>
+</file>
+
+<file path=ppt/slides/slide5.xml><?xml version="1.0" encoding="utf-8"?>
+<p:sld xmlns:a="http://schemas.openxmlformats.org/drawingml/2006/main" xmlns:r="http://schemas.openxmlformats.org/officeDocument/2006/relationships" xmlns:p="http://schemas.openxmlformats.org/presentationml/2006/main">
+  <p:cSld>
+    <p:spTree>
+      <p:nvGrpSpPr>
+        <p:cNvPr id="1" name=""/>
+        <p:cNvGrpSpPr/>
+        <p:nvPr/>
+      </p:nvGrpSpPr>
+      <p:grpSpPr>
+        <a:xfrm>
+          <a:off x="0" y="0"/>
+          <a:ext cx="0" cy="0"/>
+          <a:chOff x="0" y="0"/>
+          <a:chExt cx="0" cy="0"/>
+        </a:xfrm>
+      </p:grpSpPr>
+      <p:pic>
+        <p:nvPicPr>
+          <p:cNvPr id="4" name="Imagen 3" descr="Captura de pantalla 2015-06-25 a las 11.09.22.png"/>
+          <p:cNvPicPr>
+            <a:picLocks noChangeAspect="1"/>
+          </p:cNvPicPr>
+          <p:nvPr/>
+        </p:nvPicPr>
+        <p:blipFill>
+          <a:blip r:embed="rId2">
+            <a:extLst>
+              <a:ext uri="{28A0092B-C50C-407E-A947-70E740481C1C}">
+                <a14:useLocalDpi xmlns:a14="http://schemas.microsoft.com/office/drawing/2010/main" val="0"/>
+              </a:ext>
+            </a:extLst>
+          </a:blip>
+          <a:stretch>
+            <a:fillRect/>
+          </a:stretch>
+        </p:blipFill>
+        <p:spPr>
+          <a:xfrm>
+            <a:off x="553095" y="1446768"/>
+            <a:ext cx="4506704" cy="2000793"/>
+          </a:xfrm>
+          <a:prstGeom prst="rect">
+            <a:avLst/>
+          </a:prstGeom>
+        </p:spPr>
+      </p:pic>
+      <p:pic>
+        <p:nvPicPr>
+          <p:cNvPr id="5" name="Imagen 4" descr="Captura de pantalla 2015-06-25 a las 11.11.47.png"/>
+          <p:cNvPicPr>
+            <a:picLocks noChangeAspect="1"/>
+          </p:cNvPicPr>
+          <p:nvPr/>
+        </p:nvPicPr>
+        <p:blipFill>
+          <a:blip r:embed="rId3">
+            <a:extLst>
+              <a:ext uri="{28A0092B-C50C-407E-A947-70E740481C1C}">
+                <a14:useLocalDpi xmlns:a14="http://schemas.microsoft.com/office/drawing/2010/main" val="0"/>
+              </a:ext>
+            </a:extLst>
+          </a:blip>
+          <a:stretch>
+            <a:fillRect/>
+          </a:stretch>
+        </p:blipFill>
+        <p:spPr>
+          <a:xfrm>
+            <a:off x="4660341" y="4060734"/>
+            <a:ext cx="3369786" cy="1223470"/>
+          </a:xfrm>
+          <a:prstGeom prst="rect">
+            <a:avLst/>
+          </a:prstGeom>
+        </p:spPr>
+      </p:pic>
+      <p:pic>
+        <p:nvPicPr>
+          <p:cNvPr id="6" name="Imagen 5" descr="Captura de pantalla 2015-06-25 a las 11.17.25.png"/>
+          <p:cNvPicPr>
+            <a:picLocks noChangeAspect="1"/>
+          </p:cNvPicPr>
+          <p:nvPr/>
+        </p:nvPicPr>
+        <p:blipFill>
+          <a:blip r:embed="rId4">
+            <a:extLst>
+              <a:ext uri="{28A0092B-C50C-407E-A947-70E740481C1C}">
+                <a14:useLocalDpi xmlns:a14="http://schemas.microsoft.com/office/drawing/2010/main" val="0"/>
+              </a:ext>
+            </a:extLst>
+          </a:blip>
+          <a:stretch>
+            <a:fillRect/>
+          </a:stretch>
+        </p:blipFill>
+        <p:spPr>
+          <a:xfrm>
+            <a:off x="6095999" y="2823633"/>
+            <a:ext cx="2531534" cy="931019"/>
+          </a:xfrm>
+          <a:prstGeom prst="rect">
+            <a:avLst/>
+          </a:prstGeom>
+        </p:spPr>
+      </p:pic>
+    </p:spTree>
+    <p:extLst>
+      <p:ext uri="{BB962C8B-B14F-4D97-AF65-F5344CB8AC3E}">
+        <p14:creationId xmlns:p14="http://schemas.microsoft.com/office/powerpoint/2010/main" val="1079879677"/>
+      </p:ext>
+    </p:extLst>
+  </p:cSld>
+  <p:clrMapOvr>
+    <a:masterClrMapping/>
+  </p:clrMapOvr>
+</p:sld>
+</file>
+
+<file path=ppt/slides/slide6.xml><?xml version="1.0" encoding="utf-8"?>
+<p:sld xmlns:a="http://schemas.openxmlformats.org/drawingml/2006/main" xmlns:r="http://schemas.openxmlformats.org/officeDocument/2006/relationships" xmlns:p="http://schemas.openxmlformats.org/presentationml/2006/main">
+  <p:cSld>
+    <p:spTree>
+      <p:nvGrpSpPr>
+        <p:cNvPr id="1" name=""/>
+        <p:cNvGrpSpPr/>
+        <p:nvPr/>
+      </p:nvGrpSpPr>
+      <p:grpSpPr>
+        <a:xfrm>
+          <a:off x="0" y="0"/>
+          <a:ext cx="0" cy="0"/>
+          <a:chOff x="0" y="0"/>
+          <a:chExt cx="0" cy="0"/>
+        </a:xfrm>
+      </p:grpSpPr>
+      <p:pic>
+        <p:nvPicPr>
+          <p:cNvPr id="4" name="Imagen 3" descr="Captura de pantalla 2015-06-25 a las 10.38.42.png"/>
+          <p:cNvPicPr>
+            <a:picLocks noChangeAspect="1"/>
+          </p:cNvPicPr>
+          <p:nvPr/>
+        </p:nvPicPr>
+        <p:blipFill>
+          <a:blip r:embed="rId2">
+            <a:extLst>
+              <a:ext uri="{28A0092B-C50C-407E-A947-70E740481C1C}">
+                <a14:useLocalDpi xmlns:a14="http://schemas.microsoft.com/office/drawing/2010/main" val="0"/>
+              </a:ext>
+            </a:extLst>
+          </a:blip>
+          <a:stretch>
+            <a:fillRect/>
+          </a:stretch>
+        </p:blipFill>
+        <p:spPr>
+          <a:xfrm>
+            <a:off x="2527300" y="1463719"/>
+            <a:ext cx="4748333" cy="2536781"/>
+          </a:xfrm>
+          <a:prstGeom prst="rect">
+            <a:avLst/>
+          </a:prstGeom>
+        </p:spPr>
+      </p:pic>
+      <p:sp>
+        <p:nvSpPr>
+          <p:cNvPr id="5" name="Rectángulo 4"/>
+          <p:cNvSpPr/>
+          <p:nvPr/>
+        </p:nvSpPr>
+        <p:spPr>
+          <a:xfrm>
+            <a:off x="260350" y="577850"/>
+            <a:ext cx="7258050" cy="469900"/>
+          </a:xfrm>
+          <a:prstGeom prst="rect">
+            <a:avLst/>
+          </a:prstGeom>
+        </p:spPr>
+        <p:style>
+          <a:lnRef idx="1">
+            <a:schemeClr val="accent1"/>
+          </a:lnRef>
+          <a:fillRef idx="3">
+            <a:schemeClr val="accent1"/>
+          </a:fillRef>
+          <a:effectRef idx="2">
+            <a:schemeClr val="accent1"/>
+          </a:effectRef>
+          <a:fontRef idx="minor">
+            <a:schemeClr val="lt1"/>
+          </a:fontRef>
+        </p:style>
+        <p:txBody>
+          <a:bodyPr rtlCol="0" anchor="ctr"/>
+          <a:lstStyle/>
+          <a:p>
+            <a:pPr algn="ctr"/>
+            <a:r>
+              <a:rPr lang="es-ES" sz="900"/>
+              <a:t>Este es el programa GEOGEBRA. ¿Lo conoces? Mola un mont</a:t>
+            </a:r>
+            <a:r>
+              <a:rPr lang="es-ES" sz="900"/>
+              <a:t>ón. De aquí podemos tomar algunas ideas para organizar las cosas en Ecosystem</a:t>
+            </a:r>
+            <a:endParaRPr lang="es-ES" sz="900"/>
+          </a:p>
+        </p:txBody>
+      </p:sp>
+      <p:sp>
+        <p:nvSpPr>
+          <p:cNvPr id="6" name="Llamada con línea 1 5"/>
+          <p:cNvSpPr/>
+          <p:nvPr/>
+        </p:nvSpPr>
+        <p:spPr>
+          <a:xfrm>
+            <a:off x="3390900" y="4387850"/>
+            <a:ext cx="1339850" cy="247650"/>
+          </a:xfrm>
+          <a:prstGeom prst="borderCallout1">
+            <a:avLst>
+              <a:gd name="adj1" fmla="val 52083"/>
+              <a:gd name="adj2" fmla="val -276"/>
+              <a:gd name="adj3" fmla="val -173379"/>
+              <a:gd name="adj4" fmla="val -16358"/>
+            </a:avLst>
+          </a:prstGeom>
+        </p:spPr>
+        <p:style>
+          <a:lnRef idx="1">
+            <a:schemeClr val="accent1"/>
+          </a:lnRef>
+          <a:fillRef idx="3">
+            <a:schemeClr val="accent1"/>
+          </a:fillRef>
+          <a:effectRef idx="2">
+            <a:schemeClr val="accent1"/>
+          </a:effectRef>
+          <a:fontRef idx="minor">
+            <a:schemeClr val="lt1"/>
+          </a:fontRef>
+        </p:style>
+        <p:txBody>
+          <a:bodyPr rtlCol="0" anchor="ctr"/>
+          <a:lstStyle/>
+          <a:p>
+            <a:pPr algn="ctr"/>
+            <a:r>
+              <a:rPr lang="es-ES" sz="600"/>
+              <a:t>Entrada de comandos en modo texto</a:t>
+            </a:r>
+          </a:p>
+        </p:txBody>
+      </p:sp>
+      <p:sp>
+        <p:nvSpPr>
+          <p:cNvPr id="7" name="CuadroTexto 6"/>
+          <p:cNvSpPr txBox="1"/>
+          <p:nvPr/>
+        </p:nvSpPr>
+        <p:spPr>
+          <a:xfrm>
+            <a:off x="2755900" y="3837573"/>
+            <a:ext cx="2235200" cy="169277"/>
+          </a:xfrm>
+          <a:prstGeom prst="rect">
+            <a:avLst/>
+          </a:prstGeom>
+          <a:noFill/>
+        </p:spPr>
+        <p:txBody>
+          <a:bodyPr wrap="square" rtlCol="0">
+            <a:spAutoFit/>
+          </a:bodyPr>
+          <a:lstStyle/>
+          <a:p>
+            <a:r>
+              <a:rPr lang="es-ES" sz="500"/>
+              <a:t>Create_organisms({‘category’: ‘Plants’, ‘number of organisms’: 500})</a:t>
+            </a:r>
+          </a:p>
+        </p:txBody>
+      </p:sp>
+      <p:sp>
+        <p:nvSpPr>
+          <p:cNvPr id="8" name="Llamada con línea 1 7"/>
+          <p:cNvSpPr/>
+          <p:nvPr/>
+        </p:nvSpPr>
+        <p:spPr>
+          <a:xfrm>
+            <a:off x="501650" y="1917700"/>
+            <a:ext cx="1339850" cy="1092200"/>
+          </a:xfrm>
+          <a:prstGeom prst="borderCallout1">
+            <a:avLst>
+              <a:gd name="adj1" fmla="val 48013"/>
+              <a:gd name="adj2" fmla="val 101146"/>
+              <a:gd name="adj3" fmla="val 75274"/>
+              <a:gd name="adj4" fmla="val 156154"/>
+            </a:avLst>
+          </a:prstGeom>
+        </p:spPr>
+        <p:style>
+          <a:lnRef idx="1">
+            <a:schemeClr val="accent1"/>
+          </a:lnRef>
+          <a:fillRef idx="3">
+            <a:schemeClr val="accent1"/>
+          </a:fillRef>
+          <a:effectRef idx="2">
+            <a:schemeClr val="accent1"/>
+          </a:effectRef>
+          <a:fontRef idx="minor">
+            <a:schemeClr val="lt1"/>
+          </a:fontRef>
+        </p:style>
+        <p:txBody>
+          <a:bodyPr rtlCol="0" anchor="ctr"/>
+          <a:lstStyle/>
+          <a:p>
+            <a:pPr algn="ctr"/>
+            <a:r>
+              <a:rPr lang="es-ES" sz="600"/>
+              <a:t>Aqu</a:t>
+            </a:r>
+            <a:r>
+              <a:rPr lang="es-ES" sz="600"/>
+              <a:t>í podemos poner una lista de todas las ventanas que hemos creado para visualizar el ecosistema. Cuando queremos que se muestre alguna de ellas (la mayoría las podemos tener casi siempre ocultas), le picamos en su casilla de verificación y aparece la ventana</a:t>
+            </a:r>
+            <a:endParaRPr lang="es-ES" sz="600"/>
+          </a:p>
+        </p:txBody>
+      </p:sp>
+    </p:spTree>
+    <p:extLst>
+      <p:ext uri="{BB962C8B-B14F-4D97-AF65-F5344CB8AC3E}">
+        <p14:creationId xmlns:p14="http://schemas.microsoft.com/office/powerpoint/2010/main" val="1512578645"/>
+      </p:ext>
+    </p:extLst>
+  </p:cSld>
+  <p:clrMapOvr>
+    <a:masterClrMapping/>
+  </p:clrMapOvr>
+</p:sld>
+</file>
+
+<file path=ppt/slides/slide7.xml><?xml version="1.0" encoding="utf-8"?>
+<p:sld xmlns:a="http://schemas.openxmlformats.org/drawingml/2006/main" xmlns:r="http://schemas.openxmlformats.org/officeDocument/2006/relationships" xmlns:p="http://schemas.openxmlformats.org/presentationml/2006/main">
+  <p:cSld>
+    <p:bg>
+      <p:bgPr>
+        <a:solidFill>
+          <a:schemeClr val="tx1"/>
+        </a:solidFill>
+        <a:effectLst/>
+      </p:bgPr>
+    </p:bg>
+    <p:spTree>
+      <p:nvGrpSpPr>
+        <p:cNvPr id="1" name=""/>
+        <p:cNvGrpSpPr/>
+        <p:nvPr/>
+      </p:nvGrpSpPr>
+      <p:grpSpPr>
+        <a:xfrm>
+          <a:off x="0" y="0"/>
+          <a:ext cx="0" cy="0"/>
+          <a:chOff x="0" y="0"/>
+          <a:chExt cx="0" cy="0"/>
+        </a:xfrm>
+      </p:grpSpPr>
+      <p:pic>
+        <p:nvPicPr>
+          <p:cNvPr id="4" name="Imagen 3" descr="Captura de pantalla 2015-06-24 a las 23.57.45.png"/>
+          <p:cNvPicPr>
+            <a:picLocks noChangeAspect="1"/>
+          </p:cNvPicPr>
+          <p:nvPr/>
+        </p:nvPicPr>
+        <p:blipFill>
+          <a:blip r:embed="rId2">
+            <a:extLst>
+              <a:ext uri="{28A0092B-C50C-407E-A947-70E740481C1C}">
+                <a14:useLocalDpi xmlns:a14="http://schemas.microsoft.com/office/drawing/2010/main" val="0"/>
+              </a:ext>
+            </a:extLst>
+          </a:blip>
+          <a:stretch>
+            <a:fillRect/>
+          </a:stretch>
+        </p:blipFill>
+        <p:spPr>
+          <a:xfrm>
+            <a:off x="0" y="430031"/>
+            <a:ext cx="9144000" cy="6021049"/>
+          </a:xfrm>
+          <a:prstGeom prst="rect">
+            <a:avLst/>
+          </a:prstGeom>
+          <a:pattFill prst="pct40">
+            <a:fgClr>
+              <a:prstClr val="black"/>
+            </a:fgClr>
+            <a:bgClr>
+              <a:schemeClr val="accent3">
+                <a:lumMod val="40000"/>
+                <a:lumOff val="60000"/>
+              </a:schemeClr>
+            </a:bgClr>
+          </a:pattFill>
+        </p:spPr>
+      </p:pic>
+      <p:sp>
+        <p:nvSpPr>
+          <p:cNvPr id="78" name="Rectángulo 77"/>
+          <p:cNvSpPr/>
+          <p:nvPr/>
+        </p:nvSpPr>
+        <p:spPr>
+          <a:xfrm>
+            <a:off x="1456607" y="1377850"/>
+            <a:ext cx="7569918" cy="4436630"/>
+          </a:xfrm>
+          <a:prstGeom prst="rect">
+            <a:avLst/>
+          </a:prstGeom>
+          <a:solidFill>
+            <a:schemeClr val="bg1"/>
+          </a:solidFill>
+          <a:ln>
+            <a:noFill/>
+          </a:ln>
+          <a:effectLst/>
+        </p:spPr>
+        <p:style>
+          <a:lnRef idx="1">
+            <a:schemeClr val="accent1"/>
+          </a:lnRef>
+          <a:fillRef idx="3">
+            <a:schemeClr val="accent1"/>
+          </a:fillRef>
+          <a:effectRef idx="2">
+            <a:schemeClr val="accent1"/>
+          </a:effectRef>
+          <a:fontRef idx="minor">
+            <a:schemeClr val="lt1"/>
+          </a:fontRef>
+        </p:style>
+        <p:txBody>
+          <a:bodyPr rtlCol="0" anchor="ctr"/>
+          <a:lstStyle/>
+          <a:p>
+            <a:pPr algn="ctr"/>
+            <a:endParaRPr lang="es-ES"/>
+          </a:p>
+        </p:txBody>
+      </p:sp>
+      <p:sp>
+        <p:nvSpPr>
+          <p:cNvPr id="6" name="Rectángulo 5"/>
+          <p:cNvSpPr/>
+          <p:nvPr/>
+        </p:nvSpPr>
+        <p:spPr>
+          <a:xfrm>
+            <a:off x="4343401" y="474134"/>
+            <a:ext cx="1147233" cy="254000"/>
+          </a:xfrm>
+          <a:prstGeom prst="rect">
+            <a:avLst/>
+          </a:prstGeom>
+          <a:gradFill flip="none" rotWithShape="1">
+            <a:gsLst>
+              <a:gs pos="0">
+                <a:srgbClr val="E6E6E6"/>
+              </a:gs>
+              <a:gs pos="100000">
+                <a:srgbClr val="CECECE"/>
+              </a:gs>
+            </a:gsLst>
+            <a:lin ang="5400000" scaled="0"/>
+            <a:tileRect/>
+          </a:gradFill>
+          <a:ln>
+            <a:noFill/>
+          </a:ln>
+          <a:effectLst/>
+        </p:spPr>
+        <p:style>
+          <a:lnRef idx="1">
+            <a:schemeClr val="accent1"/>
+          </a:lnRef>
+          <a:fillRef idx="3">
+            <a:schemeClr val="accent1"/>
+          </a:fillRef>
+          <a:effectRef idx="2">
+            <a:schemeClr val="accent1"/>
+          </a:effectRef>
+          <a:fontRef idx="minor">
+            <a:schemeClr val="lt1"/>
+          </a:fontRef>
+        </p:style>
+        <p:txBody>
+          <a:bodyPr rtlCol="0" anchor="ctr"/>
+          <a:lstStyle/>
+          <a:p>
+            <a:pPr algn="ctr"/>
+            <a:endParaRPr lang="es-ES"/>
+          </a:p>
+        </p:txBody>
+      </p:sp>
+      <p:sp>
+        <p:nvSpPr>
+          <p:cNvPr id="5" name="CuadroTexto 4"/>
+          <p:cNvSpPr txBox="1"/>
+          <p:nvPr/>
+        </p:nvSpPr>
+        <p:spPr>
+          <a:xfrm>
+            <a:off x="4267203" y="403319"/>
+            <a:ext cx="1929803" cy="215444"/>
+          </a:xfrm>
+          <a:prstGeom prst="rect">
+            <a:avLst/>
+          </a:prstGeom>
+          <a:noFill/>
+        </p:spPr>
+        <p:txBody>
+          <a:bodyPr wrap="square" rtlCol="0">
+            <a:spAutoFit/>
+          </a:bodyPr>
+          <a:lstStyle/>
+          <a:p>
+            <a:r>
+              <a:rPr lang="es-ES" sz="800">
+                <a:solidFill>
+                  <a:schemeClr val="bg1">
+                    <a:lumMod val="50000"/>
+                  </a:schemeClr>
+                </a:solidFill>
+              </a:rPr>
+              <a:t>Ventana principal de Ecosystem</a:t>
+            </a:r>
+          </a:p>
+        </p:txBody>
+      </p:sp>
+      <p:sp>
+        <p:nvSpPr>
+          <p:cNvPr id="7" name="Rectángulo 6"/>
+          <p:cNvSpPr/>
+          <p:nvPr/>
+        </p:nvSpPr>
+        <p:spPr>
+          <a:xfrm>
+            <a:off x="5799666" y="1240367"/>
+            <a:ext cx="448732" cy="101600"/>
+          </a:xfrm>
+          <a:prstGeom prst="rect">
+            <a:avLst/>
+          </a:prstGeom>
+          <a:gradFill flip="none" rotWithShape="1">
+            <a:gsLst>
+              <a:gs pos="0">
+                <a:srgbClr val="E6E6E6"/>
+              </a:gs>
+              <a:gs pos="100000">
+                <a:srgbClr val="CECECE"/>
+              </a:gs>
+            </a:gsLst>
+            <a:lin ang="5400000" scaled="0"/>
+            <a:tileRect/>
+          </a:gradFill>
+          <a:ln>
+            <a:noFill/>
+          </a:ln>
+          <a:effectLst/>
+        </p:spPr>
+        <p:style>
+          <a:lnRef idx="1">
+            <a:schemeClr val="accent1"/>
+          </a:lnRef>
+          <a:fillRef idx="3">
+            <a:schemeClr val="accent1"/>
+          </a:fillRef>
+          <a:effectRef idx="2">
+            <a:schemeClr val="accent1"/>
+          </a:effectRef>
+          <a:fontRef idx="minor">
+            <a:schemeClr val="lt1"/>
+          </a:fontRef>
+        </p:style>
+        <p:txBody>
+          <a:bodyPr lIns="0" tIns="0" rIns="0" bIns="0" rtlCol="0" anchor="ctr"/>
+          <a:lstStyle/>
+          <a:p>
+            <a:pPr algn="ctr"/>
+            <a:r>
+              <a:rPr lang="es-ES" sz="600">
+                <a:solidFill>
+                  <a:schemeClr val="tx1"/>
+                </a:solidFill>
+              </a:rPr>
+              <a:t>Organismos</a:t>
+            </a:r>
+          </a:p>
+        </p:txBody>
+      </p:sp>
+      <p:sp>
+        <p:nvSpPr>
+          <p:cNvPr id="8" name="Rectángulo 7"/>
+          <p:cNvSpPr/>
+          <p:nvPr/>
+        </p:nvSpPr>
+        <p:spPr>
+          <a:xfrm>
+            <a:off x="3818471" y="927100"/>
+            <a:ext cx="448732" cy="71967"/>
+          </a:xfrm>
+          <a:prstGeom prst="rect">
+            <a:avLst/>
+          </a:prstGeom>
+          <a:gradFill flip="none" rotWithShape="1">
+            <a:gsLst>
+              <a:gs pos="0">
+                <a:srgbClr val="E6E6E6"/>
+              </a:gs>
+              <a:gs pos="100000">
+                <a:srgbClr val="CECECE"/>
+              </a:gs>
+            </a:gsLst>
+            <a:lin ang="5400000" scaled="0"/>
+            <a:tileRect/>
+          </a:gradFill>
+          <a:ln>
+            <a:noFill/>
+          </a:ln>
+          <a:effectLst/>
+        </p:spPr>
+        <p:style>
+          <a:lnRef idx="1">
+            <a:schemeClr val="accent1"/>
+          </a:lnRef>
+          <a:fillRef idx="3">
+            <a:schemeClr val="accent1"/>
+          </a:fillRef>
+          <a:effectRef idx="2">
+            <a:schemeClr val="accent1"/>
+          </a:effectRef>
+          <a:fontRef idx="minor">
+            <a:schemeClr val="lt1"/>
+          </a:fontRef>
+        </p:style>
+        <p:txBody>
+          <a:bodyPr lIns="0" tIns="0" rIns="0" bIns="0" rtlCol="0" anchor="ctr"/>
+          <a:lstStyle/>
+          <a:p>
+            <a:pPr algn="ctr"/>
+            <a:r>
+              <a:rPr lang="es-ES" sz="500" b="1">
+                <a:solidFill>
+                  <a:schemeClr val="tx1"/>
+                </a:solidFill>
+              </a:rPr>
+              <a:t>Estad</a:t>
+            </a:r>
+            <a:r>
+              <a:rPr lang="es-ES" sz="500" b="1">
+                <a:solidFill>
+                  <a:schemeClr val="tx1"/>
+                </a:solidFill>
+              </a:rPr>
+              <a:t>ística</a:t>
+            </a:r>
+            <a:r>
+              <a:rPr lang="es-ES" sz="500" b="1">
+                <a:solidFill>
+                  <a:schemeClr val="tx1"/>
+                </a:solidFill>
+              </a:rPr>
+              <a:t>s</a:t>
+            </a:r>
+          </a:p>
+        </p:txBody>
+      </p:sp>
+      <p:sp>
+        <p:nvSpPr>
+          <p:cNvPr id="9" name="Rectángulo 8"/>
+          <p:cNvSpPr/>
+          <p:nvPr/>
+        </p:nvSpPr>
+        <p:spPr>
+          <a:xfrm>
+            <a:off x="2006606" y="927100"/>
+            <a:ext cx="448732" cy="71967"/>
+          </a:xfrm>
+          <a:prstGeom prst="rect">
+            <a:avLst/>
+          </a:prstGeom>
+          <a:gradFill flip="none" rotWithShape="1">
+            <a:gsLst>
+              <a:gs pos="0">
+                <a:srgbClr val="E6E6E6"/>
+              </a:gs>
+              <a:gs pos="100000">
+                <a:srgbClr val="CECECE"/>
+              </a:gs>
+            </a:gsLst>
+            <a:lin ang="5400000" scaled="0"/>
+            <a:tileRect/>
+          </a:gradFill>
+          <a:ln>
+            <a:noFill/>
+          </a:ln>
+          <a:effectLst/>
+        </p:spPr>
+        <p:style>
+          <a:lnRef idx="1">
+            <a:schemeClr val="accent1"/>
+          </a:lnRef>
+          <a:fillRef idx="3">
+            <a:schemeClr val="accent1"/>
+          </a:fillRef>
+          <a:effectRef idx="2">
+            <a:schemeClr val="accent1"/>
+          </a:effectRef>
+          <a:fontRef idx="minor">
+            <a:schemeClr val="lt1"/>
+          </a:fontRef>
+        </p:style>
+        <p:txBody>
+          <a:bodyPr lIns="0" tIns="0" rIns="0" bIns="0" rtlCol="0" anchor="ctr"/>
+          <a:lstStyle/>
+          <a:p>
+            <a:pPr algn="ctr"/>
+            <a:r>
+              <a:rPr lang="es-ES" sz="500" b="1">
+                <a:solidFill>
+                  <a:schemeClr val="tx1"/>
+                </a:solidFill>
+              </a:rPr>
+              <a:t>Clima</a:t>
+            </a:r>
+          </a:p>
+        </p:txBody>
+      </p:sp>
+      <p:sp>
+        <p:nvSpPr>
+          <p:cNvPr id="10" name="Rectángulo 9"/>
+          <p:cNvSpPr/>
+          <p:nvPr/>
+        </p:nvSpPr>
+        <p:spPr>
+          <a:xfrm>
+            <a:off x="5020732" y="1261534"/>
+            <a:ext cx="448732" cy="71967"/>
+          </a:xfrm>
+          <a:prstGeom prst="rect">
+            <a:avLst/>
+          </a:prstGeom>
+          <a:gradFill flip="none" rotWithShape="1">
+            <a:gsLst>
+              <a:gs pos="0">
+                <a:srgbClr val="E6E6E6"/>
+              </a:gs>
+              <a:gs pos="100000">
+                <a:srgbClr val="CECECE"/>
+              </a:gs>
+            </a:gsLst>
+            <a:lin ang="5400000" scaled="0"/>
+            <a:tileRect/>
+          </a:gradFill>
+          <a:ln>
+            <a:noFill/>
+          </a:ln>
+          <a:effectLst/>
+        </p:spPr>
+        <p:style>
+          <a:lnRef idx="1">
+            <a:schemeClr val="accent1"/>
+          </a:lnRef>
+          <a:fillRef idx="3">
+            <a:schemeClr val="accent1"/>
+          </a:fillRef>
+          <a:effectRef idx="2">
+            <a:schemeClr val="accent1"/>
+          </a:effectRef>
+          <a:fontRef idx="minor">
+            <a:schemeClr val="lt1"/>
+          </a:fontRef>
+        </p:style>
+        <p:txBody>
+          <a:bodyPr lIns="0" tIns="0" rIns="0" bIns="0" rtlCol="0" anchor="ctr"/>
+          <a:lstStyle/>
+          <a:p>
+            <a:pPr algn="ctr"/>
+            <a:r>
+              <a:rPr lang="es-ES" sz="500" b="1">
+                <a:solidFill>
+                  <a:schemeClr val="tx1"/>
+                </a:solidFill>
+              </a:rPr>
+              <a:t>Substancia</a:t>
+            </a:r>
+          </a:p>
+        </p:txBody>
+      </p:sp>
+      <p:sp>
+        <p:nvSpPr>
+          <p:cNvPr id="11" name="Rectángulo 10"/>
+          <p:cNvSpPr/>
+          <p:nvPr/>
+        </p:nvSpPr>
+        <p:spPr>
+          <a:xfrm>
+            <a:off x="4775199" y="1261535"/>
+            <a:ext cx="287869" cy="68576"/>
+          </a:xfrm>
+          <a:prstGeom prst="rect">
+            <a:avLst/>
+          </a:prstGeom>
+          <a:gradFill flip="none" rotWithShape="1">
+            <a:gsLst>
+              <a:gs pos="0">
+                <a:srgbClr val="E6E6E6"/>
+              </a:gs>
+              <a:gs pos="100000">
+                <a:srgbClr val="CECECE"/>
+              </a:gs>
+            </a:gsLst>
+            <a:lin ang="5400000" scaled="0"/>
+            <a:tileRect/>
+          </a:gradFill>
+          <a:ln>
+            <a:noFill/>
+          </a:ln>
+          <a:effectLst/>
+        </p:spPr>
+        <p:style>
+          <a:lnRef idx="1">
+            <a:schemeClr val="accent1"/>
+          </a:lnRef>
+          <a:fillRef idx="3">
+            <a:schemeClr val="accent1"/>
+          </a:fillRef>
+          <a:effectRef idx="2">
+            <a:schemeClr val="accent1"/>
+          </a:effectRef>
+          <a:fontRef idx="minor">
+            <a:schemeClr val="lt1"/>
+          </a:fontRef>
+        </p:style>
+        <p:txBody>
+          <a:bodyPr lIns="0" tIns="0" rIns="0" bIns="0" rtlCol="0" anchor="ctr"/>
+          <a:lstStyle/>
+          <a:p>
+            <a:pPr algn="ctr"/>
+            <a:r>
+              <a:rPr lang="es-ES" sz="500" b="1">
+                <a:solidFill>
+                  <a:schemeClr val="tx1"/>
+                </a:solidFill>
+              </a:rPr>
+              <a:t>Genes</a:t>
+            </a:r>
+          </a:p>
+        </p:txBody>
+      </p:sp>
+      <p:pic>
+        <p:nvPicPr>
+          <p:cNvPr id="12" name="Imagen 11" descr="Captura de pantalla 2015-06-25 a las 0.14.19.png"/>
+          <p:cNvPicPr>
+            <a:picLocks noChangeAspect="1"/>
+          </p:cNvPicPr>
+          <p:nvPr/>
+        </p:nvPicPr>
+        <p:blipFill>
+          <a:blip r:embed="rId3">
+            <a:extLst>
+              <a:ext uri="{28A0092B-C50C-407E-A947-70E740481C1C}">
+                <a14:useLocalDpi xmlns:a14="http://schemas.microsoft.com/office/drawing/2010/main" val="0"/>
+              </a:ext>
+            </a:extLst>
+          </a:blip>
+          <a:stretch>
+            <a:fillRect/>
+          </a:stretch>
+        </p:blipFill>
+        <p:spPr>
+          <a:xfrm>
+            <a:off x="234950" y="2533650"/>
+            <a:ext cx="1022026" cy="889000"/>
+          </a:xfrm>
+          <a:prstGeom prst="rect">
+            <a:avLst/>
+          </a:prstGeom>
+        </p:spPr>
+      </p:pic>
+      <p:sp>
+        <p:nvSpPr>
+          <p:cNvPr id="13" name="CuadroTexto 12"/>
+          <p:cNvSpPr txBox="1"/>
+          <p:nvPr/>
+        </p:nvSpPr>
+        <p:spPr>
+          <a:xfrm>
+            <a:off x="38100" y="2510338"/>
+            <a:ext cx="215900" cy="169277"/>
+          </a:xfrm>
+          <a:prstGeom prst="rect">
+            <a:avLst/>
+          </a:prstGeom>
+          <a:noFill/>
+        </p:spPr>
+        <p:txBody>
+          <a:bodyPr wrap="square" rtlCol="0">
+            <a:spAutoFit/>
+          </a:bodyPr>
+          <a:lstStyle/>
+          <a:p>
+            <a:r>
+              <a:rPr lang="es-ES" sz="500"/>
+              <a:t>2</a:t>
+            </a:r>
+          </a:p>
+        </p:txBody>
+      </p:sp>
+      <p:sp>
+        <p:nvSpPr>
+          <p:cNvPr id="19" name="Rectángulo 18"/>
+          <p:cNvSpPr/>
+          <p:nvPr/>
+        </p:nvSpPr>
+        <p:spPr>
+          <a:xfrm>
+            <a:off x="266700" y="1367368"/>
+            <a:ext cx="448732" cy="152400"/>
+          </a:xfrm>
+          <a:prstGeom prst="rect">
+            <a:avLst/>
+          </a:prstGeom>
+          <a:solidFill>
+            <a:schemeClr val="tx2">
+              <a:lumMod val="60000"/>
+              <a:lumOff val="40000"/>
+            </a:schemeClr>
+          </a:solidFill>
+          <a:ln>
+            <a:noFill/>
+          </a:ln>
+          <a:effectLst/>
+          <a:scene3d>
+            <a:camera prst="orthographicFront"/>
+            <a:lightRig rig="threePt" dir="t"/>
+          </a:scene3d>
+          <a:sp3d>
+            <a:bevelT w="6350"/>
+            <a:bevelB w="6350"/>
+          </a:sp3d>
+        </p:spPr>
+        <p:style>
+          <a:lnRef idx="1">
+            <a:schemeClr val="accent1"/>
+          </a:lnRef>
+          <a:fillRef idx="3">
+            <a:schemeClr val="accent1"/>
+          </a:fillRef>
+          <a:effectRef idx="2">
+            <a:schemeClr val="accent1"/>
+          </a:effectRef>
+          <a:fontRef idx="minor">
+            <a:schemeClr val="lt1"/>
+          </a:fontRef>
+        </p:style>
+        <p:txBody>
+          <a:bodyPr lIns="0" tIns="0" rIns="0" bIns="0" rtlCol="0" anchor="ctr"/>
+          <a:lstStyle/>
+          <a:p>
+            <a:pPr algn="ctr"/>
+            <a:r>
+              <a:rPr lang="es-ES" sz="500" b="1">
+                <a:solidFill>
+                  <a:schemeClr val="tx1"/>
+                </a:solidFill>
+              </a:rPr>
+              <a:t>Outputs</a:t>
+            </a:r>
+          </a:p>
+        </p:txBody>
+      </p:sp>
+      <p:sp>
+        <p:nvSpPr>
+          <p:cNvPr id="20" name="Rectángulo 19"/>
+          <p:cNvSpPr/>
+          <p:nvPr/>
+        </p:nvSpPr>
+        <p:spPr>
+          <a:xfrm>
+            <a:off x="260349" y="1240368"/>
+            <a:ext cx="336551" cy="95250"/>
+          </a:xfrm>
+          <a:prstGeom prst="rect">
+            <a:avLst/>
+          </a:prstGeom>
+          <a:gradFill flip="none" rotWithShape="1">
+            <a:gsLst>
+              <a:gs pos="0">
+                <a:srgbClr val="E6E6E6"/>
+              </a:gs>
+              <a:gs pos="100000">
+                <a:srgbClr val="CECECE"/>
+              </a:gs>
+            </a:gsLst>
+            <a:lin ang="5400000" scaled="0"/>
+            <a:tileRect/>
+          </a:gradFill>
+          <a:ln>
+            <a:noFill/>
+          </a:ln>
+          <a:effectLst/>
+        </p:spPr>
+        <p:style>
+          <a:lnRef idx="1">
+            <a:schemeClr val="accent1"/>
+          </a:lnRef>
+          <a:fillRef idx="3">
+            <a:schemeClr val="accent1"/>
+          </a:fillRef>
+          <a:effectRef idx="2">
+            <a:schemeClr val="accent1"/>
+          </a:effectRef>
+          <a:fontRef idx="minor">
+            <a:schemeClr val="lt1"/>
+          </a:fontRef>
+        </p:style>
+        <p:txBody>
+          <a:bodyPr lIns="0" tIns="0" rIns="0" bIns="0" rtlCol="0" anchor="ctr"/>
+          <a:lstStyle/>
+          <a:p>
+            <a:pPr algn="ctr"/>
+            <a:r>
+              <a:rPr lang="es-ES" sz="500" b="1">
+                <a:solidFill>
+                  <a:schemeClr val="tx1"/>
+                </a:solidFill>
+              </a:rPr>
+              <a:t>Especie</a:t>
+            </a:r>
+          </a:p>
+        </p:txBody>
+      </p:sp>
+      <p:sp>
+        <p:nvSpPr>
+          <p:cNvPr id="21" name="Rectángulo 20"/>
+          <p:cNvSpPr/>
+          <p:nvPr/>
+        </p:nvSpPr>
+        <p:spPr>
+          <a:xfrm>
+            <a:off x="1593850" y="1447800"/>
+            <a:ext cx="2171700" cy="1562100"/>
+          </a:xfrm>
+          <a:prstGeom prst="rect">
+            <a:avLst/>
+          </a:prstGeom>
+        </p:spPr>
+        <p:style>
+          <a:lnRef idx="1">
+            <a:schemeClr val="accent1"/>
+          </a:lnRef>
+          <a:fillRef idx="3">
+            <a:schemeClr val="accent1"/>
+          </a:fillRef>
+          <a:effectRef idx="2">
+            <a:schemeClr val="accent1"/>
+          </a:effectRef>
+          <a:fontRef idx="minor">
+            <a:schemeClr val="lt1"/>
+          </a:fontRef>
+        </p:style>
+        <p:txBody>
+          <a:bodyPr rtlCol="0" anchor="ctr"/>
+          <a:lstStyle/>
+          <a:p>
+            <a:pPr algn="ctr"/>
+            <a:endParaRPr lang="es-ES"/>
+          </a:p>
+        </p:txBody>
+      </p:sp>
+      <p:sp>
+        <p:nvSpPr>
+          <p:cNvPr id="22" name="Rectángulo 21"/>
+          <p:cNvSpPr/>
+          <p:nvPr/>
+        </p:nvSpPr>
+        <p:spPr>
+          <a:xfrm>
+            <a:off x="1593850" y="1578142"/>
+            <a:ext cx="2171700" cy="1285708"/>
+          </a:xfrm>
+          <a:prstGeom prst="rect">
+            <a:avLst/>
+          </a:prstGeom>
+          <a:solidFill>
+            <a:schemeClr val="tx1"/>
+          </a:solidFill>
+        </p:spPr>
+        <p:style>
+          <a:lnRef idx="1">
+            <a:schemeClr val="accent1"/>
+          </a:lnRef>
+          <a:fillRef idx="3">
+            <a:schemeClr val="accent1"/>
+          </a:fillRef>
+          <a:effectRef idx="2">
+            <a:schemeClr val="accent1"/>
+          </a:effectRef>
+          <a:fontRef idx="minor">
+            <a:schemeClr val="lt1"/>
+          </a:fontRef>
+        </p:style>
+        <p:txBody>
+          <a:bodyPr rtlCol="0" anchor="ctr"/>
+          <a:lstStyle/>
+          <a:p>
+            <a:pPr algn="ctr"/>
+            <a:endParaRPr lang="es-ES"/>
+          </a:p>
+        </p:txBody>
+      </p:sp>
+      <p:sp>
+        <p:nvSpPr>
+          <p:cNvPr id="23" name="Rectángulo 22"/>
+          <p:cNvSpPr/>
+          <p:nvPr/>
+        </p:nvSpPr>
+        <p:spPr>
+          <a:xfrm>
+            <a:off x="1619251" y="1447801"/>
+            <a:ext cx="448732" cy="130341"/>
+          </a:xfrm>
+          <a:prstGeom prst="rect">
+            <a:avLst/>
+          </a:prstGeom>
+          <a:gradFill flip="none" rotWithShape="1">
+            <a:gsLst>
+              <a:gs pos="0">
+                <a:srgbClr val="E6E6E6"/>
+              </a:gs>
+              <a:gs pos="100000">
+                <a:srgbClr val="CECECE"/>
+              </a:gs>
+            </a:gsLst>
+            <a:lin ang="5400000" scaled="0"/>
+            <a:tileRect/>
+          </a:gradFill>
+          <a:ln>
+            <a:noFill/>
+          </a:ln>
+          <a:effectLst/>
+        </p:spPr>
+        <p:style>
+          <a:lnRef idx="1">
+            <a:schemeClr val="accent1"/>
+          </a:lnRef>
+          <a:fillRef idx="3">
+            <a:schemeClr val="accent1"/>
+          </a:fillRef>
+          <a:effectRef idx="2">
+            <a:schemeClr val="accent1"/>
+          </a:effectRef>
+          <a:fontRef idx="minor">
+            <a:schemeClr val="lt1"/>
+          </a:fontRef>
+        </p:style>
+        <p:txBody>
+          <a:bodyPr lIns="0" tIns="0" rIns="0" bIns="0" rtlCol="0" anchor="ctr"/>
+          <a:lstStyle/>
+          <a:p>
+            <a:pPr algn="ctr"/>
+            <a:r>
+              <a:rPr lang="es-ES" sz="500" b="1">
+                <a:solidFill>
+                  <a:schemeClr val="tx1"/>
+                </a:solidFill>
+              </a:rPr>
+              <a:t>Mapa:</a:t>
+            </a:r>
+          </a:p>
+        </p:txBody>
+      </p:sp>
+      <p:sp>
+        <p:nvSpPr>
+          <p:cNvPr id="24" name="Rectángulo 23"/>
+          <p:cNvSpPr/>
+          <p:nvPr/>
+        </p:nvSpPr>
+        <p:spPr>
+          <a:xfrm>
+            <a:off x="2080683" y="1447801"/>
+            <a:ext cx="313267" cy="123991"/>
+          </a:xfrm>
+          <a:prstGeom prst="rect">
+            <a:avLst/>
+          </a:prstGeom>
+          <a:gradFill flip="none" rotWithShape="1">
+            <a:gsLst>
+              <a:gs pos="0">
+                <a:srgbClr val="E6E6E6"/>
+              </a:gs>
+              <a:gs pos="100000">
+                <a:srgbClr val="CECECE"/>
+              </a:gs>
+            </a:gsLst>
+            <a:lin ang="5400000" scaled="0"/>
+            <a:tileRect/>
+          </a:gradFill>
+          <a:ln>
+            <a:noFill/>
+          </a:ln>
+          <a:effectLst/>
+        </p:spPr>
+        <p:style>
+          <a:lnRef idx="1">
+            <a:schemeClr val="accent1"/>
+          </a:lnRef>
+          <a:fillRef idx="3">
+            <a:schemeClr val="accent1"/>
+          </a:fillRef>
+          <a:effectRef idx="2">
+            <a:schemeClr val="accent1"/>
+          </a:effectRef>
+          <a:fontRef idx="minor">
+            <a:schemeClr val="lt1"/>
+          </a:fontRef>
+        </p:style>
+        <p:txBody>
+          <a:bodyPr lIns="0" tIns="0" rIns="0" bIns="0" rtlCol="0" anchor="ctr"/>
+          <a:lstStyle/>
+          <a:p>
+            <a:r>
+              <a:rPr lang="es-ES" sz="500" b="1">
+                <a:solidFill>
+                  <a:schemeClr val="tx1"/>
+                </a:solidFill>
+              </a:rPr>
+              <a:t>      </a:t>
+            </a:r>
+            <a:r>
+              <a:rPr lang="es-ES" sz="500" b="1">
+                <a:solidFill>
+                  <a:srgbClr val="953735"/>
+                </a:solidFill>
+              </a:rPr>
+              <a:t>5</a:t>
+            </a:r>
+          </a:p>
+        </p:txBody>
+      </p:sp>
+      <p:pic>
+        <p:nvPicPr>
+          <p:cNvPr id="25" name="Imagen 24" descr="Captura de pantalla 2015-06-25 a las 0.29.07.png"/>
+          <p:cNvPicPr>
+            <a:picLocks noChangeAspect="1"/>
+          </p:cNvPicPr>
+          <p:nvPr/>
+        </p:nvPicPr>
+        <p:blipFill>
+          <a:blip r:embed="rId4">
+            <a:extLst>
+              <a:ext uri="{28A0092B-C50C-407E-A947-70E740481C1C}">
+                <a14:useLocalDpi xmlns:a14="http://schemas.microsoft.com/office/drawing/2010/main" val="0"/>
+              </a:ext>
+            </a:extLst>
+          </a:blip>
+          <a:stretch>
+            <a:fillRect/>
+          </a:stretch>
+        </p:blipFill>
+        <p:spPr>
+          <a:xfrm>
+            <a:off x="2292350" y="1454150"/>
+            <a:ext cx="101600" cy="112889"/>
+          </a:xfrm>
+          <a:prstGeom prst="rect">
+            <a:avLst/>
+          </a:prstGeom>
+        </p:spPr>
+      </p:pic>
+      <p:sp>
+        <p:nvSpPr>
+          <p:cNvPr id="26" name="CuadroTexto 25"/>
+          <p:cNvSpPr txBox="1"/>
+          <p:nvPr/>
+        </p:nvSpPr>
+        <p:spPr>
+          <a:xfrm>
+            <a:off x="2216150" y="2089800"/>
+            <a:ext cx="874184" cy="215444"/>
+          </a:xfrm>
+          <a:prstGeom prst="rect">
+            <a:avLst/>
+          </a:prstGeom>
+          <a:noFill/>
+        </p:spPr>
+        <p:txBody>
+          <a:bodyPr wrap="square" rtlCol="0">
+            <a:spAutoFit/>
+          </a:bodyPr>
+          <a:lstStyle/>
+          <a:p>
+            <a:r>
+              <a:rPr lang="es-ES" sz="800">
+                <a:solidFill>
+                  <a:schemeClr val="bg1">
+                    <a:lumMod val="85000"/>
+                  </a:schemeClr>
+                </a:solidFill>
+              </a:rPr>
+              <a:t>(Aqu</a:t>
+            </a:r>
+            <a:r>
+              <a:rPr lang="es-ES" sz="800">
+                <a:solidFill>
+                  <a:schemeClr val="bg1">
+                    <a:lumMod val="85000"/>
+                  </a:schemeClr>
+                </a:solidFill>
+              </a:rPr>
+              <a:t>í los bichos)</a:t>
+            </a:r>
+            <a:endParaRPr lang="es-ES" sz="800">
+              <a:solidFill>
+                <a:schemeClr val="bg1">
+                  <a:lumMod val="85000"/>
+                </a:schemeClr>
+              </a:solidFill>
+            </a:endParaRPr>
+          </a:p>
+        </p:txBody>
+      </p:sp>
+      <p:sp>
+        <p:nvSpPr>
+          <p:cNvPr id="28" name="Rectángulo 27"/>
+          <p:cNvSpPr/>
+          <p:nvPr/>
+        </p:nvSpPr>
+        <p:spPr>
+          <a:xfrm>
+            <a:off x="2819400" y="2879649"/>
+            <a:ext cx="944034" cy="112889"/>
+          </a:xfrm>
+          <a:prstGeom prst="rect">
+            <a:avLst/>
+          </a:prstGeom>
+          <a:gradFill flip="none" rotWithShape="1">
+            <a:gsLst>
+              <a:gs pos="0">
+                <a:srgbClr val="E6E6E6"/>
+              </a:gs>
+              <a:gs pos="100000">
+                <a:srgbClr val="CECECE"/>
+              </a:gs>
+            </a:gsLst>
+            <a:lin ang="5400000" scaled="0"/>
+            <a:tileRect/>
+          </a:gradFill>
+          <a:ln>
+            <a:noFill/>
+          </a:ln>
+          <a:effectLst/>
+        </p:spPr>
+        <p:style>
+          <a:lnRef idx="1">
+            <a:schemeClr val="accent1"/>
+          </a:lnRef>
+          <a:fillRef idx="3">
+            <a:schemeClr val="accent1"/>
+          </a:fillRef>
+          <a:effectRef idx="2">
+            <a:schemeClr val="accent1"/>
+          </a:effectRef>
+          <a:fontRef idx="minor">
+            <a:schemeClr val="lt1"/>
+          </a:fontRef>
+        </p:style>
+        <p:txBody>
+          <a:bodyPr lIns="0" tIns="0" rIns="0" bIns="0" rtlCol="0" anchor="ctr"/>
+          <a:lstStyle/>
+          <a:p>
+            <a:r>
+              <a:rPr lang="es-ES" sz="500" b="1">
+                <a:solidFill>
+                  <a:schemeClr val="tx1"/>
+                </a:solidFill>
+              </a:rPr>
+              <a:t>      Opciones de visualizaci</a:t>
+            </a:r>
+            <a:r>
+              <a:rPr lang="es-ES" sz="500" b="1">
+                <a:solidFill>
+                  <a:schemeClr val="tx1"/>
+                </a:solidFill>
+              </a:rPr>
+              <a:t>ón</a:t>
+            </a:r>
+            <a:endParaRPr lang="es-ES" sz="500" b="1">
+              <a:solidFill>
+                <a:schemeClr val="tx1"/>
+              </a:solidFill>
+            </a:endParaRPr>
+          </a:p>
+        </p:txBody>
+      </p:sp>
+      <p:pic>
+        <p:nvPicPr>
+          <p:cNvPr id="27" name="Imagen 26" descr="Captura de pantalla 2015-06-25 a las 0.29.07.png"/>
+          <p:cNvPicPr>
+            <a:picLocks noChangeAspect="1"/>
+          </p:cNvPicPr>
+          <p:nvPr/>
+        </p:nvPicPr>
+        <p:blipFill>
+          <a:blip r:embed="rId4">
+            <a:extLst>
+              <a:ext uri="{28A0092B-C50C-407E-A947-70E740481C1C}">
+                <a14:useLocalDpi xmlns:a14="http://schemas.microsoft.com/office/drawing/2010/main" val="0"/>
+              </a:ext>
+            </a:extLst>
+          </a:blip>
+          <a:stretch>
+            <a:fillRect/>
+          </a:stretch>
+        </p:blipFill>
+        <p:spPr>
+          <a:xfrm>
+            <a:off x="3627971" y="2879649"/>
+            <a:ext cx="101600" cy="112889"/>
+          </a:xfrm>
+          <a:prstGeom prst="rect">
+            <a:avLst/>
+          </a:prstGeom>
+        </p:spPr>
+      </p:pic>
+      <p:sp>
+        <p:nvSpPr>
+          <p:cNvPr id="29" name="Rectángulo 28"/>
+          <p:cNvSpPr/>
+          <p:nvPr/>
+        </p:nvSpPr>
+        <p:spPr>
+          <a:xfrm>
+            <a:off x="1593850" y="2879649"/>
+            <a:ext cx="296332" cy="130341"/>
+          </a:xfrm>
+          <a:prstGeom prst="rect">
+            <a:avLst/>
+          </a:prstGeom>
+          <a:gradFill flip="none" rotWithShape="1">
+            <a:gsLst>
+              <a:gs pos="0">
+                <a:srgbClr val="E6E6E6"/>
+              </a:gs>
+              <a:gs pos="100000">
+                <a:srgbClr val="CECECE"/>
+              </a:gs>
+            </a:gsLst>
+            <a:lin ang="5400000" scaled="0"/>
+            <a:tileRect/>
+          </a:gradFill>
+          <a:ln>
+            <a:noFill/>
+          </a:ln>
+          <a:effectLst/>
+        </p:spPr>
+        <p:style>
+          <a:lnRef idx="1">
+            <a:schemeClr val="accent1"/>
+          </a:lnRef>
+          <a:fillRef idx="3">
+            <a:schemeClr val="accent1"/>
+          </a:fillRef>
+          <a:effectRef idx="2">
+            <a:schemeClr val="accent1"/>
+          </a:effectRef>
+          <a:fontRef idx="minor">
+            <a:schemeClr val="lt1"/>
+          </a:fontRef>
+        </p:style>
+        <p:txBody>
+          <a:bodyPr lIns="0" tIns="0" rIns="0" bIns="0" rtlCol="0" anchor="ctr"/>
+          <a:lstStyle/>
+          <a:p>
+            <a:r>
+              <a:rPr lang="es-ES" sz="500" b="1">
+                <a:solidFill>
+                  <a:schemeClr val="tx1"/>
+                </a:solidFill>
+              </a:rPr>
+              <a:t>     Modo:</a:t>
+            </a:r>
+          </a:p>
+        </p:txBody>
+      </p:sp>
+      <p:sp>
+        <p:nvSpPr>
+          <p:cNvPr id="30" name="Rectángulo 29"/>
+          <p:cNvSpPr/>
+          <p:nvPr/>
+        </p:nvSpPr>
+        <p:spPr>
+          <a:xfrm>
+            <a:off x="1936751" y="2879649"/>
+            <a:ext cx="143932" cy="130341"/>
+          </a:xfrm>
+          <a:prstGeom prst="rect">
+            <a:avLst/>
+          </a:prstGeom>
+          <a:gradFill flip="none" rotWithShape="1">
+            <a:gsLst>
+              <a:gs pos="0">
+                <a:srgbClr val="E6E6E6"/>
+              </a:gs>
+              <a:gs pos="100000">
+                <a:srgbClr val="CECECE"/>
+              </a:gs>
+            </a:gsLst>
+            <a:lin ang="5400000" scaled="0"/>
+            <a:tileRect/>
+          </a:gradFill>
+          <a:ln>
+            <a:noFill/>
+          </a:ln>
+          <a:effectLst/>
+        </p:spPr>
+        <p:style>
+          <a:lnRef idx="1">
+            <a:schemeClr val="accent1"/>
+          </a:lnRef>
+          <a:fillRef idx="3">
+            <a:schemeClr val="accent1"/>
+          </a:fillRef>
+          <a:effectRef idx="2">
+            <a:schemeClr val="accent1"/>
+          </a:effectRef>
+          <a:fontRef idx="minor">
+            <a:schemeClr val="lt1"/>
+          </a:fontRef>
+        </p:style>
+        <p:txBody>
+          <a:bodyPr lIns="0" tIns="0" rIns="0" bIns="0" rtlCol="0" anchor="ctr"/>
+          <a:lstStyle/>
+          <a:p>
+            <a:pPr algn="ctr"/>
+            <a:r>
+              <a:rPr lang="es-ES" sz="500" b="1">
+                <a:solidFill>
+                  <a:schemeClr val="tx1"/>
+                </a:solidFill>
+              </a:rPr>
+              <a:t>A</a:t>
+            </a:r>
+          </a:p>
+        </p:txBody>
+      </p:sp>
+      <p:sp>
+        <p:nvSpPr>
+          <p:cNvPr id="31" name="Rectángulo 30"/>
+          <p:cNvSpPr/>
+          <p:nvPr/>
+        </p:nvSpPr>
+        <p:spPr>
+          <a:xfrm>
+            <a:off x="2089151" y="2879649"/>
+            <a:ext cx="143932" cy="130341"/>
+          </a:xfrm>
+          <a:prstGeom prst="rect">
+            <a:avLst/>
+          </a:prstGeom>
+          <a:gradFill flip="none" rotWithShape="1">
+            <a:gsLst>
+              <a:gs pos="0">
+                <a:srgbClr val="E6E6E6"/>
+              </a:gs>
+              <a:gs pos="100000">
+                <a:srgbClr val="CECECE"/>
+              </a:gs>
+            </a:gsLst>
+            <a:lin ang="5400000" scaled="0"/>
+            <a:tileRect/>
+          </a:gradFill>
+          <a:ln>
+            <a:noFill/>
+          </a:ln>
+          <a:effectLst/>
+        </p:spPr>
+        <p:style>
+          <a:lnRef idx="1">
+            <a:schemeClr val="accent1"/>
+          </a:lnRef>
+          <a:fillRef idx="3">
+            <a:schemeClr val="accent1"/>
+          </a:fillRef>
+          <a:effectRef idx="2">
+            <a:schemeClr val="accent1"/>
+          </a:effectRef>
+          <a:fontRef idx="minor">
+            <a:schemeClr val="lt1"/>
+          </a:fontRef>
+        </p:style>
+        <p:txBody>
+          <a:bodyPr lIns="0" tIns="0" rIns="0" bIns="0" rtlCol="0" anchor="ctr"/>
+          <a:lstStyle/>
+          <a:p>
+            <a:pPr algn="ctr"/>
+            <a:r>
+              <a:rPr lang="es-ES" sz="500" b="1">
+                <a:solidFill>
+                  <a:schemeClr val="accent2">
+                    <a:lumMod val="75000"/>
+                  </a:schemeClr>
+                </a:solidFill>
+              </a:rPr>
+              <a:t>B</a:t>
+            </a:r>
+          </a:p>
+        </p:txBody>
+      </p:sp>
+      <p:sp>
+        <p:nvSpPr>
+          <p:cNvPr id="32" name="Rectángulo 31"/>
+          <p:cNvSpPr/>
+          <p:nvPr/>
+        </p:nvSpPr>
+        <p:spPr>
+          <a:xfrm>
+            <a:off x="2239434" y="2879559"/>
+            <a:ext cx="143932" cy="130341"/>
+          </a:xfrm>
+          <a:prstGeom prst="rect">
+            <a:avLst/>
+          </a:prstGeom>
+          <a:gradFill flip="none" rotWithShape="1">
+            <a:gsLst>
+              <a:gs pos="0">
+                <a:srgbClr val="E6E6E6"/>
+              </a:gs>
+              <a:gs pos="100000">
+                <a:srgbClr val="CECECE"/>
+              </a:gs>
+            </a:gsLst>
+            <a:lin ang="5400000" scaled="0"/>
+            <a:tileRect/>
+          </a:gradFill>
+          <a:ln>
+            <a:noFill/>
+          </a:ln>
+          <a:effectLst/>
+        </p:spPr>
+        <p:style>
+          <a:lnRef idx="1">
+            <a:schemeClr val="accent1"/>
+          </a:lnRef>
+          <a:fillRef idx="3">
+            <a:schemeClr val="accent1"/>
+          </a:fillRef>
+          <a:effectRef idx="2">
+            <a:schemeClr val="accent1"/>
+          </a:effectRef>
+          <a:fontRef idx="minor">
+            <a:schemeClr val="lt1"/>
+          </a:fontRef>
+        </p:style>
+        <p:txBody>
+          <a:bodyPr lIns="0" tIns="0" rIns="0" bIns="0" rtlCol="0" anchor="ctr"/>
+          <a:lstStyle/>
+          <a:p>
+            <a:pPr algn="ctr"/>
+            <a:r>
+              <a:rPr lang="es-ES" sz="500" b="1">
+                <a:solidFill>
+                  <a:schemeClr val="tx1"/>
+                </a:solidFill>
+              </a:rPr>
+              <a:t>C</a:t>
+            </a:r>
+          </a:p>
+        </p:txBody>
+      </p:sp>
+      <p:sp>
+        <p:nvSpPr>
+          <p:cNvPr id="33" name="Rectángulo 32"/>
+          <p:cNvSpPr/>
+          <p:nvPr/>
+        </p:nvSpPr>
+        <p:spPr>
+          <a:xfrm>
+            <a:off x="2391834" y="2879559"/>
+            <a:ext cx="143932" cy="130341"/>
+          </a:xfrm>
+          <a:prstGeom prst="rect">
+            <a:avLst/>
+          </a:prstGeom>
+          <a:gradFill flip="none" rotWithShape="1">
+            <a:gsLst>
+              <a:gs pos="0">
+                <a:srgbClr val="E6E6E6"/>
+              </a:gs>
+              <a:gs pos="100000">
+                <a:srgbClr val="CECECE"/>
+              </a:gs>
+            </a:gsLst>
+            <a:lin ang="5400000" scaled="0"/>
+            <a:tileRect/>
+          </a:gradFill>
+          <a:ln>
+            <a:noFill/>
+          </a:ln>
+          <a:effectLst/>
+        </p:spPr>
+        <p:style>
+          <a:lnRef idx="1">
+            <a:schemeClr val="accent1"/>
+          </a:lnRef>
+          <a:fillRef idx="3">
+            <a:schemeClr val="accent1"/>
+          </a:fillRef>
+          <a:effectRef idx="2">
+            <a:schemeClr val="accent1"/>
+          </a:effectRef>
+          <a:fontRef idx="minor">
+            <a:schemeClr val="lt1"/>
+          </a:fontRef>
+        </p:style>
+        <p:txBody>
+          <a:bodyPr lIns="0" tIns="0" rIns="0" bIns="0" rtlCol="0" anchor="ctr"/>
+          <a:lstStyle/>
+          <a:p>
+            <a:pPr algn="ctr"/>
+            <a:r>
+              <a:rPr lang="es-ES" sz="500" b="1">
+                <a:solidFill>
+                  <a:schemeClr val="tx1"/>
+                </a:solidFill>
+              </a:rPr>
+              <a:t>D</a:t>
+            </a:r>
+          </a:p>
+        </p:txBody>
+      </p:sp>
+      <p:sp>
+        <p:nvSpPr>
+          <p:cNvPr id="34" name="Rectángulo 33"/>
+          <p:cNvSpPr/>
+          <p:nvPr/>
+        </p:nvSpPr>
+        <p:spPr>
+          <a:xfrm>
+            <a:off x="2542116" y="2879559"/>
+            <a:ext cx="143932" cy="130341"/>
+          </a:xfrm>
+          <a:prstGeom prst="rect">
+            <a:avLst/>
+          </a:prstGeom>
+          <a:gradFill flip="none" rotWithShape="1">
+            <a:gsLst>
+              <a:gs pos="0">
+                <a:srgbClr val="E6E6E6"/>
+              </a:gs>
+              <a:gs pos="100000">
+                <a:srgbClr val="CECECE"/>
+              </a:gs>
+            </a:gsLst>
+            <a:lin ang="5400000" scaled="0"/>
+            <a:tileRect/>
+          </a:gradFill>
+          <a:ln>
+            <a:noFill/>
+          </a:ln>
+          <a:effectLst/>
+        </p:spPr>
+        <p:style>
+          <a:lnRef idx="1">
+            <a:schemeClr val="accent1"/>
+          </a:lnRef>
+          <a:fillRef idx="3">
+            <a:schemeClr val="accent1"/>
+          </a:fillRef>
+          <a:effectRef idx="2">
+            <a:schemeClr val="accent1"/>
+          </a:effectRef>
+          <a:fontRef idx="minor">
+            <a:schemeClr val="lt1"/>
+          </a:fontRef>
+        </p:style>
+        <p:txBody>
+          <a:bodyPr lIns="0" tIns="0" rIns="0" bIns="0" rtlCol="0" anchor="ctr"/>
+          <a:lstStyle/>
+          <a:p>
+            <a:pPr algn="ctr"/>
+            <a:r>
+              <a:rPr lang="es-ES" sz="500" b="1">
+                <a:solidFill>
+                  <a:schemeClr val="tx1"/>
+                </a:solidFill>
+              </a:rPr>
+              <a:t>E</a:t>
+            </a:r>
+          </a:p>
+        </p:txBody>
+      </p:sp>
+      <p:sp>
+        <p:nvSpPr>
+          <p:cNvPr id="52" name="Rectángulo 51"/>
+          <p:cNvSpPr/>
+          <p:nvPr/>
+        </p:nvSpPr>
+        <p:spPr>
+          <a:xfrm>
+            <a:off x="5507571" y="3181350"/>
+            <a:ext cx="2171700" cy="1562100"/>
+          </a:xfrm>
+          <a:prstGeom prst="rect">
+            <a:avLst/>
+          </a:prstGeom>
+        </p:spPr>
+        <p:style>
+          <a:lnRef idx="1">
+            <a:schemeClr val="accent1"/>
+          </a:lnRef>
+          <a:fillRef idx="3">
+            <a:schemeClr val="accent1"/>
+          </a:fillRef>
+          <a:effectRef idx="2">
+            <a:schemeClr val="accent1"/>
+          </a:effectRef>
+          <a:fontRef idx="minor">
+            <a:schemeClr val="lt1"/>
+          </a:fontRef>
+        </p:style>
+        <p:txBody>
+          <a:bodyPr rtlCol="0" anchor="ctr"/>
+          <a:lstStyle/>
+          <a:p>
+            <a:pPr algn="ctr"/>
+            <a:endParaRPr lang="es-ES"/>
+          </a:p>
+        </p:txBody>
+      </p:sp>
+      <p:sp>
+        <p:nvSpPr>
+          <p:cNvPr id="53" name="Rectángulo 52"/>
+          <p:cNvSpPr/>
+          <p:nvPr/>
+        </p:nvSpPr>
+        <p:spPr>
+          <a:xfrm>
+            <a:off x="5507571" y="3311692"/>
+            <a:ext cx="2171700" cy="1285708"/>
+          </a:xfrm>
+          <a:prstGeom prst="rect">
+            <a:avLst/>
+          </a:prstGeom>
+          <a:solidFill>
+            <a:schemeClr val="tx1"/>
+          </a:solidFill>
+        </p:spPr>
+        <p:style>
+          <a:lnRef idx="1">
+            <a:schemeClr val="accent1"/>
+          </a:lnRef>
+          <a:fillRef idx="3">
+            <a:schemeClr val="accent1"/>
+          </a:fillRef>
+          <a:effectRef idx="2">
+            <a:schemeClr val="accent1"/>
+          </a:effectRef>
+          <a:fontRef idx="minor">
+            <a:schemeClr val="lt1"/>
+          </a:fontRef>
+        </p:style>
+        <p:txBody>
+          <a:bodyPr rtlCol="0" anchor="ctr"/>
+          <a:lstStyle/>
+          <a:p>
+            <a:pPr algn="ctr"/>
+            <a:endParaRPr lang="es-ES"/>
+          </a:p>
+        </p:txBody>
+      </p:sp>
+      <p:sp>
+        <p:nvSpPr>
+          <p:cNvPr id="54" name="Rectángulo 53"/>
+          <p:cNvSpPr/>
+          <p:nvPr/>
+        </p:nvSpPr>
+        <p:spPr>
+          <a:xfrm>
+            <a:off x="5532972" y="3181351"/>
+            <a:ext cx="448732" cy="130341"/>
+          </a:xfrm>
+          <a:prstGeom prst="rect">
+            <a:avLst/>
+          </a:prstGeom>
+          <a:gradFill flip="none" rotWithShape="1">
+            <a:gsLst>
+              <a:gs pos="0">
+                <a:srgbClr val="E6E6E6"/>
+              </a:gs>
+              <a:gs pos="100000">
+                <a:srgbClr val="CECECE"/>
+              </a:gs>
+            </a:gsLst>
+            <a:lin ang="5400000" scaled="0"/>
+            <a:tileRect/>
+          </a:gradFill>
+          <a:ln>
+            <a:noFill/>
+          </a:ln>
+          <a:effectLst/>
+        </p:spPr>
+        <p:style>
+          <a:lnRef idx="1">
+            <a:schemeClr val="accent1"/>
+          </a:lnRef>
+          <a:fillRef idx="3">
+            <a:schemeClr val="accent1"/>
+          </a:fillRef>
+          <a:effectRef idx="2">
+            <a:schemeClr val="accent1"/>
+          </a:effectRef>
+          <a:fontRef idx="minor">
+            <a:schemeClr val="lt1"/>
+          </a:fontRef>
+        </p:style>
+        <p:txBody>
+          <a:bodyPr lIns="0" tIns="0" rIns="0" bIns="0" rtlCol="0" anchor="ctr"/>
+          <a:lstStyle/>
+          <a:p>
+            <a:pPr algn="ctr"/>
+            <a:r>
+              <a:rPr lang="es-ES" sz="500" b="1">
+                <a:solidFill>
+                  <a:schemeClr val="tx1"/>
+                </a:solidFill>
+              </a:rPr>
+              <a:t>Mapa:</a:t>
+            </a:r>
+          </a:p>
+        </p:txBody>
+      </p:sp>
+      <p:sp>
+        <p:nvSpPr>
+          <p:cNvPr id="55" name="Rectángulo 54"/>
+          <p:cNvSpPr/>
+          <p:nvPr/>
+        </p:nvSpPr>
+        <p:spPr>
+          <a:xfrm>
+            <a:off x="5994404" y="3181351"/>
+            <a:ext cx="313267" cy="123991"/>
+          </a:xfrm>
+          <a:prstGeom prst="rect">
+            <a:avLst/>
+          </a:prstGeom>
+          <a:gradFill flip="none" rotWithShape="1">
+            <a:gsLst>
+              <a:gs pos="0">
+                <a:srgbClr val="E6E6E6"/>
+              </a:gs>
+              <a:gs pos="100000">
+                <a:srgbClr val="CECECE"/>
+              </a:gs>
+            </a:gsLst>
+            <a:lin ang="5400000" scaled="0"/>
+            <a:tileRect/>
+          </a:gradFill>
+          <a:ln>
+            <a:noFill/>
+          </a:ln>
+          <a:effectLst/>
+        </p:spPr>
+        <p:style>
+          <a:lnRef idx="1">
+            <a:schemeClr val="accent1"/>
+          </a:lnRef>
+          <a:fillRef idx="3">
+            <a:schemeClr val="accent1"/>
+          </a:fillRef>
+          <a:effectRef idx="2">
+            <a:schemeClr val="accent1"/>
+          </a:effectRef>
+          <a:fontRef idx="minor">
+            <a:schemeClr val="lt1"/>
+          </a:fontRef>
+        </p:style>
+        <p:txBody>
+          <a:bodyPr lIns="0" tIns="0" rIns="0" bIns="0" rtlCol="0" anchor="ctr"/>
+          <a:lstStyle/>
+          <a:p>
+            <a:r>
+              <a:rPr lang="es-ES" sz="500" b="1">
+                <a:solidFill>
+                  <a:schemeClr val="tx1"/>
+                </a:solidFill>
+              </a:rPr>
+              <a:t>      </a:t>
+            </a:r>
+            <a:r>
+              <a:rPr lang="es-ES" sz="500" b="1">
+                <a:solidFill>
+                  <a:srgbClr val="953735"/>
+                </a:solidFill>
+              </a:rPr>
+              <a:t>5</a:t>
+            </a:r>
+          </a:p>
+        </p:txBody>
+      </p:sp>
+      <p:pic>
+        <p:nvPicPr>
+          <p:cNvPr id="56" name="Imagen 55" descr="Captura de pantalla 2015-06-25 a las 0.29.07.png"/>
+          <p:cNvPicPr>
+            <a:picLocks noChangeAspect="1"/>
+          </p:cNvPicPr>
+          <p:nvPr/>
+        </p:nvPicPr>
+        <p:blipFill>
+          <a:blip r:embed="rId4">
+            <a:extLst>
+              <a:ext uri="{28A0092B-C50C-407E-A947-70E740481C1C}">
+                <a14:useLocalDpi xmlns:a14="http://schemas.microsoft.com/office/drawing/2010/main" val="0"/>
+              </a:ext>
+            </a:extLst>
+          </a:blip>
+          <a:stretch>
+            <a:fillRect/>
+          </a:stretch>
+        </p:blipFill>
+        <p:spPr>
+          <a:xfrm>
+            <a:off x="6206071" y="3187700"/>
+            <a:ext cx="101600" cy="112889"/>
+          </a:xfrm>
+          <a:prstGeom prst="rect">
+            <a:avLst/>
+          </a:prstGeom>
+        </p:spPr>
+      </p:pic>
+      <p:sp>
+        <p:nvSpPr>
+          <p:cNvPr id="57" name="CuadroTexto 56"/>
+          <p:cNvSpPr txBox="1"/>
+          <p:nvPr/>
+        </p:nvSpPr>
+        <p:spPr>
+          <a:xfrm>
+            <a:off x="6129871" y="3823350"/>
+            <a:ext cx="874184" cy="215444"/>
+          </a:xfrm>
+          <a:prstGeom prst="rect">
+            <a:avLst/>
+          </a:prstGeom>
+          <a:noFill/>
+        </p:spPr>
+        <p:txBody>
+          <a:bodyPr wrap="square" rtlCol="0">
+            <a:spAutoFit/>
+          </a:bodyPr>
+          <a:lstStyle/>
+          <a:p>
+            <a:r>
+              <a:rPr lang="es-ES" sz="800">
+                <a:solidFill>
+                  <a:schemeClr val="bg1">
+                    <a:lumMod val="85000"/>
+                  </a:schemeClr>
+                </a:solidFill>
+              </a:rPr>
+              <a:t>(Aqu</a:t>
+            </a:r>
+            <a:r>
+              <a:rPr lang="es-ES" sz="800">
+                <a:solidFill>
+                  <a:schemeClr val="bg1">
+                    <a:lumMod val="85000"/>
+                  </a:schemeClr>
+                </a:solidFill>
+              </a:rPr>
+              <a:t>í los bichos)</a:t>
+            </a:r>
+            <a:endParaRPr lang="es-ES" sz="800">
+              <a:solidFill>
+                <a:schemeClr val="bg1">
+                  <a:lumMod val="85000"/>
+                </a:schemeClr>
+              </a:solidFill>
+            </a:endParaRPr>
+          </a:p>
+        </p:txBody>
+      </p:sp>
+      <p:sp>
+        <p:nvSpPr>
+          <p:cNvPr id="58" name="Rectángulo 57"/>
+          <p:cNvSpPr/>
+          <p:nvPr/>
+        </p:nvSpPr>
+        <p:spPr>
+          <a:xfrm>
+            <a:off x="6733121" y="4613199"/>
+            <a:ext cx="944034" cy="112889"/>
+          </a:xfrm>
+          <a:prstGeom prst="rect">
+            <a:avLst/>
+          </a:prstGeom>
+          <a:gradFill flip="none" rotWithShape="1">
+            <a:gsLst>
+              <a:gs pos="0">
+                <a:srgbClr val="E6E6E6"/>
+              </a:gs>
+              <a:gs pos="100000">
+                <a:srgbClr val="CECECE"/>
+              </a:gs>
+            </a:gsLst>
+            <a:lin ang="5400000" scaled="0"/>
+            <a:tileRect/>
+          </a:gradFill>
+          <a:ln>
+            <a:noFill/>
+          </a:ln>
+          <a:effectLst/>
+        </p:spPr>
+        <p:style>
+          <a:lnRef idx="1">
+            <a:schemeClr val="accent1"/>
+          </a:lnRef>
+          <a:fillRef idx="3">
+            <a:schemeClr val="accent1"/>
+          </a:fillRef>
+          <a:effectRef idx="2">
+            <a:schemeClr val="accent1"/>
+          </a:effectRef>
+          <a:fontRef idx="minor">
+            <a:schemeClr val="lt1"/>
+          </a:fontRef>
+        </p:style>
+        <p:txBody>
+          <a:bodyPr lIns="0" tIns="0" rIns="0" bIns="0" rtlCol="0" anchor="ctr"/>
+          <a:lstStyle/>
+          <a:p>
+            <a:r>
+              <a:rPr lang="es-ES" sz="500" b="1">
+                <a:solidFill>
+                  <a:schemeClr val="tx1"/>
+                </a:solidFill>
+              </a:rPr>
+              <a:t>      Opciones de visualizaci</a:t>
+            </a:r>
+            <a:r>
+              <a:rPr lang="es-ES" sz="500" b="1">
+                <a:solidFill>
+                  <a:schemeClr val="tx1"/>
+                </a:solidFill>
+              </a:rPr>
+              <a:t>ón</a:t>
+            </a:r>
+            <a:endParaRPr lang="es-ES" sz="500" b="1">
+              <a:solidFill>
+                <a:schemeClr val="tx1"/>
+              </a:solidFill>
+            </a:endParaRPr>
+          </a:p>
+        </p:txBody>
+      </p:sp>
+      <p:pic>
+        <p:nvPicPr>
+          <p:cNvPr id="59" name="Imagen 58" descr="Captura de pantalla 2015-06-25 a las 0.29.07.png"/>
+          <p:cNvPicPr>
+            <a:picLocks noChangeAspect="1"/>
+          </p:cNvPicPr>
+          <p:nvPr/>
+        </p:nvPicPr>
+        <p:blipFill>
+          <a:blip r:embed="rId4">
+            <a:extLst>
+              <a:ext uri="{28A0092B-C50C-407E-A947-70E740481C1C}">
+                <a14:useLocalDpi xmlns:a14="http://schemas.microsoft.com/office/drawing/2010/main" val="0"/>
+              </a:ext>
+            </a:extLst>
+          </a:blip>
+          <a:stretch>
+            <a:fillRect/>
+          </a:stretch>
+        </p:blipFill>
+        <p:spPr>
+          <a:xfrm>
+            <a:off x="7541692" y="4613199"/>
+            <a:ext cx="101600" cy="112889"/>
+          </a:xfrm>
+          <a:prstGeom prst="rect">
+            <a:avLst/>
+          </a:prstGeom>
+        </p:spPr>
+      </p:pic>
+      <p:sp>
+        <p:nvSpPr>
+          <p:cNvPr id="60" name="Rectángulo 59"/>
+          <p:cNvSpPr/>
+          <p:nvPr/>
+        </p:nvSpPr>
+        <p:spPr>
+          <a:xfrm>
+            <a:off x="5507571" y="4613199"/>
+            <a:ext cx="296332" cy="130341"/>
+          </a:xfrm>
+          <a:prstGeom prst="rect">
+            <a:avLst/>
+          </a:prstGeom>
+          <a:gradFill flip="none" rotWithShape="1">
+            <a:gsLst>
+              <a:gs pos="0">
+                <a:srgbClr val="E6E6E6"/>
+              </a:gs>
+              <a:gs pos="100000">
+                <a:srgbClr val="CECECE"/>
+              </a:gs>
+            </a:gsLst>
+            <a:lin ang="5400000" scaled="0"/>
+            <a:tileRect/>
+          </a:gradFill>
+          <a:ln>
+            <a:noFill/>
+          </a:ln>
+          <a:effectLst/>
+        </p:spPr>
+        <p:style>
+          <a:lnRef idx="1">
+            <a:schemeClr val="accent1"/>
+          </a:lnRef>
+          <a:fillRef idx="3">
+            <a:schemeClr val="accent1"/>
+          </a:fillRef>
+          <a:effectRef idx="2">
+            <a:schemeClr val="accent1"/>
+          </a:effectRef>
+          <a:fontRef idx="minor">
+            <a:schemeClr val="lt1"/>
+          </a:fontRef>
+        </p:style>
+        <p:txBody>
+          <a:bodyPr lIns="0" tIns="0" rIns="0" bIns="0" rtlCol="0" anchor="ctr"/>
+          <a:lstStyle/>
+          <a:p>
+            <a:r>
+              <a:rPr lang="es-ES" sz="500" b="1">
+                <a:solidFill>
+                  <a:schemeClr val="tx1"/>
+                </a:solidFill>
+              </a:rPr>
+              <a:t>     Modo:</a:t>
+            </a:r>
+          </a:p>
+        </p:txBody>
+      </p:sp>
+      <p:sp>
+        <p:nvSpPr>
+          <p:cNvPr id="61" name="Rectángulo 60"/>
+          <p:cNvSpPr/>
+          <p:nvPr/>
+        </p:nvSpPr>
+        <p:spPr>
+          <a:xfrm>
+            <a:off x="5850472" y="4613199"/>
+            <a:ext cx="143932" cy="130341"/>
+          </a:xfrm>
+          <a:prstGeom prst="rect">
+            <a:avLst/>
+          </a:prstGeom>
+          <a:gradFill flip="none" rotWithShape="1">
+            <a:gsLst>
+              <a:gs pos="0">
+                <a:srgbClr val="E6E6E6"/>
+              </a:gs>
+              <a:gs pos="100000">
+                <a:srgbClr val="CECECE"/>
+              </a:gs>
+            </a:gsLst>
+            <a:lin ang="5400000" scaled="0"/>
+            <a:tileRect/>
+          </a:gradFill>
+          <a:ln>
+            <a:noFill/>
+          </a:ln>
+          <a:effectLst/>
+        </p:spPr>
+        <p:style>
+          <a:lnRef idx="1">
+            <a:schemeClr val="accent1"/>
+          </a:lnRef>
+          <a:fillRef idx="3">
+            <a:schemeClr val="accent1"/>
+          </a:fillRef>
+          <a:effectRef idx="2">
+            <a:schemeClr val="accent1"/>
+          </a:effectRef>
+          <a:fontRef idx="minor">
+            <a:schemeClr val="lt1"/>
+          </a:fontRef>
+        </p:style>
+        <p:txBody>
+          <a:bodyPr lIns="0" tIns="0" rIns="0" bIns="0" rtlCol="0" anchor="ctr"/>
+          <a:lstStyle/>
+          <a:p>
+            <a:pPr algn="ctr"/>
+            <a:r>
+              <a:rPr lang="es-ES" sz="500" b="1">
+                <a:solidFill>
+                  <a:schemeClr val="tx1"/>
+                </a:solidFill>
+              </a:rPr>
+              <a:t>A</a:t>
+            </a:r>
+          </a:p>
+        </p:txBody>
+      </p:sp>
+      <p:sp>
+        <p:nvSpPr>
+          <p:cNvPr id="62" name="Rectángulo 61"/>
+          <p:cNvSpPr/>
+          <p:nvPr/>
+        </p:nvSpPr>
+        <p:spPr>
+          <a:xfrm>
+            <a:off x="6002872" y="4613199"/>
+            <a:ext cx="143932" cy="130341"/>
+          </a:xfrm>
+          <a:prstGeom prst="rect">
+            <a:avLst/>
+          </a:prstGeom>
+          <a:gradFill flip="none" rotWithShape="1">
+            <a:gsLst>
+              <a:gs pos="0">
+                <a:srgbClr val="E6E6E6"/>
+              </a:gs>
+              <a:gs pos="100000">
+                <a:srgbClr val="CECECE"/>
+              </a:gs>
+            </a:gsLst>
+            <a:lin ang="5400000" scaled="0"/>
+            <a:tileRect/>
+          </a:gradFill>
+          <a:ln>
+            <a:noFill/>
+          </a:ln>
+          <a:effectLst/>
+        </p:spPr>
+        <p:style>
+          <a:lnRef idx="1">
+            <a:schemeClr val="accent1"/>
+          </a:lnRef>
+          <a:fillRef idx="3">
+            <a:schemeClr val="accent1"/>
+          </a:fillRef>
+          <a:effectRef idx="2">
+            <a:schemeClr val="accent1"/>
+          </a:effectRef>
+          <a:fontRef idx="minor">
+            <a:schemeClr val="lt1"/>
+          </a:fontRef>
+        </p:style>
+        <p:txBody>
+          <a:bodyPr lIns="0" tIns="0" rIns="0" bIns="0" rtlCol="0" anchor="ctr"/>
+          <a:lstStyle/>
+          <a:p>
+            <a:pPr algn="ctr"/>
+            <a:r>
+              <a:rPr lang="es-ES" sz="500" b="1">
+                <a:solidFill>
+                  <a:schemeClr val="tx1"/>
+                </a:solidFill>
+              </a:rPr>
+              <a:t>B</a:t>
+            </a:r>
+          </a:p>
+        </p:txBody>
+      </p:sp>
+      <p:sp>
+        <p:nvSpPr>
+          <p:cNvPr id="63" name="Rectángulo 62"/>
+          <p:cNvSpPr/>
+          <p:nvPr/>
+        </p:nvSpPr>
+        <p:spPr>
+          <a:xfrm>
+            <a:off x="6153155" y="4613109"/>
+            <a:ext cx="143932" cy="130341"/>
+          </a:xfrm>
+          <a:prstGeom prst="rect">
+            <a:avLst/>
+          </a:prstGeom>
+          <a:gradFill flip="none" rotWithShape="1">
+            <a:gsLst>
+              <a:gs pos="0">
+                <a:srgbClr val="E6E6E6"/>
+              </a:gs>
+              <a:gs pos="100000">
+                <a:srgbClr val="CECECE"/>
+              </a:gs>
+            </a:gsLst>
+            <a:lin ang="5400000" scaled="0"/>
+            <a:tileRect/>
+          </a:gradFill>
+          <a:ln>
+            <a:noFill/>
+          </a:ln>
+          <a:effectLst/>
+        </p:spPr>
+        <p:style>
+          <a:lnRef idx="1">
+            <a:schemeClr val="accent1"/>
+          </a:lnRef>
+          <a:fillRef idx="3">
+            <a:schemeClr val="accent1"/>
+          </a:fillRef>
+          <a:effectRef idx="2">
+            <a:schemeClr val="accent1"/>
+          </a:effectRef>
+          <a:fontRef idx="minor">
+            <a:schemeClr val="lt1"/>
+          </a:fontRef>
+        </p:style>
+        <p:txBody>
+          <a:bodyPr lIns="0" tIns="0" rIns="0" bIns="0" rtlCol="0" anchor="ctr"/>
+          <a:lstStyle/>
+          <a:p>
+            <a:pPr algn="ctr"/>
+            <a:r>
+              <a:rPr lang="es-ES" sz="500" b="1">
+                <a:solidFill>
+                  <a:schemeClr val="tx1"/>
+                </a:solidFill>
+              </a:rPr>
+              <a:t>C</a:t>
+            </a:r>
+          </a:p>
+        </p:txBody>
+      </p:sp>
+      <p:sp>
+        <p:nvSpPr>
+          <p:cNvPr id="64" name="Rectángulo 63"/>
+          <p:cNvSpPr/>
+          <p:nvPr/>
+        </p:nvSpPr>
+        <p:spPr>
+          <a:xfrm>
+            <a:off x="6305555" y="4613109"/>
+            <a:ext cx="143932" cy="130341"/>
+          </a:xfrm>
+          <a:prstGeom prst="rect">
+            <a:avLst/>
+          </a:prstGeom>
+          <a:gradFill flip="none" rotWithShape="1">
+            <a:gsLst>
+              <a:gs pos="0">
+                <a:srgbClr val="E6E6E6"/>
+              </a:gs>
+              <a:gs pos="100000">
+                <a:srgbClr val="CECECE"/>
+              </a:gs>
+            </a:gsLst>
+            <a:lin ang="5400000" scaled="0"/>
+            <a:tileRect/>
+          </a:gradFill>
+          <a:ln>
+            <a:noFill/>
+          </a:ln>
+          <a:effectLst/>
+        </p:spPr>
+        <p:style>
+          <a:lnRef idx="1">
+            <a:schemeClr val="accent1"/>
+          </a:lnRef>
+          <a:fillRef idx="3">
+            <a:schemeClr val="accent1"/>
+          </a:fillRef>
+          <a:effectRef idx="2">
+            <a:schemeClr val="accent1"/>
+          </a:effectRef>
+          <a:fontRef idx="minor">
+            <a:schemeClr val="lt1"/>
+          </a:fontRef>
+        </p:style>
+        <p:txBody>
+          <a:bodyPr lIns="0" tIns="0" rIns="0" bIns="0" rtlCol="0" anchor="ctr"/>
+          <a:lstStyle/>
+          <a:p>
+            <a:pPr algn="ctr"/>
+            <a:r>
+              <a:rPr lang="es-ES" sz="500" b="1">
+                <a:solidFill>
+                  <a:srgbClr val="953735"/>
+                </a:solidFill>
+              </a:rPr>
+              <a:t>D</a:t>
+            </a:r>
+          </a:p>
+        </p:txBody>
+      </p:sp>
+      <p:sp>
+        <p:nvSpPr>
+          <p:cNvPr id="65" name="Rectángulo 64"/>
+          <p:cNvSpPr/>
+          <p:nvPr/>
+        </p:nvSpPr>
+        <p:spPr>
+          <a:xfrm>
+            <a:off x="6455837" y="4613109"/>
+            <a:ext cx="143932" cy="130341"/>
+          </a:xfrm>
+          <a:prstGeom prst="rect">
+            <a:avLst/>
+          </a:prstGeom>
+          <a:gradFill flip="none" rotWithShape="1">
+            <a:gsLst>
+              <a:gs pos="0">
+                <a:srgbClr val="E6E6E6"/>
+              </a:gs>
+              <a:gs pos="100000">
+                <a:srgbClr val="CECECE"/>
+              </a:gs>
+            </a:gsLst>
+            <a:lin ang="5400000" scaled="0"/>
+            <a:tileRect/>
+          </a:gradFill>
+          <a:ln>
+            <a:noFill/>
+          </a:ln>
+          <a:effectLst/>
+        </p:spPr>
+        <p:style>
+          <a:lnRef idx="1">
+            <a:schemeClr val="accent1"/>
+          </a:lnRef>
+          <a:fillRef idx="3">
+            <a:schemeClr val="accent1"/>
+          </a:fillRef>
+          <a:effectRef idx="2">
+            <a:schemeClr val="accent1"/>
+          </a:effectRef>
+          <a:fontRef idx="minor">
+            <a:schemeClr val="lt1"/>
+          </a:fontRef>
+        </p:style>
+        <p:txBody>
+          <a:bodyPr lIns="0" tIns="0" rIns="0" bIns="0" rtlCol="0" anchor="ctr"/>
+          <a:lstStyle/>
+          <a:p>
+            <a:pPr algn="ctr"/>
+            <a:r>
+              <a:rPr lang="es-ES" sz="500" b="1">
+                <a:solidFill>
+                  <a:schemeClr val="tx1"/>
+                </a:solidFill>
+              </a:rPr>
+              <a:t>E</a:t>
+            </a:r>
+          </a:p>
+        </p:txBody>
+      </p:sp>
+      <p:pic>
+        <p:nvPicPr>
+          <p:cNvPr id="66" name="Imagen 65" descr="Captura de pantalla 2015-06-25 a las 0.44.51.png"/>
+          <p:cNvPicPr>
+            <a:picLocks noChangeAspect="1"/>
+          </p:cNvPicPr>
+          <p:nvPr/>
+        </p:nvPicPr>
+        <p:blipFill>
+          <a:blip r:embed="rId5">
+            <a:extLst>
+              <a:ext uri="{28A0092B-C50C-407E-A947-70E740481C1C}">
+                <a14:useLocalDpi xmlns:a14="http://schemas.microsoft.com/office/drawing/2010/main" val="0"/>
+              </a:ext>
+            </a:extLst>
+          </a:blip>
+          <a:stretch>
+            <a:fillRect/>
+          </a:stretch>
+        </p:blipFill>
+        <p:spPr>
+          <a:xfrm>
+            <a:off x="5524503" y="3312746"/>
+            <a:ext cx="1428747" cy="1299449"/>
+          </a:xfrm>
+          <a:prstGeom prst="rect">
+            <a:avLst/>
+          </a:prstGeom>
+        </p:spPr>
+      </p:pic>
+      <p:pic>
+        <p:nvPicPr>
+          <p:cNvPr id="67" name="Imagen 66" descr="Captura de pantalla 2015-06-25 a las 0.44.51.png"/>
+          <p:cNvPicPr>
+            <a:picLocks noChangeAspect="1"/>
+          </p:cNvPicPr>
+          <p:nvPr/>
+        </p:nvPicPr>
+        <p:blipFill>
+          <a:blip r:embed="rId5">
+            <a:extLst>
+              <a:ext uri="{28A0092B-C50C-407E-A947-70E740481C1C}">
+                <a14:useLocalDpi xmlns:a14="http://schemas.microsoft.com/office/drawing/2010/main" val="0"/>
+              </a:ext>
+            </a:extLst>
+          </a:blip>
+          <a:stretch>
+            <a:fillRect/>
+          </a:stretch>
+        </p:blipFill>
+        <p:spPr>
+          <a:xfrm>
+            <a:off x="6238876" y="3313750"/>
+            <a:ext cx="1428747" cy="1299449"/>
+          </a:xfrm>
+          <a:prstGeom prst="rect">
+            <a:avLst/>
+          </a:prstGeom>
+        </p:spPr>
+      </p:pic>
+      <p:pic>
+        <p:nvPicPr>
+          <p:cNvPr id="68" name="Imagen 67" descr="Captura de pantalla 2015-06-25 a las 0.47.22.png"/>
+          <p:cNvPicPr>
+            <a:picLocks noChangeAspect="1"/>
+          </p:cNvPicPr>
+          <p:nvPr/>
+        </p:nvPicPr>
+        <p:blipFill>
+          <a:blip r:embed="rId6">
+            <a:extLst>
+              <a:ext uri="{28A0092B-C50C-407E-A947-70E740481C1C}">
+                <a14:useLocalDpi xmlns:a14="http://schemas.microsoft.com/office/drawing/2010/main" val="0"/>
+              </a:ext>
+            </a:extLst>
+          </a:blip>
+          <a:stretch>
+            <a:fillRect/>
+          </a:stretch>
+        </p:blipFill>
+        <p:spPr>
+          <a:xfrm>
+            <a:off x="6733121" y="3501562"/>
+            <a:ext cx="778931" cy="810088"/>
+          </a:xfrm>
+          <a:prstGeom prst="rect">
+            <a:avLst/>
+          </a:prstGeom>
+        </p:spPr>
+      </p:pic>
+      <p:sp>
+        <p:nvSpPr>
+          <p:cNvPr id="69" name="Llamada con línea 1 68"/>
+          <p:cNvSpPr/>
+          <p:nvPr/>
+        </p:nvSpPr>
+        <p:spPr>
+          <a:xfrm>
+            <a:off x="5191604" y="1567038"/>
+            <a:ext cx="1116067" cy="1049214"/>
+          </a:xfrm>
+          <a:prstGeom prst="borderCallout1">
+            <a:avLst>
+              <a:gd name="adj1" fmla="val 201808"/>
+              <a:gd name="adj2" fmla="val 163066"/>
+              <a:gd name="adj3" fmla="val 99287"/>
+              <a:gd name="adj4" fmla="val 48963"/>
+            </a:avLst>
+          </a:prstGeom>
+        </p:spPr>
+        <p:style>
+          <a:lnRef idx="1">
+            <a:schemeClr val="accent1"/>
+          </a:lnRef>
+          <a:fillRef idx="3">
+            <a:schemeClr val="accent1"/>
+          </a:fillRef>
+          <a:effectRef idx="2">
+            <a:schemeClr val="accent1"/>
+          </a:effectRef>
+          <a:fontRef idx="minor">
+            <a:schemeClr val="lt1"/>
+          </a:fontRef>
+        </p:style>
+        <p:txBody>
+          <a:bodyPr rtlCol="0" anchor="ctr"/>
+          <a:lstStyle/>
+          <a:p>
+            <a:pPr algn="ctr"/>
+            <a:r>
+              <a:rPr lang="es-ES" sz="800"/>
+              <a:t>Opci</a:t>
+            </a:r>
+            <a:r>
+              <a:rPr lang="es-ES" sz="800"/>
+              <a:t>ón lupa: El ratón se convierte en una lupa para ver los bichos con más detalle</a:t>
+            </a:r>
+            <a:endParaRPr lang="es-ES" sz="800"/>
+          </a:p>
+        </p:txBody>
+      </p:sp>
+      <p:pic>
+        <p:nvPicPr>
+          <p:cNvPr id="70" name="Imagen 69" descr="Captura de pantalla 2015-06-25 a las 0.54.10.png"/>
+          <p:cNvPicPr>
+            <a:picLocks noChangeAspect="1"/>
+          </p:cNvPicPr>
+          <p:nvPr/>
+        </p:nvPicPr>
+        <p:blipFill>
+          <a:blip r:embed="rId7">
+            <a:extLst>
+              <a:ext uri="{28A0092B-C50C-407E-A947-70E740481C1C}">
+                <a14:useLocalDpi xmlns:a14="http://schemas.microsoft.com/office/drawing/2010/main" val="0"/>
+              </a:ext>
+            </a:extLst>
+          </a:blip>
+          <a:stretch>
+            <a:fillRect/>
+          </a:stretch>
+        </p:blipFill>
+        <p:spPr>
+          <a:xfrm>
+            <a:off x="2629083" y="3598900"/>
+            <a:ext cx="1336405" cy="1425499"/>
+          </a:xfrm>
+          <a:prstGeom prst="rect">
+            <a:avLst/>
+          </a:prstGeom>
+        </p:spPr>
+      </p:pic>
+      <p:pic>
+        <p:nvPicPr>
+          <p:cNvPr id="71" name="Imagen 70" descr="Captura de pantalla 2015-06-25 a las 0.54.24.png"/>
+          <p:cNvPicPr>
+            <a:picLocks noChangeAspect="1"/>
+          </p:cNvPicPr>
+          <p:nvPr/>
+        </p:nvPicPr>
+        <p:blipFill>
+          <a:blip r:embed="rId8">
+            <a:extLst>
+              <a:ext uri="{28A0092B-C50C-407E-A947-70E740481C1C}">
+                <a14:useLocalDpi xmlns:a14="http://schemas.microsoft.com/office/drawing/2010/main" val="0"/>
+              </a:ext>
+            </a:extLst>
+          </a:blip>
+          <a:stretch>
+            <a:fillRect/>
+          </a:stretch>
+        </p:blipFill>
+        <p:spPr>
+          <a:xfrm>
+            <a:off x="1593850" y="1578142"/>
+            <a:ext cx="2179432" cy="1285708"/>
+          </a:xfrm>
+          <a:prstGeom prst="rect">
+            <a:avLst/>
+          </a:prstGeom>
+        </p:spPr>
+      </p:pic>
+      <p:sp>
+        <p:nvSpPr>
+          <p:cNvPr id="73" name="Rectángulo 72"/>
+          <p:cNvSpPr/>
+          <p:nvPr/>
+        </p:nvSpPr>
+        <p:spPr>
+          <a:xfrm>
+            <a:off x="3018373" y="3598900"/>
+            <a:ext cx="448732" cy="103270"/>
+          </a:xfrm>
+          <a:prstGeom prst="rect">
+            <a:avLst/>
+          </a:prstGeom>
+          <a:gradFill flip="none" rotWithShape="1">
+            <a:gsLst>
+              <a:gs pos="0">
+                <a:srgbClr val="E6E6E6"/>
+              </a:gs>
+              <a:gs pos="100000">
+                <a:srgbClr val="CECECE"/>
+              </a:gs>
+            </a:gsLst>
+            <a:lin ang="5400000" scaled="0"/>
+            <a:tileRect/>
+          </a:gradFill>
+          <a:ln>
+            <a:noFill/>
+          </a:ln>
+          <a:effectLst/>
+        </p:spPr>
+        <p:style>
+          <a:lnRef idx="1">
+            <a:schemeClr val="accent1"/>
+          </a:lnRef>
+          <a:fillRef idx="3">
+            <a:schemeClr val="accent1"/>
+          </a:fillRef>
+          <a:effectRef idx="2">
+            <a:schemeClr val="accent1"/>
+          </a:effectRef>
+          <a:fontRef idx="minor">
+            <a:schemeClr val="lt1"/>
+          </a:fontRef>
+        </p:style>
+        <p:txBody>
+          <a:bodyPr lIns="0" tIns="0" rIns="0" bIns="0" rtlCol="0" anchor="ctr"/>
+          <a:lstStyle/>
+          <a:p>
+            <a:pPr algn="ctr"/>
+            <a:r>
+              <a:rPr lang="es-ES" sz="500" b="1">
+                <a:solidFill>
+                  <a:schemeClr val="tx1"/>
+                </a:solidFill>
+              </a:rPr>
+              <a:t>Mapa:</a:t>
+            </a:r>
+          </a:p>
+        </p:txBody>
+      </p:sp>
+      <p:sp>
+        <p:nvSpPr>
+          <p:cNvPr id="74" name="Rectángulo 73"/>
+          <p:cNvSpPr/>
+          <p:nvPr/>
+        </p:nvSpPr>
+        <p:spPr>
+          <a:xfrm>
+            <a:off x="3467105" y="3598900"/>
+            <a:ext cx="313267" cy="96920"/>
+          </a:xfrm>
+          <a:prstGeom prst="rect">
+            <a:avLst/>
+          </a:prstGeom>
+          <a:gradFill flip="none" rotWithShape="1">
+            <a:gsLst>
+              <a:gs pos="0">
+                <a:srgbClr val="E6E6E6"/>
+              </a:gs>
+              <a:gs pos="100000">
+                <a:srgbClr val="CECECE"/>
+              </a:gs>
+            </a:gsLst>
+            <a:lin ang="5400000" scaled="0"/>
+            <a:tileRect/>
+          </a:gradFill>
+          <a:ln>
+            <a:noFill/>
+          </a:ln>
+          <a:effectLst/>
+        </p:spPr>
+        <p:style>
+          <a:lnRef idx="1">
+            <a:schemeClr val="accent1"/>
+          </a:lnRef>
+          <a:fillRef idx="3">
+            <a:schemeClr val="accent1"/>
+          </a:fillRef>
+          <a:effectRef idx="2">
+            <a:schemeClr val="accent1"/>
+          </a:effectRef>
+          <a:fontRef idx="minor">
+            <a:schemeClr val="lt1"/>
+          </a:fontRef>
+        </p:style>
+        <p:txBody>
+          <a:bodyPr lIns="0" tIns="0" rIns="0" bIns="0" rtlCol="0" anchor="ctr"/>
+          <a:lstStyle/>
+          <a:p>
+            <a:r>
+              <a:rPr lang="es-ES" sz="500" b="1">
+                <a:solidFill>
+                  <a:schemeClr val="tx1"/>
+                </a:solidFill>
+              </a:rPr>
+              <a:t>      </a:t>
+            </a:r>
+            <a:r>
+              <a:rPr lang="es-ES" sz="500" b="1">
+                <a:solidFill>
+                  <a:srgbClr val="953735"/>
+                </a:solidFill>
+              </a:rPr>
+              <a:t>5</a:t>
+            </a:r>
+          </a:p>
+        </p:txBody>
+      </p:sp>
+      <p:pic>
+        <p:nvPicPr>
+          <p:cNvPr id="75" name="Imagen 74" descr="Captura de pantalla 2015-06-25 a las 0.29.07.png"/>
+          <p:cNvPicPr>
+            <a:picLocks noChangeAspect="1"/>
+          </p:cNvPicPr>
+          <p:nvPr/>
+        </p:nvPicPr>
+        <p:blipFill>
+          <a:blip r:embed="rId4">
+            <a:extLst>
+              <a:ext uri="{28A0092B-C50C-407E-A947-70E740481C1C}">
+                <a14:useLocalDpi xmlns:a14="http://schemas.microsoft.com/office/drawing/2010/main" val="0"/>
+              </a:ext>
+            </a:extLst>
+          </a:blip>
+          <a:stretch>
+            <a:fillRect/>
+          </a:stretch>
+        </p:blipFill>
+        <p:spPr>
+          <a:xfrm>
+            <a:off x="3678772" y="3596998"/>
+            <a:ext cx="84662" cy="94069"/>
+          </a:xfrm>
+          <a:prstGeom prst="rect">
+            <a:avLst/>
+          </a:prstGeom>
+        </p:spPr>
+      </p:pic>
+      <p:sp>
+        <p:nvSpPr>
+          <p:cNvPr id="76" name="Llamada con línea 1 75"/>
+          <p:cNvSpPr/>
+          <p:nvPr/>
+        </p:nvSpPr>
+        <p:spPr>
+          <a:xfrm>
+            <a:off x="4112874" y="2892684"/>
+            <a:ext cx="1078730" cy="930665"/>
+          </a:xfrm>
+          <a:prstGeom prst="borderCallout1">
+            <a:avLst>
+              <a:gd name="adj1" fmla="val 78132"/>
+              <a:gd name="adj2" fmla="val -34882"/>
+              <a:gd name="adj3" fmla="val 50161"/>
+              <a:gd name="adj4" fmla="val -778"/>
+            </a:avLst>
+          </a:prstGeom>
+        </p:spPr>
+        <p:style>
+          <a:lnRef idx="1">
+            <a:schemeClr val="accent1"/>
+          </a:lnRef>
+          <a:fillRef idx="3">
+            <a:schemeClr val="accent1"/>
+          </a:fillRef>
+          <a:effectRef idx="2">
+            <a:schemeClr val="accent1"/>
+          </a:effectRef>
+          <a:fontRef idx="minor">
+            <a:schemeClr val="lt1"/>
+          </a:fontRef>
+        </p:style>
+        <p:txBody>
+          <a:bodyPr rtlCol="0" anchor="ctr"/>
+          <a:lstStyle/>
+          <a:p>
+            <a:pPr algn="ctr"/>
+            <a:r>
+              <a:rPr lang="es-ES" sz="600"/>
+              <a:t>Otra posible ventana m</a:t>
+            </a:r>
+            <a:r>
+              <a:rPr lang="es-ES" sz="600"/>
+              <a:t>ás sencilla. El resto de botones están ocultos y aparecen cuando pinchamos en el desplegable</a:t>
+            </a:r>
+            <a:endParaRPr lang="es-ES" sz="600"/>
+          </a:p>
+        </p:txBody>
+      </p:sp>
+      <p:sp>
+        <p:nvSpPr>
+          <p:cNvPr id="77" name="Llamada con línea 1 76"/>
+          <p:cNvSpPr/>
+          <p:nvPr/>
+        </p:nvSpPr>
+        <p:spPr>
+          <a:xfrm>
+            <a:off x="3973751" y="1567038"/>
+            <a:ext cx="1078730" cy="1049213"/>
+          </a:xfrm>
+          <a:prstGeom prst="borderCallout1">
+            <a:avLst>
+              <a:gd name="adj1" fmla="val 79153"/>
+              <a:gd name="adj2" fmla="val -81386"/>
+              <a:gd name="adj3" fmla="val 53041"/>
+              <a:gd name="adj4" fmla="val -1661"/>
+            </a:avLst>
+          </a:prstGeom>
+        </p:spPr>
+        <p:style>
+          <a:lnRef idx="1">
+            <a:schemeClr val="accent1"/>
+          </a:lnRef>
+          <a:fillRef idx="3">
+            <a:schemeClr val="accent1"/>
+          </a:fillRef>
+          <a:effectRef idx="2">
+            <a:schemeClr val="accent1"/>
+          </a:effectRef>
+          <a:fontRef idx="minor">
+            <a:schemeClr val="lt1"/>
+          </a:fontRef>
+        </p:style>
+        <p:txBody>
+          <a:bodyPr rtlCol="0" anchor="ctr"/>
+          <a:lstStyle/>
+          <a:p>
+            <a:pPr algn="ctr"/>
+            <a:r>
+              <a:rPr lang="es-ES" sz="800"/>
+              <a:t>S</a:t>
+            </a:r>
+            <a:r>
+              <a:rPr lang="es-ES" sz="800"/>
+              <a:t>ólo estaríamos viendo una región del biotopo. Pero podemos desplazar la vista con el ratón, igual que en Googlemaps</a:t>
+            </a:r>
+            <a:endParaRPr lang="es-ES" sz="800"/>
+          </a:p>
+        </p:txBody>
+      </p:sp>
+      <p:pic>
+        <p:nvPicPr>
+          <p:cNvPr id="79" name="Imagen 78" descr="Captura de pantalla 2015-06-25 a las 8.57.16.png"/>
+          <p:cNvPicPr>
+            <a:picLocks noChangeAspect="1"/>
+          </p:cNvPicPr>
+          <p:nvPr/>
+        </p:nvPicPr>
+        <p:blipFill>
+          <a:blip r:embed="rId9">
+            <a:extLst>
+              <a:ext uri="{28A0092B-C50C-407E-A947-70E740481C1C}">
+                <a14:useLocalDpi xmlns:a14="http://schemas.microsoft.com/office/drawing/2010/main" val="0"/>
+              </a:ext>
+            </a:extLst>
+          </a:blip>
+          <a:stretch>
+            <a:fillRect/>
+          </a:stretch>
+        </p:blipFill>
+        <p:spPr>
+          <a:xfrm>
+            <a:off x="2230390" y="5418774"/>
+            <a:ext cx="2832678" cy="173674"/>
+          </a:xfrm>
+          <a:prstGeom prst="rect">
+            <a:avLst/>
+          </a:prstGeom>
+        </p:spPr>
+      </p:pic>
+      <p:pic>
+        <p:nvPicPr>
+          <p:cNvPr id="80" name="Imagen 79" descr="Captura de pantalla 2015-06-25 a las 8.59.42.png"/>
+          <p:cNvPicPr>
+            <a:picLocks noChangeAspect="1"/>
+          </p:cNvPicPr>
+          <p:nvPr/>
+        </p:nvPicPr>
+        <p:blipFill>
+          <a:blip r:embed="rId10">
+            <a:extLst>
+              <a:ext uri="{28A0092B-C50C-407E-A947-70E740481C1C}">
+                <a14:useLocalDpi xmlns:a14="http://schemas.microsoft.com/office/drawing/2010/main" val="0"/>
+              </a:ext>
+            </a:extLst>
+          </a:blip>
+          <a:stretch>
+            <a:fillRect/>
+          </a:stretch>
+        </p:blipFill>
+        <p:spPr>
+          <a:xfrm>
+            <a:off x="5050465" y="5418800"/>
+            <a:ext cx="1902786" cy="173648"/>
+          </a:xfrm>
+          <a:prstGeom prst="rect">
+            <a:avLst/>
+          </a:prstGeom>
+        </p:spPr>
+      </p:pic>
+      <p:sp>
+        <p:nvSpPr>
+          <p:cNvPr id="81" name="CuadroTexto 80"/>
+          <p:cNvSpPr txBox="1"/>
+          <p:nvPr/>
+        </p:nvSpPr>
+        <p:spPr>
+          <a:xfrm>
+            <a:off x="4660908" y="5387050"/>
+            <a:ext cx="808563" cy="215444"/>
+          </a:xfrm>
+          <a:prstGeom prst="rect">
+            <a:avLst/>
+          </a:prstGeom>
+          <a:noFill/>
+        </p:spPr>
+        <p:txBody>
+          <a:bodyPr wrap="square" rtlCol="0">
+            <a:spAutoFit/>
+          </a:bodyPr>
+          <a:lstStyle/>
+          <a:p>
+            <a:r>
+              <a:rPr lang="es-ES" sz="600">
+                <a:solidFill>
+                  <a:schemeClr val="bg1">
+                    <a:lumMod val="50000"/>
+                  </a:schemeClr>
+                </a:solidFill>
+              </a:rPr>
+              <a:t>Cycles:       </a:t>
+            </a:r>
+            <a:r>
+              <a:rPr lang="es-ES" sz="800">
+                <a:solidFill>
+                  <a:srgbClr val="15A221"/>
+                </a:solidFill>
+                <a:latin typeface="Arial Hebrew Scholar"/>
+                <a:cs typeface="Arial Hebrew Scholar"/>
+              </a:rPr>
+              <a:t>20354</a:t>
+            </a:r>
+          </a:p>
+        </p:txBody>
+      </p:sp>
+      <p:sp>
+        <p:nvSpPr>
+          <p:cNvPr id="82" name="Rectángulo 81"/>
+          <p:cNvSpPr/>
+          <p:nvPr/>
+        </p:nvSpPr>
+        <p:spPr>
+          <a:xfrm>
+            <a:off x="4733925" y="5425150"/>
+            <a:ext cx="612775" cy="155575"/>
+          </a:xfrm>
+          <a:prstGeom prst="rect">
+            <a:avLst/>
+          </a:prstGeom>
+          <a:noFill/>
+          <a:ln>
+            <a:solidFill>
+              <a:schemeClr val="bg2">
+                <a:lumMod val="50000"/>
+              </a:schemeClr>
+            </a:solidFill>
+          </a:ln>
+          <a:effectLst/>
+        </p:spPr>
+        <p:style>
+          <a:lnRef idx="1">
+            <a:schemeClr val="accent1"/>
+          </a:lnRef>
+          <a:fillRef idx="3">
+            <a:schemeClr val="accent1"/>
+          </a:fillRef>
+          <a:effectRef idx="2">
+            <a:schemeClr val="accent1"/>
+          </a:effectRef>
+          <a:fontRef idx="minor">
+            <a:schemeClr val="lt1"/>
+          </a:fontRef>
+        </p:style>
+        <p:txBody>
+          <a:bodyPr rtlCol="0" anchor="ctr"/>
+          <a:lstStyle/>
+          <a:p>
+            <a:pPr algn="ctr"/>
+            <a:endParaRPr lang="es-ES"/>
+          </a:p>
+        </p:txBody>
+      </p:sp>
+      <p:pic>
+        <p:nvPicPr>
+          <p:cNvPr id="83" name="Imagen 82" descr="simple-player-buttons.png"/>
+          <p:cNvPicPr>
+            <a:picLocks noChangeAspect="1"/>
+          </p:cNvPicPr>
+          <p:nvPr/>
+        </p:nvPicPr>
+        <p:blipFill>
+          <a:blip r:embed="rId11">
+            <a:extLst>
+              <a:ext uri="{28A0092B-C50C-407E-A947-70E740481C1C}">
+                <a14:useLocalDpi xmlns:a14="http://schemas.microsoft.com/office/drawing/2010/main" val="0"/>
+              </a:ext>
+            </a:extLst>
+          </a:blip>
+          <a:stretch>
+            <a:fillRect/>
+          </a:stretch>
+        </p:blipFill>
+        <p:spPr>
+          <a:xfrm>
+            <a:off x="5421316" y="5440999"/>
+            <a:ext cx="1493834" cy="135311"/>
+          </a:xfrm>
+          <a:prstGeom prst="rect">
+            <a:avLst/>
+          </a:prstGeom>
+        </p:spPr>
+      </p:pic>
+      <p:sp>
+        <p:nvSpPr>
+          <p:cNvPr id="85" name="Llamada con línea 1 84"/>
+          <p:cNvSpPr/>
+          <p:nvPr/>
+        </p:nvSpPr>
+        <p:spPr>
+          <a:xfrm>
+            <a:off x="4343401" y="4883150"/>
+            <a:ext cx="848203" cy="279400"/>
+          </a:xfrm>
+          <a:prstGeom prst="borderCallout1">
+            <a:avLst>
+              <a:gd name="adj1" fmla="val 104095"/>
+              <a:gd name="adj2" fmla="val 75985"/>
+              <a:gd name="adj3" fmla="val 207054"/>
+              <a:gd name="adj4" fmla="val 132837"/>
+            </a:avLst>
+          </a:prstGeom>
+        </p:spPr>
+        <p:style>
+          <a:lnRef idx="1">
+            <a:schemeClr val="accent1"/>
+          </a:lnRef>
+          <a:fillRef idx="3">
+            <a:schemeClr val="accent1"/>
+          </a:fillRef>
+          <a:effectRef idx="2">
+            <a:schemeClr val="accent1"/>
+          </a:effectRef>
+          <a:fontRef idx="minor">
+            <a:schemeClr val="lt1"/>
+          </a:fontRef>
+        </p:style>
+        <p:txBody>
+          <a:bodyPr rtlCol="0" anchor="ctr"/>
+          <a:lstStyle/>
+          <a:p>
+            <a:pPr algn="ctr"/>
+            <a:r>
+              <a:rPr lang="es-ES" sz="600"/>
+              <a:t>Bot</a:t>
+            </a:r>
+            <a:r>
+              <a:rPr lang="es-ES" sz="600"/>
+              <a:t>ón para revertir la dirección del tiempo</a:t>
+            </a:r>
+            <a:endParaRPr lang="es-ES" sz="600"/>
+          </a:p>
+        </p:txBody>
+      </p:sp>
+      <p:sp>
+        <p:nvSpPr>
+          <p:cNvPr id="86" name="Llamada con línea 1 85"/>
+          <p:cNvSpPr/>
+          <p:nvPr/>
+        </p:nvSpPr>
+        <p:spPr>
+          <a:xfrm>
+            <a:off x="5338771" y="4883150"/>
+            <a:ext cx="1665284" cy="279400"/>
+          </a:xfrm>
+          <a:prstGeom prst="borderCallout1">
+            <a:avLst>
+              <a:gd name="adj1" fmla="val 104095"/>
+              <a:gd name="adj2" fmla="val 75985"/>
+              <a:gd name="adj3" fmla="val 212736"/>
+              <a:gd name="adj4" fmla="val 89558"/>
+            </a:avLst>
+          </a:prstGeom>
+        </p:spPr>
+        <p:style>
+          <a:lnRef idx="1">
+            <a:schemeClr val="accent1"/>
+          </a:lnRef>
+          <a:fillRef idx="3">
+            <a:schemeClr val="accent1"/>
+          </a:fillRef>
+          <a:effectRef idx="2">
+            <a:schemeClr val="accent1"/>
+          </a:effectRef>
+          <a:fontRef idx="minor">
+            <a:schemeClr val="lt1"/>
+          </a:fontRef>
+        </p:style>
+        <p:txBody>
+          <a:bodyPr rtlCol="0" anchor="ctr"/>
+          <a:lstStyle/>
+          <a:p>
+            <a:pPr algn="ctr"/>
+            <a:r>
+              <a:rPr lang="es-ES" sz="600"/>
+              <a:t>En este bot</a:t>
+            </a:r>
+            <a:r>
+              <a:rPr lang="es-ES" sz="600"/>
+              <a:t>ón se despliegan opciones, como la velocidad a la que se muestra la evolución del ecosistema (ciclos por segundo)</a:t>
+            </a:r>
+            <a:endParaRPr lang="es-ES" sz="600"/>
+          </a:p>
+        </p:txBody>
+      </p:sp>
+      <p:sp>
+        <p:nvSpPr>
+          <p:cNvPr id="87" name="Llamada con línea 1 86"/>
+          <p:cNvSpPr/>
+          <p:nvPr/>
+        </p:nvSpPr>
+        <p:spPr>
+          <a:xfrm>
+            <a:off x="1655234" y="3299178"/>
+            <a:ext cx="736600" cy="1050572"/>
+          </a:xfrm>
+          <a:prstGeom prst="borderCallout1">
+            <a:avLst>
+              <a:gd name="adj1" fmla="val -3268"/>
+              <a:gd name="adj2" fmla="val 36495"/>
+              <a:gd name="adj3" fmla="val -34151"/>
+              <a:gd name="adj4" fmla="val 83219"/>
+            </a:avLst>
+          </a:prstGeom>
+        </p:spPr>
+        <p:style>
+          <a:lnRef idx="1">
+            <a:schemeClr val="accent1"/>
+          </a:lnRef>
+          <a:fillRef idx="3">
+            <a:schemeClr val="accent1"/>
+          </a:fillRef>
+          <a:effectRef idx="2">
+            <a:schemeClr val="accent1"/>
+          </a:effectRef>
+          <a:fontRef idx="minor">
+            <a:schemeClr val="lt1"/>
+          </a:fontRef>
+        </p:style>
+        <p:txBody>
+          <a:bodyPr rtlCol="0" anchor="ctr"/>
+          <a:lstStyle/>
+          <a:p>
+            <a:pPr algn="ctr"/>
+            <a:r>
+              <a:rPr lang="es-ES" sz="600"/>
+              <a:t>Botones configurables: En cada uno guardamos una configuraci</a:t>
+            </a:r>
+            <a:r>
+              <a:rPr lang="es-ES" sz="600"/>
+              <a:t>ón de visualización diferente (diferentes colores para cada característica, por ejemplo)</a:t>
+            </a:r>
+            <a:endParaRPr lang="es-ES" sz="600"/>
+          </a:p>
+        </p:txBody>
+      </p:sp>
+      <p:sp>
+        <p:nvSpPr>
+          <p:cNvPr id="88" name="Llamada con línea 1 87"/>
+          <p:cNvSpPr/>
+          <p:nvPr/>
+        </p:nvSpPr>
+        <p:spPr>
+          <a:xfrm>
+            <a:off x="1536700" y="4597400"/>
+            <a:ext cx="915357" cy="622300"/>
+          </a:xfrm>
+          <a:prstGeom prst="borderCallout1">
+            <a:avLst>
+              <a:gd name="adj1" fmla="val 104095"/>
+              <a:gd name="adj2" fmla="val 75985"/>
+              <a:gd name="adj3" fmla="val 143206"/>
+              <a:gd name="adj4" fmla="val 129768"/>
+            </a:avLst>
+          </a:prstGeom>
+        </p:spPr>
+        <p:style>
+          <a:lnRef idx="1">
+            <a:schemeClr val="accent1"/>
+          </a:lnRef>
+          <a:fillRef idx="3">
+            <a:schemeClr val="accent1"/>
+          </a:fillRef>
+          <a:effectRef idx="2">
+            <a:schemeClr val="accent1"/>
+          </a:effectRef>
+          <a:fontRef idx="minor">
+            <a:schemeClr val="lt1"/>
+          </a:fontRef>
+        </p:style>
+        <p:txBody>
+          <a:bodyPr rtlCol="0" anchor="ctr"/>
+          <a:lstStyle/>
+          <a:p>
+            <a:pPr algn="ctr"/>
+            <a:r>
+              <a:rPr lang="es-ES" sz="600"/>
+              <a:t>Time controller: </a:t>
+            </a:r>
+          </a:p>
+          <a:p>
+            <a:pPr algn="ctr"/>
+            <a:r>
+              <a:rPr lang="es-ES" sz="600"/>
+              <a:t>Esto es para desplazarse en el tiempo a un momento concreto</a:t>
+            </a:r>
+          </a:p>
+        </p:txBody>
+      </p:sp>
+      <p:sp>
+        <p:nvSpPr>
+          <p:cNvPr id="89" name="Llamada con línea 1 88"/>
+          <p:cNvSpPr/>
+          <p:nvPr/>
+        </p:nvSpPr>
+        <p:spPr>
+          <a:xfrm>
+            <a:off x="0" y="4032444"/>
+            <a:ext cx="1003300" cy="711006"/>
+          </a:xfrm>
+          <a:prstGeom prst="borderCallout1">
+            <a:avLst>
+              <a:gd name="adj1" fmla="val -581"/>
+              <a:gd name="adj2" fmla="val 45462"/>
+              <a:gd name="adj3" fmla="val -167224"/>
+              <a:gd name="adj4" fmla="val 53754"/>
+            </a:avLst>
+          </a:prstGeom>
+        </p:spPr>
+        <p:style>
+          <a:lnRef idx="1">
+            <a:schemeClr val="accent1"/>
+          </a:lnRef>
+          <a:fillRef idx="3">
+            <a:schemeClr val="accent1"/>
+          </a:fillRef>
+          <a:effectRef idx="2">
+            <a:schemeClr val="accent1"/>
+          </a:effectRef>
+          <a:fontRef idx="minor">
+            <a:schemeClr val="lt1"/>
+          </a:fontRef>
+        </p:style>
+        <p:txBody>
+          <a:bodyPr rtlCol="0" anchor="ctr"/>
+          <a:lstStyle/>
+          <a:p>
+            <a:pPr algn="ctr"/>
+            <a:r>
+              <a:rPr lang="es-ES" sz="600"/>
+              <a:t>Habr</a:t>
+            </a:r>
+            <a:r>
+              <a:rPr lang="es-ES" sz="600"/>
+              <a:t>á una lista de “outputs”. Un output puede ser una gráfica, un mapa, un label con un texto o una ventana de salida de texto como una consola</a:t>
+            </a:r>
+            <a:endParaRPr lang="es-ES" sz="600"/>
+          </a:p>
+        </p:txBody>
+      </p:sp>
+      <p:cxnSp>
+        <p:nvCxnSpPr>
+          <p:cNvPr id="91" name="Conector recto 90"/>
+          <p:cNvCxnSpPr>
+            <a:stCxn id="89" idx="3"/>
+          </p:cNvCxnSpPr>
+          <p:nvPr/>
+        </p:nvCxnSpPr>
+        <p:spPr>
+          <a:xfrm flipV="1">
+            <a:off x="501650" y="2314408"/>
+            <a:ext cx="255868" cy="1718036"/>
+          </a:xfrm>
+          <a:prstGeom prst="line">
+            <a:avLst/>
+          </a:prstGeom>
+          <a:ln w="9525"/>
+        </p:spPr>
+        <p:style>
+          <a:lnRef idx="2">
+            <a:schemeClr val="accent1"/>
+          </a:lnRef>
+          <a:fillRef idx="0">
+            <a:schemeClr val="accent1"/>
+          </a:fillRef>
+          <a:effectRef idx="1">
+            <a:schemeClr val="accent1"/>
+          </a:effectRef>
+          <a:fontRef idx="minor">
+            <a:schemeClr val="tx1"/>
+          </a:fontRef>
+        </p:style>
+      </p:cxnSp>
+      <p:pic>
+        <p:nvPicPr>
+          <p:cNvPr id="94" name="Imagen 93" descr="Captura de pantalla 2015-06-25 a las 9.53.11.png"/>
+          <p:cNvPicPr>
+            <a:picLocks noChangeAspect="1"/>
+          </p:cNvPicPr>
+          <p:nvPr/>
+        </p:nvPicPr>
+        <p:blipFill>
+          <a:blip r:embed="rId12">
+            <a:extLst>
+              <a:ext uri="{28A0092B-C50C-407E-A947-70E740481C1C}">
+                <a14:useLocalDpi xmlns:a14="http://schemas.microsoft.com/office/drawing/2010/main" val="0"/>
+              </a:ext>
+            </a:extLst>
+          </a:blip>
+          <a:stretch>
+            <a:fillRect/>
+          </a:stretch>
+        </p:blipFill>
+        <p:spPr>
+          <a:xfrm>
+            <a:off x="6561964" y="1578142"/>
+            <a:ext cx="1959456" cy="1056402"/>
+          </a:xfrm>
+          <a:prstGeom prst="rect">
+            <a:avLst/>
+          </a:prstGeom>
+        </p:spPr>
+      </p:pic>
+      <p:sp>
+        <p:nvSpPr>
+          <p:cNvPr id="95" name="Rectángulo 94"/>
+          <p:cNvSpPr/>
+          <p:nvPr/>
+        </p:nvSpPr>
+        <p:spPr>
+          <a:xfrm>
+            <a:off x="8181403" y="2369591"/>
+            <a:ext cx="257748" cy="123991"/>
+          </a:xfrm>
+          <a:prstGeom prst="rect">
+            <a:avLst/>
+          </a:prstGeom>
+          <a:gradFill flip="none" rotWithShape="1">
+            <a:gsLst>
+              <a:gs pos="0">
+                <a:srgbClr val="E6E6E6"/>
+              </a:gs>
+              <a:gs pos="100000">
+                <a:srgbClr val="CECECE"/>
+              </a:gs>
+            </a:gsLst>
+            <a:lin ang="5400000" scaled="0"/>
+            <a:tileRect/>
+          </a:gradFill>
+          <a:ln>
+            <a:noFill/>
+          </a:ln>
+          <a:effectLst/>
+        </p:spPr>
+        <p:style>
+          <a:lnRef idx="1">
+            <a:schemeClr val="accent1"/>
+          </a:lnRef>
+          <a:fillRef idx="3">
+            <a:schemeClr val="accent1"/>
+          </a:fillRef>
+          <a:effectRef idx="2">
+            <a:schemeClr val="accent1"/>
+          </a:effectRef>
+          <a:fontRef idx="minor">
+            <a:schemeClr val="lt1"/>
+          </a:fontRef>
+        </p:style>
+        <p:txBody>
+          <a:bodyPr lIns="0" tIns="0" rIns="0" bIns="0" rtlCol="0" anchor="ctr"/>
+          <a:lstStyle/>
+          <a:p>
+            <a:r>
+              <a:rPr lang="es-ES" sz="500" b="1">
+                <a:solidFill>
+                  <a:schemeClr val="tx1"/>
+                </a:solidFill>
+              </a:rPr>
+              <a:t>  </a:t>
+            </a:r>
+            <a:r>
+              <a:rPr lang="es-ES" sz="400" b="1">
+                <a:solidFill>
+                  <a:srgbClr val="953735"/>
+                </a:solidFill>
+              </a:rPr>
+              <a:t>Opciones</a:t>
+            </a:r>
+          </a:p>
+        </p:txBody>
+      </p:sp>
+      <p:pic>
+        <p:nvPicPr>
+          <p:cNvPr id="96" name="Imagen 95" descr="Captura de pantalla 2015-06-25 a las 0.29.07.png"/>
+          <p:cNvPicPr>
+            <a:picLocks noChangeAspect="1"/>
+          </p:cNvPicPr>
+          <p:nvPr/>
+        </p:nvPicPr>
+        <p:blipFill>
+          <a:blip r:embed="rId4">
+            <a:extLst>
+              <a:ext uri="{28A0092B-C50C-407E-A947-70E740481C1C}">
+                <a14:useLocalDpi xmlns:a14="http://schemas.microsoft.com/office/drawing/2010/main" val="0"/>
+              </a:ext>
+            </a:extLst>
+          </a:blip>
+          <a:stretch>
+            <a:fillRect/>
+          </a:stretch>
+        </p:blipFill>
+        <p:spPr>
+          <a:xfrm>
+            <a:off x="8361318" y="2369590"/>
+            <a:ext cx="111593" cy="123992"/>
+          </a:xfrm>
+          <a:prstGeom prst="rect">
+            <a:avLst/>
+          </a:prstGeom>
+        </p:spPr>
+      </p:pic>
+      <p:sp>
+        <p:nvSpPr>
+          <p:cNvPr id="97" name="Llamada con línea 1 96"/>
+          <p:cNvSpPr/>
+          <p:nvPr/>
+        </p:nvSpPr>
+        <p:spPr>
+          <a:xfrm>
+            <a:off x="7877175" y="3058543"/>
+            <a:ext cx="1047933" cy="481582"/>
+          </a:xfrm>
+          <a:prstGeom prst="borderCallout1">
+            <a:avLst>
+              <a:gd name="adj1" fmla="val -122382"/>
+              <a:gd name="adj2" fmla="val 39954"/>
+              <a:gd name="adj3" fmla="val -305"/>
+              <a:gd name="adj4" fmla="val 49742"/>
+            </a:avLst>
+          </a:prstGeom>
+        </p:spPr>
+        <p:style>
+          <a:lnRef idx="1">
+            <a:schemeClr val="accent1"/>
+          </a:lnRef>
+          <a:fillRef idx="3">
+            <a:schemeClr val="accent1"/>
+          </a:fillRef>
+          <a:effectRef idx="2">
+            <a:schemeClr val="accent1"/>
+          </a:effectRef>
+          <a:fontRef idx="minor">
+            <a:schemeClr val="lt1"/>
+          </a:fontRef>
+        </p:style>
+        <p:txBody>
+          <a:bodyPr rtlCol="0" anchor="ctr"/>
+          <a:lstStyle/>
+          <a:p>
+            <a:pPr algn="ctr"/>
+            <a:r>
+              <a:rPr lang="es-ES" sz="500"/>
+              <a:t>Para no perder espacio en la ventana, todas las opciones de visualizaci</a:t>
+            </a:r>
+            <a:r>
+              <a:rPr lang="es-ES" sz="500"/>
+              <a:t>ón pueden estar en un desplegable, o simplemente en un botón que abra un cuadro de diálogo</a:t>
+            </a:r>
+            <a:endParaRPr lang="es-ES" sz="500"/>
+          </a:p>
+        </p:txBody>
+      </p:sp>
+    </p:spTree>
+    <p:extLst>
+      <p:ext uri="{BB962C8B-B14F-4D97-AF65-F5344CB8AC3E}">
+        <p14:creationId xmlns:p14="http://schemas.microsoft.com/office/powerpoint/2010/main" val="3180304276"/>
       </p:ext>
     </p:extLst>
   </p:cSld>

--- a/Boceto 1 interfaz Ecosystem.pptx
+++ b/Boceto 1 interfaz Ecosystem.pptx
@@ -11,7 +11,6 @@
     <p:sldId id="256" r:id="rId5"/>
     <p:sldId id="262" r:id="rId6"/>
     <p:sldId id="261" r:id="rId7"/>
-    <p:sldId id="260" r:id="rId8"/>
   </p:sldIdLst>
   <p:sldSz cx="9144000" cy="6858000" type="screen4x3"/>
   <p:notesSz cx="6858000" cy="9144000"/>
@@ -7762,7 +7761,7 @@
       </p:grpSpPr>
       <p:pic>
         <p:nvPicPr>
-          <p:cNvPr id="4" name="Imagen 3" descr="Captura de pantalla 2015-06-25 a las 11.09.22.png"/>
+          <p:cNvPr id="7" name="Imagen 6" descr="Captura de pantalla 2015-06-25 a las 11.20.17.png"/>
           <p:cNvPicPr>
             <a:picLocks noChangeAspect="1"/>
           </p:cNvPicPr>
@@ -7782,74 +7781,318 @@
         </p:blipFill>
         <p:spPr>
           <a:xfrm>
-            <a:off x="553095" y="1446768"/>
-            <a:ext cx="4506704" cy="2000793"/>
+            <a:off x="1700990" y="1964647"/>
+            <a:ext cx="3500967" cy="2326730"/>
           </a:xfrm>
           <a:prstGeom prst="rect">
             <a:avLst/>
           </a:prstGeom>
         </p:spPr>
       </p:pic>
-      <p:pic>
-        <p:nvPicPr>
-          <p:cNvPr id="5" name="Imagen 4" descr="Captura de pantalla 2015-06-25 a las 11.11.47.png"/>
-          <p:cNvPicPr>
-            <a:picLocks noChangeAspect="1"/>
-          </p:cNvPicPr>
-          <p:nvPr/>
-        </p:nvPicPr>
-        <p:blipFill>
-          <a:blip r:embed="rId3">
-            <a:extLst>
-              <a:ext uri="{28A0092B-C50C-407E-A947-70E740481C1C}">
-                <a14:useLocalDpi xmlns:a14="http://schemas.microsoft.com/office/drawing/2010/main" val="0"/>
-              </a:ext>
-            </a:extLst>
-          </a:blip>
-          <a:stretch>
-            <a:fillRect/>
-          </a:stretch>
-        </p:blipFill>
-        <p:spPr>
-          <a:xfrm>
-            <a:off x="4660341" y="4060734"/>
-            <a:ext cx="3369786" cy="1223470"/>
+      <p:sp>
+        <p:nvSpPr>
+          <p:cNvPr id="8" name="Rectángulo 7"/>
+          <p:cNvSpPr/>
+          <p:nvPr/>
+        </p:nvSpPr>
+        <p:spPr>
+          <a:xfrm>
+            <a:off x="1608808" y="5025880"/>
+            <a:ext cx="1157403" cy="235389"/>
           </a:xfrm>
           <a:prstGeom prst="rect">
             <a:avLst/>
           </a:prstGeom>
-        </p:spPr>
-      </p:pic>
-      <p:pic>
-        <p:nvPicPr>
-          <p:cNvPr id="6" name="Imagen 5" descr="Captura de pantalla 2015-06-25 a las 11.17.25.png"/>
-          <p:cNvPicPr>
-            <a:picLocks noChangeAspect="1"/>
-          </p:cNvPicPr>
-          <p:nvPr/>
-        </p:nvPicPr>
-        <p:blipFill>
-          <a:blip r:embed="rId4">
-            <a:extLst>
-              <a:ext uri="{28A0092B-C50C-407E-A947-70E740481C1C}">
-                <a14:useLocalDpi xmlns:a14="http://schemas.microsoft.com/office/drawing/2010/main" val="0"/>
-              </a:ext>
-            </a:extLst>
-          </a:blip>
-          <a:stretch>
-            <a:fillRect/>
-          </a:stretch>
-        </p:blipFill>
-        <p:spPr>
-          <a:xfrm>
-            <a:off x="6095999" y="2823633"/>
-            <a:ext cx="2531534" cy="931019"/>
+          <a:gradFill flip="none" rotWithShape="1">
+            <a:gsLst>
+              <a:gs pos="0">
+                <a:schemeClr val="bg1">
+                  <a:lumMod val="75000"/>
+                </a:schemeClr>
+              </a:gs>
+              <a:gs pos="100000">
+                <a:srgbClr val="FFFFFF"/>
+              </a:gs>
+            </a:gsLst>
+            <a:lin ang="16200000" scaled="0"/>
+            <a:tileRect/>
+          </a:gradFill>
+          <a:ln>
+            <a:solidFill>
+              <a:schemeClr val="bg1">
+                <a:lumMod val="75000"/>
+              </a:schemeClr>
+            </a:solidFill>
+          </a:ln>
+        </p:spPr>
+        <p:style>
+          <a:lnRef idx="1">
+            <a:schemeClr val="accent1"/>
+          </a:lnRef>
+          <a:fillRef idx="3">
+            <a:schemeClr val="accent1"/>
+          </a:fillRef>
+          <a:effectRef idx="2">
+            <a:schemeClr val="accent1"/>
+          </a:effectRef>
+          <a:fontRef idx="minor">
+            <a:schemeClr val="lt1"/>
+          </a:fontRef>
+        </p:style>
+        <p:txBody>
+          <a:bodyPr rtlCol="0" anchor="ctr"/>
+          <a:lstStyle/>
+          <a:p>
+            <a:pPr algn="ctr"/>
+            <a:r>
+              <a:rPr lang="es-ES" sz="800">
+                <a:solidFill>
+                  <a:schemeClr val="tx1"/>
+                </a:solidFill>
+              </a:rPr>
+              <a:t>Population:  </a:t>
+            </a:r>
+            <a:r>
+              <a:rPr lang="es-ES" sz="800" b="1">
+                <a:solidFill>
+                  <a:srgbClr val="15A221"/>
+                </a:solidFill>
+                <a:latin typeface="Andale Mono"/>
+                <a:cs typeface="Andale Mono"/>
+              </a:rPr>
+              <a:t>10328</a:t>
+            </a:r>
+          </a:p>
+        </p:txBody>
+      </p:sp>
+      <p:sp>
+        <p:nvSpPr>
+          <p:cNvPr id="9" name="Rectángulo 8"/>
+          <p:cNvSpPr/>
+          <p:nvPr/>
+        </p:nvSpPr>
+        <p:spPr>
+          <a:xfrm>
+            <a:off x="2828472" y="5025880"/>
+            <a:ext cx="1309429" cy="235389"/>
           </a:xfrm>
           <a:prstGeom prst="rect">
             <a:avLst/>
           </a:prstGeom>
-        </p:spPr>
-      </p:pic>
+          <a:gradFill flip="none" rotWithShape="1">
+            <a:gsLst>
+              <a:gs pos="0">
+                <a:schemeClr val="bg1">
+                  <a:lumMod val="75000"/>
+                </a:schemeClr>
+              </a:gs>
+              <a:gs pos="100000">
+                <a:srgbClr val="FFFFFF"/>
+              </a:gs>
+            </a:gsLst>
+            <a:lin ang="16200000" scaled="0"/>
+            <a:tileRect/>
+          </a:gradFill>
+          <a:ln>
+            <a:solidFill>
+              <a:schemeClr val="bg1">
+                <a:lumMod val="75000"/>
+              </a:schemeClr>
+            </a:solidFill>
+          </a:ln>
+        </p:spPr>
+        <p:style>
+          <a:lnRef idx="1">
+            <a:schemeClr val="accent1"/>
+          </a:lnRef>
+          <a:fillRef idx="3">
+            <a:schemeClr val="accent1"/>
+          </a:fillRef>
+          <a:effectRef idx="2">
+            <a:schemeClr val="accent1"/>
+          </a:effectRef>
+          <a:fontRef idx="minor">
+            <a:schemeClr val="lt1"/>
+          </a:fontRef>
+        </p:style>
+        <p:txBody>
+          <a:bodyPr rtlCol="0" anchor="ctr"/>
+          <a:lstStyle/>
+          <a:p>
+            <a:pPr algn="ctr"/>
+            <a:r>
+              <a:rPr lang="es-ES" sz="800">
+                <a:solidFill>
+                  <a:schemeClr val="tx1"/>
+                </a:solidFill>
+              </a:rPr>
+              <a:t>Plants population:  </a:t>
+            </a:r>
+            <a:r>
+              <a:rPr lang="es-ES" sz="800" b="1">
+                <a:solidFill>
+                  <a:srgbClr val="15A221"/>
+                </a:solidFill>
+                <a:latin typeface="Andale Mono"/>
+                <a:cs typeface="Andale Mono"/>
+              </a:rPr>
+              <a:t>7509</a:t>
+            </a:r>
+          </a:p>
+        </p:txBody>
+      </p:sp>
+      <p:sp>
+        <p:nvSpPr>
+          <p:cNvPr id="10" name="Rectángulo 9"/>
+          <p:cNvSpPr/>
+          <p:nvPr/>
+        </p:nvSpPr>
+        <p:spPr>
+          <a:xfrm>
+            <a:off x="2150928" y="297004"/>
+            <a:ext cx="3810212" cy="716909"/>
+          </a:xfrm>
+          <a:prstGeom prst="rect">
+            <a:avLst/>
+          </a:prstGeom>
+        </p:spPr>
+        <p:style>
+          <a:lnRef idx="1">
+            <a:schemeClr val="accent1"/>
+          </a:lnRef>
+          <a:fillRef idx="3">
+            <a:schemeClr val="accent1"/>
+          </a:fillRef>
+          <a:effectRef idx="2">
+            <a:schemeClr val="accent1"/>
+          </a:effectRef>
+          <a:fontRef idx="minor">
+            <a:schemeClr val="lt1"/>
+          </a:fontRef>
+        </p:style>
+        <p:txBody>
+          <a:bodyPr rtlCol="0" anchor="ctr"/>
+          <a:lstStyle/>
+          <a:p>
+            <a:r>
+              <a:rPr lang="es-ES" sz="1050"/>
+              <a:t>Hay dos tipos de ventanas de texto: </a:t>
+            </a:r>
+          </a:p>
+          <a:p>
+            <a:pPr marL="171450" indent="-171450">
+              <a:buFont typeface="Arial"/>
+              <a:buChar char="•"/>
+            </a:pPr>
+            <a:r>
+              <a:rPr lang="es-ES" sz="1050"/>
+              <a:t>Consola de eventos</a:t>
+            </a:r>
+          </a:p>
+          <a:p>
+            <a:pPr marL="171450" indent="-171450">
+              <a:buFont typeface="Arial"/>
+              <a:buChar char="•"/>
+            </a:pPr>
+            <a:r>
+              <a:rPr lang="es-ES" sz="1050"/>
+              <a:t>Label</a:t>
+            </a:r>
+          </a:p>
+        </p:txBody>
+      </p:sp>
+      <p:sp>
+        <p:nvSpPr>
+          <p:cNvPr id="11" name="Llamada con línea 1 10"/>
+          <p:cNvSpPr/>
+          <p:nvPr/>
+        </p:nvSpPr>
+        <p:spPr>
+          <a:xfrm>
+            <a:off x="5520640" y="4861849"/>
+            <a:ext cx="1843651" cy="686184"/>
+          </a:xfrm>
+          <a:prstGeom prst="borderCallout1">
+            <a:avLst>
+              <a:gd name="adj1" fmla="val 57556"/>
+              <a:gd name="adj2" fmla="val -3333"/>
+              <a:gd name="adj3" fmla="val 54291"/>
+              <a:gd name="adj4" fmla="val -81666"/>
+            </a:avLst>
+          </a:prstGeom>
+        </p:spPr>
+        <p:style>
+          <a:lnRef idx="1">
+            <a:schemeClr val="accent1"/>
+          </a:lnRef>
+          <a:fillRef idx="3">
+            <a:schemeClr val="accent1"/>
+          </a:fillRef>
+          <a:effectRef idx="2">
+            <a:schemeClr val="accent1"/>
+          </a:effectRef>
+          <a:fontRef idx="minor">
+            <a:schemeClr val="lt1"/>
+          </a:fontRef>
+        </p:style>
+        <p:txBody>
+          <a:bodyPr rtlCol="0" anchor="ctr"/>
+          <a:lstStyle/>
+          <a:p>
+            <a:pPr algn="ctr"/>
+            <a:r>
+              <a:rPr lang="es-ES" sz="1050"/>
+              <a:t>Labels</a:t>
+            </a:r>
+          </a:p>
+        </p:txBody>
+      </p:sp>
+      <p:sp>
+        <p:nvSpPr>
+          <p:cNvPr id="12" name="Llamada con línea 1 11"/>
+          <p:cNvSpPr/>
+          <p:nvPr/>
+        </p:nvSpPr>
+        <p:spPr>
+          <a:xfrm>
+            <a:off x="6164680" y="2699658"/>
+            <a:ext cx="1843651" cy="686184"/>
+          </a:xfrm>
+          <a:prstGeom prst="borderCallout1">
+            <a:avLst>
+              <a:gd name="adj1" fmla="val 57556"/>
+              <a:gd name="adj2" fmla="val -3333"/>
+              <a:gd name="adj3" fmla="val 54291"/>
+              <a:gd name="adj4" fmla="val -81666"/>
+            </a:avLst>
+          </a:prstGeom>
+        </p:spPr>
+        <p:style>
+          <a:lnRef idx="1">
+            <a:schemeClr val="accent1"/>
+          </a:lnRef>
+          <a:fillRef idx="3">
+            <a:schemeClr val="accent1"/>
+          </a:fillRef>
+          <a:effectRef idx="2">
+            <a:schemeClr val="accent1"/>
+          </a:effectRef>
+          <a:fontRef idx="minor">
+            <a:schemeClr val="lt1"/>
+          </a:fontRef>
+        </p:style>
+        <p:txBody>
+          <a:bodyPr rtlCol="0" anchor="ctr"/>
+          <a:lstStyle/>
+          <a:p>
+            <a:pPr algn="ctr"/>
+            <a:r>
+              <a:rPr lang="es-ES" sz="1050"/>
+              <a:t>Consola de eventos</a:t>
+            </a:r>
+          </a:p>
+        </p:txBody>
+      </p:sp>
     </p:spTree>
     <p:extLst>
       <p:ext uri="{BB962C8B-B14F-4D97-AF65-F5344CB8AC3E}">
@@ -8092,3361 +8335,6 @@
   <p:clrMapOvr>
     <a:masterClrMapping/>
   </p:clrMapOvr>
-</p:sld>
-</file>
-
-<file path=ppt/slides/slide7.xml><?xml version="1.0" encoding="utf-8"?>
-<p:sld xmlns:a="http://schemas.openxmlformats.org/drawingml/2006/main" xmlns:r="http://schemas.openxmlformats.org/officeDocument/2006/relationships" xmlns:p="http://schemas.openxmlformats.org/presentationml/2006/main">
-  <p:cSld>
-    <p:bg>
-      <p:bgPr>
-        <a:solidFill>
-          <a:schemeClr val="tx1"/>
-        </a:solidFill>
-        <a:effectLst/>
-      </p:bgPr>
-    </p:bg>
-    <p:spTree>
-      <p:nvGrpSpPr>
-        <p:cNvPr id="1" name=""/>
-        <p:cNvGrpSpPr/>
-        <p:nvPr/>
-      </p:nvGrpSpPr>
-      <p:grpSpPr>
-        <a:xfrm>
-          <a:off x="0" y="0"/>
-          <a:ext cx="0" cy="0"/>
-          <a:chOff x="0" y="0"/>
-          <a:chExt cx="0" cy="0"/>
-        </a:xfrm>
-      </p:grpSpPr>
-      <p:pic>
-        <p:nvPicPr>
-          <p:cNvPr id="4" name="Imagen 3" descr="Captura de pantalla 2015-06-24 a las 23.57.45.png"/>
-          <p:cNvPicPr>
-            <a:picLocks noChangeAspect="1"/>
-          </p:cNvPicPr>
-          <p:nvPr/>
-        </p:nvPicPr>
-        <p:blipFill>
-          <a:blip r:embed="rId2">
-            <a:extLst>
-              <a:ext uri="{28A0092B-C50C-407E-A947-70E740481C1C}">
-                <a14:useLocalDpi xmlns:a14="http://schemas.microsoft.com/office/drawing/2010/main" val="0"/>
-              </a:ext>
-            </a:extLst>
-          </a:blip>
-          <a:stretch>
-            <a:fillRect/>
-          </a:stretch>
-        </p:blipFill>
-        <p:spPr>
-          <a:xfrm>
-            <a:off x="0" y="430031"/>
-            <a:ext cx="9144000" cy="6021049"/>
-          </a:xfrm>
-          <a:prstGeom prst="rect">
-            <a:avLst/>
-          </a:prstGeom>
-          <a:pattFill prst="pct40">
-            <a:fgClr>
-              <a:prstClr val="black"/>
-            </a:fgClr>
-            <a:bgClr>
-              <a:schemeClr val="accent3">
-                <a:lumMod val="40000"/>
-                <a:lumOff val="60000"/>
-              </a:schemeClr>
-            </a:bgClr>
-          </a:pattFill>
-        </p:spPr>
-      </p:pic>
-      <p:sp>
-        <p:nvSpPr>
-          <p:cNvPr id="78" name="Rectángulo 77"/>
-          <p:cNvSpPr/>
-          <p:nvPr/>
-        </p:nvSpPr>
-        <p:spPr>
-          <a:xfrm>
-            <a:off x="1456607" y="1377850"/>
-            <a:ext cx="7569918" cy="4436630"/>
-          </a:xfrm>
-          <a:prstGeom prst="rect">
-            <a:avLst/>
-          </a:prstGeom>
-          <a:solidFill>
-            <a:schemeClr val="bg1"/>
-          </a:solidFill>
-          <a:ln>
-            <a:noFill/>
-          </a:ln>
-          <a:effectLst/>
-        </p:spPr>
-        <p:style>
-          <a:lnRef idx="1">
-            <a:schemeClr val="accent1"/>
-          </a:lnRef>
-          <a:fillRef idx="3">
-            <a:schemeClr val="accent1"/>
-          </a:fillRef>
-          <a:effectRef idx="2">
-            <a:schemeClr val="accent1"/>
-          </a:effectRef>
-          <a:fontRef idx="minor">
-            <a:schemeClr val="lt1"/>
-          </a:fontRef>
-        </p:style>
-        <p:txBody>
-          <a:bodyPr rtlCol="0" anchor="ctr"/>
-          <a:lstStyle/>
-          <a:p>
-            <a:pPr algn="ctr"/>
-            <a:endParaRPr lang="es-ES"/>
-          </a:p>
-        </p:txBody>
-      </p:sp>
-      <p:sp>
-        <p:nvSpPr>
-          <p:cNvPr id="6" name="Rectángulo 5"/>
-          <p:cNvSpPr/>
-          <p:nvPr/>
-        </p:nvSpPr>
-        <p:spPr>
-          <a:xfrm>
-            <a:off x="4343401" y="474134"/>
-            <a:ext cx="1147233" cy="254000"/>
-          </a:xfrm>
-          <a:prstGeom prst="rect">
-            <a:avLst/>
-          </a:prstGeom>
-          <a:gradFill flip="none" rotWithShape="1">
-            <a:gsLst>
-              <a:gs pos="0">
-                <a:srgbClr val="E6E6E6"/>
-              </a:gs>
-              <a:gs pos="100000">
-                <a:srgbClr val="CECECE"/>
-              </a:gs>
-            </a:gsLst>
-            <a:lin ang="5400000" scaled="0"/>
-            <a:tileRect/>
-          </a:gradFill>
-          <a:ln>
-            <a:noFill/>
-          </a:ln>
-          <a:effectLst/>
-        </p:spPr>
-        <p:style>
-          <a:lnRef idx="1">
-            <a:schemeClr val="accent1"/>
-          </a:lnRef>
-          <a:fillRef idx="3">
-            <a:schemeClr val="accent1"/>
-          </a:fillRef>
-          <a:effectRef idx="2">
-            <a:schemeClr val="accent1"/>
-          </a:effectRef>
-          <a:fontRef idx="minor">
-            <a:schemeClr val="lt1"/>
-          </a:fontRef>
-        </p:style>
-        <p:txBody>
-          <a:bodyPr rtlCol="0" anchor="ctr"/>
-          <a:lstStyle/>
-          <a:p>
-            <a:pPr algn="ctr"/>
-            <a:endParaRPr lang="es-ES"/>
-          </a:p>
-        </p:txBody>
-      </p:sp>
-      <p:sp>
-        <p:nvSpPr>
-          <p:cNvPr id="5" name="CuadroTexto 4"/>
-          <p:cNvSpPr txBox="1"/>
-          <p:nvPr/>
-        </p:nvSpPr>
-        <p:spPr>
-          <a:xfrm>
-            <a:off x="4267203" y="403319"/>
-            <a:ext cx="1929803" cy="215444"/>
-          </a:xfrm>
-          <a:prstGeom prst="rect">
-            <a:avLst/>
-          </a:prstGeom>
-          <a:noFill/>
-        </p:spPr>
-        <p:txBody>
-          <a:bodyPr wrap="square" rtlCol="0">
-            <a:spAutoFit/>
-          </a:bodyPr>
-          <a:lstStyle/>
-          <a:p>
-            <a:r>
-              <a:rPr lang="es-ES" sz="800">
-                <a:solidFill>
-                  <a:schemeClr val="bg1">
-                    <a:lumMod val="50000"/>
-                  </a:schemeClr>
-                </a:solidFill>
-              </a:rPr>
-              <a:t>Ventana principal de Ecosystem</a:t>
-            </a:r>
-          </a:p>
-        </p:txBody>
-      </p:sp>
-      <p:sp>
-        <p:nvSpPr>
-          <p:cNvPr id="7" name="Rectángulo 6"/>
-          <p:cNvSpPr/>
-          <p:nvPr/>
-        </p:nvSpPr>
-        <p:spPr>
-          <a:xfrm>
-            <a:off x="5799666" y="1240367"/>
-            <a:ext cx="448732" cy="101600"/>
-          </a:xfrm>
-          <a:prstGeom prst="rect">
-            <a:avLst/>
-          </a:prstGeom>
-          <a:gradFill flip="none" rotWithShape="1">
-            <a:gsLst>
-              <a:gs pos="0">
-                <a:srgbClr val="E6E6E6"/>
-              </a:gs>
-              <a:gs pos="100000">
-                <a:srgbClr val="CECECE"/>
-              </a:gs>
-            </a:gsLst>
-            <a:lin ang="5400000" scaled="0"/>
-            <a:tileRect/>
-          </a:gradFill>
-          <a:ln>
-            <a:noFill/>
-          </a:ln>
-          <a:effectLst/>
-        </p:spPr>
-        <p:style>
-          <a:lnRef idx="1">
-            <a:schemeClr val="accent1"/>
-          </a:lnRef>
-          <a:fillRef idx="3">
-            <a:schemeClr val="accent1"/>
-          </a:fillRef>
-          <a:effectRef idx="2">
-            <a:schemeClr val="accent1"/>
-          </a:effectRef>
-          <a:fontRef idx="minor">
-            <a:schemeClr val="lt1"/>
-          </a:fontRef>
-        </p:style>
-        <p:txBody>
-          <a:bodyPr lIns="0" tIns="0" rIns="0" bIns="0" rtlCol="0" anchor="ctr"/>
-          <a:lstStyle/>
-          <a:p>
-            <a:pPr algn="ctr"/>
-            <a:r>
-              <a:rPr lang="es-ES" sz="600">
-                <a:solidFill>
-                  <a:schemeClr val="tx1"/>
-                </a:solidFill>
-              </a:rPr>
-              <a:t>Organismos</a:t>
-            </a:r>
-          </a:p>
-        </p:txBody>
-      </p:sp>
-      <p:sp>
-        <p:nvSpPr>
-          <p:cNvPr id="8" name="Rectángulo 7"/>
-          <p:cNvSpPr/>
-          <p:nvPr/>
-        </p:nvSpPr>
-        <p:spPr>
-          <a:xfrm>
-            <a:off x="3818471" y="927100"/>
-            <a:ext cx="448732" cy="71967"/>
-          </a:xfrm>
-          <a:prstGeom prst="rect">
-            <a:avLst/>
-          </a:prstGeom>
-          <a:gradFill flip="none" rotWithShape="1">
-            <a:gsLst>
-              <a:gs pos="0">
-                <a:srgbClr val="E6E6E6"/>
-              </a:gs>
-              <a:gs pos="100000">
-                <a:srgbClr val="CECECE"/>
-              </a:gs>
-            </a:gsLst>
-            <a:lin ang="5400000" scaled="0"/>
-            <a:tileRect/>
-          </a:gradFill>
-          <a:ln>
-            <a:noFill/>
-          </a:ln>
-          <a:effectLst/>
-        </p:spPr>
-        <p:style>
-          <a:lnRef idx="1">
-            <a:schemeClr val="accent1"/>
-          </a:lnRef>
-          <a:fillRef idx="3">
-            <a:schemeClr val="accent1"/>
-          </a:fillRef>
-          <a:effectRef idx="2">
-            <a:schemeClr val="accent1"/>
-          </a:effectRef>
-          <a:fontRef idx="minor">
-            <a:schemeClr val="lt1"/>
-          </a:fontRef>
-        </p:style>
-        <p:txBody>
-          <a:bodyPr lIns="0" tIns="0" rIns="0" bIns="0" rtlCol="0" anchor="ctr"/>
-          <a:lstStyle/>
-          <a:p>
-            <a:pPr algn="ctr"/>
-            <a:r>
-              <a:rPr lang="es-ES" sz="500" b="1">
-                <a:solidFill>
-                  <a:schemeClr val="tx1"/>
-                </a:solidFill>
-              </a:rPr>
-              <a:t>Estad</a:t>
-            </a:r>
-            <a:r>
-              <a:rPr lang="es-ES" sz="500" b="1">
-                <a:solidFill>
-                  <a:schemeClr val="tx1"/>
-                </a:solidFill>
-              </a:rPr>
-              <a:t>ística</a:t>
-            </a:r>
-            <a:r>
-              <a:rPr lang="es-ES" sz="500" b="1">
-                <a:solidFill>
-                  <a:schemeClr val="tx1"/>
-                </a:solidFill>
-              </a:rPr>
-              <a:t>s</a:t>
-            </a:r>
-          </a:p>
-        </p:txBody>
-      </p:sp>
-      <p:sp>
-        <p:nvSpPr>
-          <p:cNvPr id="9" name="Rectángulo 8"/>
-          <p:cNvSpPr/>
-          <p:nvPr/>
-        </p:nvSpPr>
-        <p:spPr>
-          <a:xfrm>
-            <a:off x="2006606" y="927100"/>
-            <a:ext cx="448732" cy="71967"/>
-          </a:xfrm>
-          <a:prstGeom prst="rect">
-            <a:avLst/>
-          </a:prstGeom>
-          <a:gradFill flip="none" rotWithShape="1">
-            <a:gsLst>
-              <a:gs pos="0">
-                <a:srgbClr val="E6E6E6"/>
-              </a:gs>
-              <a:gs pos="100000">
-                <a:srgbClr val="CECECE"/>
-              </a:gs>
-            </a:gsLst>
-            <a:lin ang="5400000" scaled="0"/>
-            <a:tileRect/>
-          </a:gradFill>
-          <a:ln>
-            <a:noFill/>
-          </a:ln>
-          <a:effectLst/>
-        </p:spPr>
-        <p:style>
-          <a:lnRef idx="1">
-            <a:schemeClr val="accent1"/>
-          </a:lnRef>
-          <a:fillRef idx="3">
-            <a:schemeClr val="accent1"/>
-          </a:fillRef>
-          <a:effectRef idx="2">
-            <a:schemeClr val="accent1"/>
-          </a:effectRef>
-          <a:fontRef idx="minor">
-            <a:schemeClr val="lt1"/>
-          </a:fontRef>
-        </p:style>
-        <p:txBody>
-          <a:bodyPr lIns="0" tIns="0" rIns="0" bIns="0" rtlCol="0" anchor="ctr"/>
-          <a:lstStyle/>
-          <a:p>
-            <a:pPr algn="ctr"/>
-            <a:r>
-              <a:rPr lang="es-ES" sz="500" b="1">
-                <a:solidFill>
-                  <a:schemeClr val="tx1"/>
-                </a:solidFill>
-              </a:rPr>
-              <a:t>Clima</a:t>
-            </a:r>
-          </a:p>
-        </p:txBody>
-      </p:sp>
-      <p:sp>
-        <p:nvSpPr>
-          <p:cNvPr id="10" name="Rectángulo 9"/>
-          <p:cNvSpPr/>
-          <p:nvPr/>
-        </p:nvSpPr>
-        <p:spPr>
-          <a:xfrm>
-            <a:off x="5020732" y="1261534"/>
-            <a:ext cx="448732" cy="71967"/>
-          </a:xfrm>
-          <a:prstGeom prst="rect">
-            <a:avLst/>
-          </a:prstGeom>
-          <a:gradFill flip="none" rotWithShape="1">
-            <a:gsLst>
-              <a:gs pos="0">
-                <a:srgbClr val="E6E6E6"/>
-              </a:gs>
-              <a:gs pos="100000">
-                <a:srgbClr val="CECECE"/>
-              </a:gs>
-            </a:gsLst>
-            <a:lin ang="5400000" scaled="0"/>
-            <a:tileRect/>
-          </a:gradFill>
-          <a:ln>
-            <a:noFill/>
-          </a:ln>
-          <a:effectLst/>
-        </p:spPr>
-        <p:style>
-          <a:lnRef idx="1">
-            <a:schemeClr val="accent1"/>
-          </a:lnRef>
-          <a:fillRef idx="3">
-            <a:schemeClr val="accent1"/>
-          </a:fillRef>
-          <a:effectRef idx="2">
-            <a:schemeClr val="accent1"/>
-          </a:effectRef>
-          <a:fontRef idx="minor">
-            <a:schemeClr val="lt1"/>
-          </a:fontRef>
-        </p:style>
-        <p:txBody>
-          <a:bodyPr lIns="0" tIns="0" rIns="0" bIns="0" rtlCol="0" anchor="ctr"/>
-          <a:lstStyle/>
-          <a:p>
-            <a:pPr algn="ctr"/>
-            <a:r>
-              <a:rPr lang="es-ES" sz="500" b="1">
-                <a:solidFill>
-                  <a:schemeClr val="tx1"/>
-                </a:solidFill>
-              </a:rPr>
-              <a:t>Substancia</a:t>
-            </a:r>
-          </a:p>
-        </p:txBody>
-      </p:sp>
-      <p:sp>
-        <p:nvSpPr>
-          <p:cNvPr id="11" name="Rectángulo 10"/>
-          <p:cNvSpPr/>
-          <p:nvPr/>
-        </p:nvSpPr>
-        <p:spPr>
-          <a:xfrm>
-            <a:off x="4775199" y="1261535"/>
-            <a:ext cx="287869" cy="68576"/>
-          </a:xfrm>
-          <a:prstGeom prst="rect">
-            <a:avLst/>
-          </a:prstGeom>
-          <a:gradFill flip="none" rotWithShape="1">
-            <a:gsLst>
-              <a:gs pos="0">
-                <a:srgbClr val="E6E6E6"/>
-              </a:gs>
-              <a:gs pos="100000">
-                <a:srgbClr val="CECECE"/>
-              </a:gs>
-            </a:gsLst>
-            <a:lin ang="5400000" scaled="0"/>
-            <a:tileRect/>
-          </a:gradFill>
-          <a:ln>
-            <a:noFill/>
-          </a:ln>
-          <a:effectLst/>
-        </p:spPr>
-        <p:style>
-          <a:lnRef idx="1">
-            <a:schemeClr val="accent1"/>
-          </a:lnRef>
-          <a:fillRef idx="3">
-            <a:schemeClr val="accent1"/>
-          </a:fillRef>
-          <a:effectRef idx="2">
-            <a:schemeClr val="accent1"/>
-          </a:effectRef>
-          <a:fontRef idx="minor">
-            <a:schemeClr val="lt1"/>
-          </a:fontRef>
-        </p:style>
-        <p:txBody>
-          <a:bodyPr lIns="0" tIns="0" rIns="0" bIns="0" rtlCol="0" anchor="ctr"/>
-          <a:lstStyle/>
-          <a:p>
-            <a:pPr algn="ctr"/>
-            <a:r>
-              <a:rPr lang="es-ES" sz="500" b="1">
-                <a:solidFill>
-                  <a:schemeClr val="tx1"/>
-                </a:solidFill>
-              </a:rPr>
-              <a:t>Genes</a:t>
-            </a:r>
-          </a:p>
-        </p:txBody>
-      </p:sp>
-      <p:pic>
-        <p:nvPicPr>
-          <p:cNvPr id="12" name="Imagen 11" descr="Captura de pantalla 2015-06-25 a las 0.14.19.png"/>
-          <p:cNvPicPr>
-            <a:picLocks noChangeAspect="1"/>
-          </p:cNvPicPr>
-          <p:nvPr/>
-        </p:nvPicPr>
-        <p:blipFill>
-          <a:blip r:embed="rId3">
-            <a:extLst>
-              <a:ext uri="{28A0092B-C50C-407E-A947-70E740481C1C}">
-                <a14:useLocalDpi xmlns:a14="http://schemas.microsoft.com/office/drawing/2010/main" val="0"/>
-              </a:ext>
-            </a:extLst>
-          </a:blip>
-          <a:stretch>
-            <a:fillRect/>
-          </a:stretch>
-        </p:blipFill>
-        <p:spPr>
-          <a:xfrm>
-            <a:off x="234950" y="2533650"/>
-            <a:ext cx="1022026" cy="889000"/>
-          </a:xfrm>
-          <a:prstGeom prst="rect">
-            <a:avLst/>
-          </a:prstGeom>
-        </p:spPr>
-      </p:pic>
-      <p:sp>
-        <p:nvSpPr>
-          <p:cNvPr id="13" name="CuadroTexto 12"/>
-          <p:cNvSpPr txBox="1"/>
-          <p:nvPr/>
-        </p:nvSpPr>
-        <p:spPr>
-          <a:xfrm>
-            <a:off x="38100" y="2510338"/>
-            <a:ext cx="215900" cy="169277"/>
-          </a:xfrm>
-          <a:prstGeom prst="rect">
-            <a:avLst/>
-          </a:prstGeom>
-          <a:noFill/>
-        </p:spPr>
-        <p:txBody>
-          <a:bodyPr wrap="square" rtlCol="0">
-            <a:spAutoFit/>
-          </a:bodyPr>
-          <a:lstStyle/>
-          <a:p>
-            <a:r>
-              <a:rPr lang="es-ES" sz="500"/>
-              <a:t>2</a:t>
-            </a:r>
-          </a:p>
-        </p:txBody>
-      </p:sp>
-      <p:sp>
-        <p:nvSpPr>
-          <p:cNvPr id="19" name="Rectángulo 18"/>
-          <p:cNvSpPr/>
-          <p:nvPr/>
-        </p:nvSpPr>
-        <p:spPr>
-          <a:xfrm>
-            <a:off x="266700" y="1367368"/>
-            <a:ext cx="448732" cy="152400"/>
-          </a:xfrm>
-          <a:prstGeom prst="rect">
-            <a:avLst/>
-          </a:prstGeom>
-          <a:solidFill>
-            <a:schemeClr val="tx2">
-              <a:lumMod val="60000"/>
-              <a:lumOff val="40000"/>
-            </a:schemeClr>
-          </a:solidFill>
-          <a:ln>
-            <a:noFill/>
-          </a:ln>
-          <a:effectLst/>
-          <a:scene3d>
-            <a:camera prst="orthographicFront"/>
-            <a:lightRig rig="threePt" dir="t"/>
-          </a:scene3d>
-          <a:sp3d>
-            <a:bevelT w="6350"/>
-            <a:bevelB w="6350"/>
-          </a:sp3d>
-        </p:spPr>
-        <p:style>
-          <a:lnRef idx="1">
-            <a:schemeClr val="accent1"/>
-          </a:lnRef>
-          <a:fillRef idx="3">
-            <a:schemeClr val="accent1"/>
-          </a:fillRef>
-          <a:effectRef idx="2">
-            <a:schemeClr val="accent1"/>
-          </a:effectRef>
-          <a:fontRef idx="minor">
-            <a:schemeClr val="lt1"/>
-          </a:fontRef>
-        </p:style>
-        <p:txBody>
-          <a:bodyPr lIns="0" tIns="0" rIns="0" bIns="0" rtlCol="0" anchor="ctr"/>
-          <a:lstStyle/>
-          <a:p>
-            <a:pPr algn="ctr"/>
-            <a:r>
-              <a:rPr lang="es-ES" sz="500" b="1">
-                <a:solidFill>
-                  <a:schemeClr val="tx1"/>
-                </a:solidFill>
-              </a:rPr>
-              <a:t>Outputs</a:t>
-            </a:r>
-          </a:p>
-        </p:txBody>
-      </p:sp>
-      <p:sp>
-        <p:nvSpPr>
-          <p:cNvPr id="20" name="Rectángulo 19"/>
-          <p:cNvSpPr/>
-          <p:nvPr/>
-        </p:nvSpPr>
-        <p:spPr>
-          <a:xfrm>
-            <a:off x="260349" y="1240368"/>
-            <a:ext cx="336551" cy="95250"/>
-          </a:xfrm>
-          <a:prstGeom prst="rect">
-            <a:avLst/>
-          </a:prstGeom>
-          <a:gradFill flip="none" rotWithShape="1">
-            <a:gsLst>
-              <a:gs pos="0">
-                <a:srgbClr val="E6E6E6"/>
-              </a:gs>
-              <a:gs pos="100000">
-                <a:srgbClr val="CECECE"/>
-              </a:gs>
-            </a:gsLst>
-            <a:lin ang="5400000" scaled="0"/>
-            <a:tileRect/>
-          </a:gradFill>
-          <a:ln>
-            <a:noFill/>
-          </a:ln>
-          <a:effectLst/>
-        </p:spPr>
-        <p:style>
-          <a:lnRef idx="1">
-            <a:schemeClr val="accent1"/>
-          </a:lnRef>
-          <a:fillRef idx="3">
-            <a:schemeClr val="accent1"/>
-          </a:fillRef>
-          <a:effectRef idx="2">
-            <a:schemeClr val="accent1"/>
-          </a:effectRef>
-          <a:fontRef idx="minor">
-            <a:schemeClr val="lt1"/>
-          </a:fontRef>
-        </p:style>
-        <p:txBody>
-          <a:bodyPr lIns="0" tIns="0" rIns="0" bIns="0" rtlCol="0" anchor="ctr"/>
-          <a:lstStyle/>
-          <a:p>
-            <a:pPr algn="ctr"/>
-            <a:r>
-              <a:rPr lang="es-ES" sz="500" b="1">
-                <a:solidFill>
-                  <a:schemeClr val="tx1"/>
-                </a:solidFill>
-              </a:rPr>
-              <a:t>Especie</a:t>
-            </a:r>
-          </a:p>
-        </p:txBody>
-      </p:sp>
-      <p:sp>
-        <p:nvSpPr>
-          <p:cNvPr id="21" name="Rectángulo 20"/>
-          <p:cNvSpPr/>
-          <p:nvPr/>
-        </p:nvSpPr>
-        <p:spPr>
-          <a:xfrm>
-            <a:off x="1593850" y="1447800"/>
-            <a:ext cx="2171700" cy="1562100"/>
-          </a:xfrm>
-          <a:prstGeom prst="rect">
-            <a:avLst/>
-          </a:prstGeom>
-        </p:spPr>
-        <p:style>
-          <a:lnRef idx="1">
-            <a:schemeClr val="accent1"/>
-          </a:lnRef>
-          <a:fillRef idx="3">
-            <a:schemeClr val="accent1"/>
-          </a:fillRef>
-          <a:effectRef idx="2">
-            <a:schemeClr val="accent1"/>
-          </a:effectRef>
-          <a:fontRef idx="minor">
-            <a:schemeClr val="lt1"/>
-          </a:fontRef>
-        </p:style>
-        <p:txBody>
-          <a:bodyPr rtlCol="0" anchor="ctr"/>
-          <a:lstStyle/>
-          <a:p>
-            <a:pPr algn="ctr"/>
-            <a:endParaRPr lang="es-ES"/>
-          </a:p>
-        </p:txBody>
-      </p:sp>
-      <p:sp>
-        <p:nvSpPr>
-          <p:cNvPr id="22" name="Rectángulo 21"/>
-          <p:cNvSpPr/>
-          <p:nvPr/>
-        </p:nvSpPr>
-        <p:spPr>
-          <a:xfrm>
-            <a:off x="1593850" y="1578142"/>
-            <a:ext cx="2171700" cy="1285708"/>
-          </a:xfrm>
-          <a:prstGeom prst="rect">
-            <a:avLst/>
-          </a:prstGeom>
-          <a:solidFill>
-            <a:schemeClr val="tx1"/>
-          </a:solidFill>
-        </p:spPr>
-        <p:style>
-          <a:lnRef idx="1">
-            <a:schemeClr val="accent1"/>
-          </a:lnRef>
-          <a:fillRef idx="3">
-            <a:schemeClr val="accent1"/>
-          </a:fillRef>
-          <a:effectRef idx="2">
-            <a:schemeClr val="accent1"/>
-          </a:effectRef>
-          <a:fontRef idx="minor">
-            <a:schemeClr val="lt1"/>
-          </a:fontRef>
-        </p:style>
-        <p:txBody>
-          <a:bodyPr rtlCol="0" anchor="ctr"/>
-          <a:lstStyle/>
-          <a:p>
-            <a:pPr algn="ctr"/>
-            <a:endParaRPr lang="es-ES"/>
-          </a:p>
-        </p:txBody>
-      </p:sp>
-      <p:sp>
-        <p:nvSpPr>
-          <p:cNvPr id="23" name="Rectángulo 22"/>
-          <p:cNvSpPr/>
-          <p:nvPr/>
-        </p:nvSpPr>
-        <p:spPr>
-          <a:xfrm>
-            <a:off x="1619251" y="1447801"/>
-            <a:ext cx="448732" cy="130341"/>
-          </a:xfrm>
-          <a:prstGeom prst="rect">
-            <a:avLst/>
-          </a:prstGeom>
-          <a:gradFill flip="none" rotWithShape="1">
-            <a:gsLst>
-              <a:gs pos="0">
-                <a:srgbClr val="E6E6E6"/>
-              </a:gs>
-              <a:gs pos="100000">
-                <a:srgbClr val="CECECE"/>
-              </a:gs>
-            </a:gsLst>
-            <a:lin ang="5400000" scaled="0"/>
-            <a:tileRect/>
-          </a:gradFill>
-          <a:ln>
-            <a:noFill/>
-          </a:ln>
-          <a:effectLst/>
-        </p:spPr>
-        <p:style>
-          <a:lnRef idx="1">
-            <a:schemeClr val="accent1"/>
-          </a:lnRef>
-          <a:fillRef idx="3">
-            <a:schemeClr val="accent1"/>
-          </a:fillRef>
-          <a:effectRef idx="2">
-            <a:schemeClr val="accent1"/>
-          </a:effectRef>
-          <a:fontRef idx="minor">
-            <a:schemeClr val="lt1"/>
-          </a:fontRef>
-        </p:style>
-        <p:txBody>
-          <a:bodyPr lIns="0" tIns="0" rIns="0" bIns="0" rtlCol="0" anchor="ctr"/>
-          <a:lstStyle/>
-          <a:p>
-            <a:pPr algn="ctr"/>
-            <a:r>
-              <a:rPr lang="es-ES" sz="500" b="1">
-                <a:solidFill>
-                  <a:schemeClr val="tx1"/>
-                </a:solidFill>
-              </a:rPr>
-              <a:t>Mapa:</a:t>
-            </a:r>
-          </a:p>
-        </p:txBody>
-      </p:sp>
-      <p:sp>
-        <p:nvSpPr>
-          <p:cNvPr id="24" name="Rectángulo 23"/>
-          <p:cNvSpPr/>
-          <p:nvPr/>
-        </p:nvSpPr>
-        <p:spPr>
-          <a:xfrm>
-            <a:off x="2080683" y="1447801"/>
-            <a:ext cx="313267" cy="123991"/>
-          </a:xfrm>
-          <a:prstGeom prst="rect">
-            <a:avLst/>
-          </a:prstGeom>
-          <a:gradFill flip="none" rotWithShape="1">
-            <a:gsLst>
-              <a:gs pos="0">
-                <a:srgbClr val="E6E6E6"/>
-              </a:gs>
-              <a:gs pos="100000">
-                <a:srgbClr val="CECECE"/>
-              </a:gs>
-            </a:gsLst>
-            <a:lin ang="5400000" scaled="0"/>
-            <a:tileRect/>
-          </a:gradFill>
-          <a:ln>
-            <a:noFill/>
-          </a:ln>
-          <a:effectLst/>
-        </p:spPr>
-        <p:style>
-          <a:lnRef idx="1">
-            <a:schemeClr val="accent1"/>
-          </a:lnRef>
-          <a:fillRef idx="3">
-            <a:schemeClr val="accent1"/>
-          </a:fillRef>
-          <a:effectRef idx="2">
-            <a:schemeClr val="accent1"/>
-          </a:effectRef>
-          <a:fontRef idx="minor">
-            <a:schemeClr val="lt1"/>
-          </a:fontRef>
-        </p:style>
-        <p:txBody>
-          <a:bodyPr lIns="0" tIns="0" rIns="0" bIns="0" rtlCol="0" anchor="ctr"/>
-          <a:lstStyle/>
-          <a:p>
-            <a:r>
-              <a:rPr lang="es-ES" sz="500" b="1">
-                <a:solidFill>
-                  <a:schemeClr val="tx1"/>
-                </a:solidFill>
-              </a:rPr>
-              <a:t>      </a:t>
-            </a:r>
-            <a:r>
-              <a:rPr lang="es-ES" sz="500" b="1">
-                <a:solidFill>
-                  <a:srgbClr val="953735"/>
-                </a:solidFill>
-              </a:rPr>
-              <a:t>5</a:t>
-            </a:r>
-          </a:p>
-        </p:txBody>
-      </p:sp>
-      <p:pic>
-        <p:nvPicPr>
-          <p:cNvPr id="25" name="Imagen 24" descr="Captura de pantalla 2015-06-25 a las 0.29.07.png"/>
-          <p:cNvPicPr>
-            <a:picLocks noChangeAspect="1"/>
-          </p:cNvPicPr>
-          <p:nvPr/>
-        </p:nvPicPr>
-        <p:blipFill>
-          <a:blip r:embed="rId4">
-            <a:extLst>
-              <a:ext uri="{28A0092B-C50C-407E-A947-70E740481C1C}">
-                <a14:useLocalDpi xmlns:a14="http://schemas.microsoft.com/office/drawing/2010/main" val="0"/>
-              </a:ext>
-            </a:extLst>
-          </a:blip>
-          <a:stretch>
-            <a:fillRect/>
-          </a:stretch>
-        </p:blipFill>
-        <p:spPr>
-          <a:xfrm>
-            <a:off x="2292350" y="1454150"/>
-            <a:ext cx="101600" cy="112889"/>
-          </a:xfrm>
-          <a:prstGeom prst="rect">
-            <a:avLst/>
-          </a:prstGeom>
-        </p:spPr>
-      </p:pic>
-      <p:sp>
-        <p:nvSpPr>
-          <p:cNvPr id="26" name="CuadroTexto 25"/>
-          <p:cNvSpPr txBox="1"/>
-          <p:nvPr/>
-        </p:nvSpPr>
-        <p:spPr>
-          <a:xfrm>
-            <a:off x="2216150" y="2089800"/>
-            <a:ext cx="874184" cy="215444"/>
-          </a:xfrm>
-          <a:prstGeom prst="rect">
-            <a:avLst/>
-          </a:prstGeom>
-          <a:noFill/>
-        </p:spPr>
-        <p:txBody>
-          <a:bodyPr wrap="square" rtlCol="0">
-            <a:spAutoFit/>
-          </a:bodyPr>
-          <a:lstStyle/>
-          <a:p>
-            <a:r>
-              <a:rPr lang="es-ES" sz="800">
-                <a:solidFill>
-                  <a:schemeClr val="bg1">
-                    <a:lumMod val="85000"/>
-                  </a:schemeClr>
-                </a:solidFill>
-              </a:rPr>
-              <a:t>(Aqu</a:t>
-            </a:r>
-            <a:r>
-              <a:rPr lang="es-ES" sz="800">
-                <a:solidFill>
-                  <a:schemeClr val="bg1">
-                    <a:lumMod val="85000"/>
-                  </a:schemeClr>
-                </a:solidFill>
-              </a:rPr>
-              <a:t>í los bichos)</a:t>
-            </a:r>
-            <a:endParaRPr lang="es-ES" sz="800">
-              <a:solidFill>
-                <a:schemeClr val="bg1">
-                  <a:lumMod val="85000"/>
-                </a:schemeClr>
-              </a:solidFill>
-            </a:endParaRPr>
-          </a:p>
-        </p:txBody>
-      </p:sp>
-      <p:sp>
-        <p:nvSpPr>
-          <p:cNvPr id="28" name="Rectángulo 27"/>
-          <p:cNvSpPr/>
-          <p:nvPr/>
-        </p:nvSpPr>
-        <p:spPr>
-          <a:xfrm>
-            <a:off x="2819400" y="2879649"/>
-            <a:ext cx="944034" cy="112889"/>
-          </a:xfrm>
-          <a:prstGeom prst="rect">
-            <a:avLst/>
-          </a:prstGeom>
-          <a:gradFill flip="none" rotWithShape="1">
-            <a:gsLst>
-              <a:gs pos="0">
-                <a:srgbClr val="E6E6E6"/>
-              </a:gs>
-              <a:gs pos="100000">
-                <a:srgbClr val="CECECE"/>
-              </a:gs>
-            </a:gsLst>
-            <a:lin ang="5400000" scaled="0"/>
-            <a:tileRect/>
-          </a:gradFill>
-          <a:ln>
-            <a:noFill/>
-          </a:ln>
-          <a:effectLst/>
-        </p:spPr>
-        <p:style>
-          <a:lnRef idx="1">
-            <a:schemeClr val="accent1"/>
-          </a:lnRef>
-          <a:fillRef idx="3">
-            <a:schemeClr val="accent1"/>
-          </a:fillRef>
-          <a:effectRef idx="2">
-            <a:schemeClr val="accent1"/>
-          </a:effectRef>
-          <a:fontRef idx="minor">
-            <a:schemeClr val="lt1"/>
-          </a:fontRef>
-        </p:style>
-        <p:txBody>
-          <a:bodyPr lIns="0" tIns="0" rIns="0" bIns="0" rtlCol="0" anchor="ctr"/>
-          <a:lstStyle/>
-          <a:p>
-            <a:r>
-              <a:rPr lang="es-ES" sz="500" b="1">
-                <a:solidFill>
-                  <a:schemeClr val="tx1"/>
-                </a:solidFill>
-              </a:rPr>
-              <a:t>      Opciones de visualizaci</a:t>
-            </a:r>
-            <a:r>
-              <a:rPr lang="es-ES" sz="500" b="1">
-                <a:solidFill>
-                  <a:schemeClr val="tx1"/>
-                </a:solidFill>
-              </a:rPr>
-              <a:t>ón</a:t>
-            </a:r>
-            <a:endParaRPr lang="es-ES" sz="500" b="1">
-              <a:solidFill>
-                <a:schemeClr val="tx1"/>
-              </a:solidFill>
-            </a:endParaRPr>
-          </a:p>
-        </p:txBody>
-      </p:sp>
-      <p:pic>
-        <p:nvPicPr>
-          <p:cNvPr id="27" name="Imagen 26" descr="Captura de pantalla 2015-06-25 a las 0.29.07.png"/>
-          <p:cNvPicPr>
-            <a:picLocks noChangeAspect="1"/>
-          </p:cNvPicPr>
-          <p:nvPr/>
-        </p:nvPicPr>
-        <p:blipFill>
-          <a:blip r:embed="rId4">
-            <a:extLst>
-              <a:ext uri="{28A0092B-C50C-407E-A947-70E740481C1C}">
-                <a14:useLocalDpi xmlns:a14="http://schemas.microsoft.com/office/drawing/2010/main" val="0"/>
-              </a:ext>
-            </a:extLst>
-          </a:blip>
-          <a:stretch>
-            <a:fillRect/>
-          </a:stretch>
-        </p:blipFill>
-        <p:spPr>
-          <a:xfrm>
-            <a:off x="3627971" y="2879649"/>
-            <a:ext cx="101600" cy="112889"/>
-          </a:xfrm>
-          <a:prstGeom prst="rect">
-            <a:avLst/>
-          </a:prstGeom>
-        </p:spPr>
-      </p:pic>
-      <p:sp>
-        <p:nvSpPr>
-          <p:cNvPr id="29" name="Rectángulo 28"/>
-          <p:cNvSpPr/>
-          <p:nvPr/>
-        </p:nvSpPr>
-        <p:spPr>
-          <a:xfrm>
-            <a:off x="1593850" y="2879649"/>
-            <a:ext cx="296332" cy="130341"/>
-          </a:xfrm>
-          <a:prstGeom prst="rect">
-            <a:avLst/>
-          </a:prstGeom>
-          <a:gradFill flip="none" rotWithShape="1">
-            <a:gsLst>
-              <a:gs pos="0">
-                <a:srgbClr val="E6E6E6"/>
-              </a:gs>
-              <a:gs pos="100000">
-                <a:srgbClr val="CECECE"/>
-              </a:gs>
-            </a:gsLst>
-            <a:lin ang="5400000" scaled="0"/>
-            <a:tileRect/>
-          </a:gradFill>
-          <a:ln>
-            <a:noFill/>
-          </a:ln>
-          <a:effectLst/>
-        </p:spPr>
-        <p:style>
-          <a:lnRef idx="1">
-            <a:schemeClr val="accent1"/>
-          </a:lnRef>
-          <a:fillRef idx="3">
-            <a:schemeClr val="accent1"/>
-          </a:fillRef>
-          <a:effectRef idx="2">
-            <a:schemeClr val="accent1"/>
-          </a:effectRef>
-          <a:fontRef idx="minor">
-            <a:schemeClr val="lt1"/>
-          </a:fontRef>
-        </p:style>
-        <p:txBody>
-          <a:bodyPr lIns="0" tIns="0" rIns="0" bIns="0" rtlCol="0" anchor="ctr"/>
-          <a:lstStyle/>
-          <a:p>
-            <a:r>
-              <a:rPr lang="es-ES" sz="500" b="1">
-                <a:solidFill>
-                  <a:schemeClr val="tx1"/>
-                </a:solidFill>
-              </a:rPr>
-              <a:t>     Modo:</a:t>
-            </a:r>
-          </a:p>
-        </p:txBody>
-      </p:sp>
-      <p:sp>
-        <p:nvSpPr>
-          <p:cNvPr id="30" name="Rectángulo 29"/>
-          <p:cNvSpPr/>
-          <p:nvPr/>
-        </p:nvSpPr>
-        <p:spPr>
-          <a:xfrm>
-            <a:off x="1936751" y="2879649"/>
-            <a:ext cx="143932" cy="130341"/>
-          </a:xfrm>
-          <a:prstGeom prst="rect">
-            <a:avLst/>
-          </a:prstGeom>
-          <a:gradFill flip="none" rotWithShape="1">
-            <a:gsLst>
-              <a:gs pos="0">
-                <a:srgbClr val="E6E6E6"/>
-              </a:gs>
-              <a:gs pos="100000">
-                <a:srgbClr val="CECECE"/>
-              </a:gs>
-            </a:gsLst>
-            <a:lin ang="5400000" scaled="0"/>
-            <a:tileRect/>
-          </a:gradFill>
-          <a:ln>
-            <a:noFill/>
-          </a:ln>
-          <a:effectLst/>
-        </p:spPr>
-        <p:style>
-          <a:lnRef idx="1">
-            <a:schemeClr val="accent1"/>
-          </a:lnRef>
-          <a:fillRef idx="3">
-            <a:schemeClr val="accent1"/>
-          </a:fillRef>
-          <a:effectRef idx="2">
-            <a:schemeClr val="accent1"/>
-          </a:effectRef>
-          <a:fontRef idx="minor">
-            <a:schemeClr val="lt1"/>
-          </a:fontRef>
-        </p:style>
-        <p:txBody>
-          <a:bodyPr lIns="0" tIns="0" rIns="0" bIns="0" rtlCol="0" anchor="ctr"/>
-          <a:lstStyle/>
-          <a:p>
-            <a:pPr algn="ctr"/>
-            <a:r>
-              <a:rPr lang="es-ES" sz="500" b="1">
-                <a:solidFill>
-                  <a:schemeClr val="tx1"/>
-                </a:solidFill>
-              </a:rPr>
-              <a:t>A</a:t>
-            </a:r>
-          </a:p>
-        </p:txBody>
-      </p:sp>
-      <p:sp>
-        <p:nvSpPr>
-          <p:cNvPr id="31" name="Rectángulo 30"/>
-          <p:cNvSpPr/>
-          <p:nvPr/>
-        </p:nvSpPr>
-        <p:spPr>
-          <a:xfrm>
-            <a:off x="2089151" y="2879649"/>
-            <a:ext cx="143932" cy="130341"/>
-          </a:xfrm>
-          <a:prstGeom prst="rect">
-            <a:avLst/>
-          </a:prstGeom>
-          <a:gradFill flip="none" rotWithShape="1">
-            <a:gsLst>
-              <a:gs pos="0">
-                <a:srgbClr val="E6E6E6"/>
-              </a:gs>
-              <a:gs pos="100000">
-                <a:srgbClr val="CECECE"/>
-              </a:gs>
-            </a:gsLst>
-            <a:lin ang="5400000" scaled="0"/>
-            <a:tileRect/>
-          </a:gradFill>
-          <a:ln>
-            <a:noFill/>
-          </a:ln>
-          <a:effectLst/>
-        </p:spPr>
-        <p:style>
-          <a:lnRef idx="1">
-            <a:schemeClr val="accent1"/>
-          </a:lnRef>
-          <a:fillRef idx="3">
-            <a:schemeClr val="accent1"/>
-          </a:fillRef>
-          <a:effectRef idx="2">
-            <a:schemeClr val="accent1"/>
-          </a:effectRef>
-          <a:fontRef idx="minor">
-            <a:schemeClr val="lt1"/>
-          </a:fontRef>
-        </p:style>
-        <p:txBody>
-          <a:bodyPr lIns="0" tIns="0" rIns="0" bIns="0" rtlCol="0" anchor="ctr"/>
-          <a:lstStyle/>
-          <a:p>
-            <a:pPr algn="ctr"/>
-            <a:r>
-              <a:rPr lang="es-ES" sz="500" b="1">
-                <a:solidFill>
-                  <a:schemeClr val="accent2">
-                    <a:lumMod val="75000"/>
-                  </a:schemeClr>
-                </a:solidFill>
-              </a:rPr>
-              <a:t>B</a:t>
-            </a:r>
-          </a:p>
-        </p:txBody>
-      </p:sp>
-      <p:sp>
-        <p:nvSpPr>
-          <p:cNvPr id="32" name="Rectángulo 31"/>
-          <p:cNvSpPr/>
-          <p:nvPr/>
-        </p:nvSpPr>
-        <p:spPr>
-          <a:xfrm>
-            <a:off x="2239434" y="2879559"/>
-            <a:ext cx="143932" cy="130341"/>
-          </a:xfrm>
-          <a:prstGeom prst="rect">
-            <a:avLst/>
-          </a:prstGeom>
-          <a:gradFill flip="none" rotWithShape="1">
-            <a:gsLst>
-              <a:gs pos="0">
-                <a:srgbClr val="E6E6E6"/>
-              </a:gs>
-              <a:gs pos="100000">
-                <a:srgbClr val="CECECE"/>
-              </a:gs>
-            </a:gsLst>
-            <a:lin ang="5400000" scaled="0"/>
-            <a:tileRect/>
-          </a:gradFill>
-          <a:ln>
-            <a:noFill/>
-          </a:ln>
-          <a:effectLst/>
-        </p:spPr>
-        <p:style>
-          <a:lnRef idx="1">
-            <a:schemeClr val="accent1"/>
-          </a:lnRef>
-          <a:fillRef idx="3">
-            <a:schemeClr val="accent1"/>
-          </a:fillRef>
-          <a:effectRef idx="2">
-            <a:schemeClr val="accent1"/>
-          </a:effectRef>
-          <a:fontRef idx="minor">
-            <a:schemeClr val="lt1"/>
-          </a:fontRef>
-        </p:style>
-        <p:txBody>
-          <a:bodyPr lIns="0" tIns="0" rIns="0" bIns="0" rtlCol="0" anchor="ctr"/>
-          <a:lstStyle/>
-          <a:p>
-            <a:pPr algn="ctr"/>
-            <a:r>
-              <a:rPr lang="es-ES" sz="500" b="1">
-                <a:solidFill>
-                  <a:schemeClr val="tx1"/>
-                </a:solidFill>
-              </a:rPr>
-              <a:t>C</a:t>
-            </a:r>
-          </a:p>
-        </p:txBody>
-      </p:sp>
-      <p:sp>
-        <p:nvSpPr>
-          <p:cNvPr id="33" name="Rectángulo 32"/>
-          <p:cNvSpPr/>
-          <p:nvPr/>
-        </p:nvSpPr>
-        <p:spPr>
-          <a:xfrm>
-            <a:off x="2391834" y="2879559"/>
-            <a:ext cx="143932" cy="130341"/>
-          </a:xfrm>
-          <a:prstGeom prst="rect">
-            <a:avLst/>
-          </a:prstGeom>
-          <a:gradFill flip="none" rotWithShape="1">
-            <a:gsLst>
-              <a:gs pos="0">
-                <a:srgbClr val="E6E6E6"/>
-              </a:gs>
-              <a:gs pos="100000">
-                <a:srgbClr val="CECECE"/>
-              </a:gs>
-            </a:gsLst>
-            <a:lin ang="5400000" scaled="0"/>
-            <a:tileRect/>
-          </a:gradFill>
-          <a:ln>
-            <a:noFill/>
-          </a:ln>
-          <a:effectLst/>
-        </p:spPr>
-        <p:style>
-          <a:lnRef idx="1">
-            <a:schemeClr val="accent1"/>
-          </a:lnRef>
-          <a:fillRef idx="3">
-            <a:schemeClr val="accent1"/>
-          </a:fillRef>
-          <a:effectRef idx="2">
-            <a:schemeClr val="accent1"/>
-          </a:effectRef>
-          <a:fontRef idx="minor">
-            <a:schemeClr val="lt1"/>
-          </a:fontRef>
-        </p:style>
-        <p:txBody>
-          <a:bodyPr lIns="0" tIns="0" rIns="0" bIns="0" rtlCol="0" anchor="ctr"/>
-          <a:lstStyle/>
-          <a:p>
-            <a:pPr algn="ctr"/>
-            <a:r>
-              <a:rPr lang="es-ES" sz="500" b="1">
-                <a:solidFill>
-                  <a:schemeClr val="tx1"/>
-                </a:solidFill>
-              </a:rPr>
-              <a:t>D</a:t>
-            </a:r>
-          </a:p>
-        </p:txBody>
-      </p:sp>
-      <p:sp>
-        <p:nvSpPr>
-          <p:cNvPr id="34" name="Rectángulo 33"/>
-          <p:cNvSpPr/>
-          <p:nvPr/>
-        </p:nvSpPr>
-        <p:spPr>
-          <a:xfrm>
-            <a:off x="2542116" y="2879559"/>
-            <a:ext cx="143932" cy="130341"/>
-          </a:xfrm>
-          <a:prstGeom prst="rect">
-            <a:avLst/>
-          </a:prstGeom>
-          <a:gradFill flip="none" rotWithShape="1">
-            <a:gsLst>
-              <a:gs pos="0">
-                <a:srgbClr val="E6E6E6"/>
-              </a:gs>
-              <a:gs pos="100000">
-                <a:srgbClr val="CECECE"/>
-              </a:gs>
-            </a:gsLst>
-            <a:lin ang="5400000" scaled="0"/>
-            <a:tileRect/>
-          </a:gradFill>
-          <a:ln>
-            <a:noFill/>
-          </a:ln>
-          <a:effectLst/>
-        </p:spPr>
-        <p:style>
-          <a:lnRef idx="1">
-            <a:schemeClr val="accent1"/>
-          </a:lnRef>
-          <a:fillRef idx="3">
-            <a:schemeClr val="accent1"/>
-          </a:fillRef>
-          <a:effectRef idx="2">
-            <a:schemeClr val="accent1"/>
-          </a:effectRef>
-          <a:fontRef idx="minor">
-            <a:schemeClr val="lt1"/>
-          </a:fontRef>
-        </p:style>
-        <p:txBody>
-          <a:bodyPr lIns="0" tIns="0" rIns="0" bIns="0" rtlCol="0" anchor="ctr"/>
-          <a:lstStyle/>
-          <a:p>
-            <a:pPr algn="ctr"/>
-            <a:r>
-              <a:rPr lang="es-ES" sz="500" b="1">
-                <a:solidFill>
-                  <a:schemeClr val="tx1"/>
-                </a:solidFill>
-              </a:rPr>
-              <a:t>E</a:t>
-            </a:r>
-          </a:p>
-        </p:txBody>
-      </p:sp>
-      <p:sp>
-        <p:nvSpPr>
-          <p:cNvPr id="52" name="Rectángulo 51"/>
-          <p:cNvSpPr/>
-          <p:nvPr/>
-        </p:nvSpPr>
-        <p:spPr>
-          <a:xfrm>
-            <a:off x="5507571" y="3181350"/>
-            <a:ext cx="2171700" cy="1562100"/>
-          </a:xfrm>
-          <a:prstGeom prst="rect">
-            <a:avLst/>
-          </a:prstGeom>
-        </p:spPr>
-        <p:style>
-          <a:lnRef idx="1">
-            <a:schemeClr val="accent1"/>
-          </a:lnRef>
-          <a:fillRef idx="3">
-            <a:schemeClr val="accent1"/>
-          </a:fillRef>
-          <a:effectRef idx="2">
-            <a:schemeClr val="accent1"/>
-          </a:effectRef>
-          <a:fontRef idx="minor">
-            <a:schemeClr val="lt1"/>
-          </a:fontRef>
-        </p:style>
-        <p:txBody>
-          <a:bodyPr rtlCol="0" anchor="ctr"/>
-          <a:lstStyle/>
-          <a:p>
-            <a:pPr algn="ctr"/>
-            <a:endParaRPr lang="es-ES"/>
-          </a:p>
-        </p:txBody>
-      </p:sp>
-      <p:sp>
-        <p:nvSpPr>
-          <p:cNvPr id="53" name="Rectángulo 52"/>
-          <p:cNvSpPr/>
-          <p:nvPr/>
-        </p:nvSpPr>
-        <p:spPr>
-          <a:xfrm>
-            <a:off x="5507571" y="3311692"/>
-            <a:ext cx="2171700" cy="1285708"/>
-          </a:xfrm>
-          <a:prstGeom prst="rect">
-            <a:avLst/>
-          </a:prstGeom>
-          <a:solidFill>
-            <a:schemeClr val="tx1"/>
-          </a:solidFill>
-        </p:spPr>
-        <p:style>
-          <a:lnRef idx="1">
-            <a:schemeClr val="accent1"/>
-          </a:lnRef>
-          <a:fillRef idx="3">
-            <a:schemeClr val="accent1"/>
-          </a:fillRef>
-          <a:effectRef idx="2">
-            <a:schemeClr val="accent1"/>
-          </a:effectRef>
-          <a:fontRef idx="minor">
-            <a:schemeClr val="lt1"/>
-          </a:fontRef>
-        </p:style>
-        <p:txBody>
-          <a:bodyPr rtlCol="0" anchor="ctr"/>
-          <a:lstStyle/>
-          <a:p>
-            <a:pPr algn="ctr"/>
-            <a:endParaRPr lang="es-ES"/>
-          </a:p>
-        </p:txBody>
-      </p:sp>
-      <p:sp>
-        <p:nvSpPr>
-          <p:cNvPr id="54" name="Rectángulo 53"/>
-          <p:cNvSpPr/>
-          <p:nvPr/>
-        </p:nvSpPr>
-        <p:spPr>
-          <a:xfrm>
-            <a:off x="5532972" y="3181351"/>
-            <a:ext cx="448732" cy="130341"/>
-          </a:xfrm>
-          <a:prstGeom prst="rect">
-            <a:avLst/>
-          </a:prstGeom>
-          <a:gradFill flip="none" rotWithShape="1">
-            <a:gsLst>
-              <a:gs pos="0">
-                <a:srgbClr val="E6E6E6"/>
-              </a:gs>
-              <a:gs pos="100000">
-                <a:srgbClr val="CECECE"/>
-              </a:gs>
-            </a:gsLst>
-            <a:lin ang="5400000" scaled="0"/>
-            <a:tileRect/>
-          </a:gradFill>
-          <a:ln>
-            <a:noFill/>
-          </a:ln>
-          <a:effectLst/>
-        </p:spPr>
-        <p:style>
-          <a:lnRef idx="1">
-            <a:schemeClr val="accent1"/>
-          </a:lnRef>
-          <a:fillRef idx="3">
-            <a:schemeClr val="accent1"/>
-          </a:fillRef>
-          <a:effectRef idx="2">
-            <a:schemeClr val="accent1"/>
-          </a:effectRef>
-          <a:fontRef idx="minor">
-            <a:schemeClr val="lt1"/>
-          </a:fontRef>
-        </p:style>
-        <p:txBody>
-          <a:bodyPr lIns="0" tIns="0" rIns="0" bIns="0" rtlCol="0" anchor="ctr"/>
-          <a:lstStyle/>
-          <a:p>
-            <a:pPr algn="ctr"/>
-            <a:r>
-              <a:rPr lang="es-ES" sz="500" b="1">
-                <a:solidFill>
-                  <a:schemeClr val="tx1"/>
-                </a:solidFill>
-              </a:rPr>
-              <a:t>Mapa:</a:t>
-            </a:r>
-          </a:p>
-        </p:txBody>
-      </p:sp>
-      <p:sp>
-        <p:nvSpPr>
-          <p:cNvPr id="55" name="Rectángulo 54"/>
-          <p:cNvSpPr/>
-          <p:nvPr/>
-        </p:nvSpPr>
-        <p:spPr>
-          <a:xfrm>
-            <a:off x="5994404" y="3181351"/>
-            <a:ext cx="313267" cy="123991"/>
-          </a:xfrm>
-          <a:prstGeom prst="rect">
-            <a:avLst/>
-          </a:prstGeom>
-          <a:gradFill flip="none" rotWithShape="1">
-            <a:gsLst>
-              <a:gs pos="0">
-                <a:srgbClr val="E6E6E6"/>
-              </a:gs>
-              <a:gs pos="100000">
-                <a:srgbClr val="CECECE"/>
-              </a:gs>
-            </a:gsLst>
-            <a:lin ang="5400000" scaled="0"/>
-            <a:tileRect/>
-          </a:gradFill>
-          <a:ln>
-            <a:noFill/>
-          </a:ln>
-          <a:effectLst/>
-        </p:spPr>
-        <p:style>
-          <a:lnRef idx="1">
-            <a:schemeClr val="accent1"/>
-          </a:lnRef>
-          <a:fillRef idx="3">
-            <a:schemeClr val="accent1"/>
-          </a:fillRef>
-          <a:effectRef idx="2">
-            <a:schemeClr val="accent1"/>
-          </a:effectRef>
-          <a:fontRef idx="minor">
-            <a:schemeClr val="lt1"/>
-          </a:fontRef>
-        </p:style>
-        <p:txBody>
-          <a:bodyPr lIns="0" tIns="0" rIns="0" bIns="0" rtlCol="0" anchor="ctr"/>
-          <a:lstStyle/>
-          <a:p>
-            <a:r>
-              <a:rPr lang="es-ES" sz="500" b="1">
-                <a:solidFill>
-                  <a:schemeClr val="tx1"/>
-                </a:solidFill>
-              </a:rPr>
-              <a:t>      </a:t>
-            </a:r>
-            <a:r>
-              <a:rPr lang="es-ES" sz="500" b="1">
-                <a:solidFill>
-                  <a:srgbClr val="953735"/>
-                </a:solidFill>
-              </a:rPr>
-              <a:t>5</a:t>
-            </a:r>
-          </a:p>
-        </p:txBody>
-      </p:sp>
-      <p:pic>
-        <p:nvPicPr>
-          <p:cNvPr id="56" name="Imagen 55" descr="Captura de pantalla 2015-06-25 a las 0.29.07.png"/>
-          <p:cNvPicPr>
-            <a:picLocks noChangeAspect="1"/>
-          </p:cNvPicPr>
-          <p:nvPr/>
-        </p:nvPicPr>
-        <p:blipFill>
-          <a:blip r:embed="rId4">
-            <a:extLst>
-              <a:ext uri="{28A0092B-C50C-407E-A947-70E740481C1C}">
-                <a14:useLocalDpi xmlns:a14="http://schemas.microsoft.com/office/drawing/2010/main" val="0"/>
-              </a:ext>
-            </a:extLst>
-          </a:blip>
-          <a:stretch>
-            <a:fillRect/>
-          </a:stretch>
-        </p:blipFill>
-        <p:spPr>
-          <a:xfrm>
-            <a:off x="6206071" y="3187700"/>
-            <a:ext cx="101600" cy="112889"/>
-          </a:xfrm>
-          <a:prstGeom prst="rect">
-            <a:avLst/>
-          </a:prstGeom>
-        </p:spPr>
-      </p:pic>
-      <p:sp>
-        <p:nvSpPr>
-          <p:cNvPr id="57" name="CuadroTexto 56"/>
-          <p:cNvSpPr txBox="1"/>
-          <p:nvPr/>
-        </p:nvSpPr>
-        <p:spPr>
-          <a:xfrm>
-            <a:off x="6129871" y="3823350"/>
-            <a:ext cx="874184" cy="215444"/>
-          </a:xfrm>
-          <a:prstGeom prst="rect">
-            <a:avLst/>
-          </a:prstGeom>
-          <a:noFill/>
-        </p:spPr>
-        <p:txBody>
-          <a:bodyPr wrap="square" rtlCol="0">
-            <a:spAutoFit/>
-          </a:bodyPr>
-          <a:lstStyle/>
-          <a:p>
-            <a:r>
-              <a:rPr lang="es-ES" sz="800">
-                <a:solidFill>
-                  <a:schemeClr val="bg1">
-                    <a:lumMod val="85000"/>
-                  </a:schemeClr>
-                </a:solidFill>
-              </a:rPr>
-              <a:t>(Aqu</a:t>
-            </a:r>
-            <a:r>
-              <a:rPr lang="es-ES" sz="800">
-                <a:solidFill>
-                  <a:schemeClr val="bg1">
-                    <a:lumMod val="85000"/>
-                  </a:schemeClr>
-                </a:solidFill>
-              </a:rPr>
-              <a:t>í los bichos)</a:t>
-            </a:r>
-            <a:endParaRPr lang="es-ES" sz="800">
-              <a:solidFill>
-                <a:schemeClr val="bg1">
-                  <a:lumMod val="85000"/>
-                </a:schemeClr>
-              </a:solidFill>
-            </a:endParaRPr>
-          </a:p>
-        </p:txBody>
-      </p:sp>
-      <p:sp>
-        <p:nvSpPr>
-          <p:cNvPr id="58" name="Rectángulo 57"/>
-          <p:cNvSpPr/>
-          <p:nvPr/>
-        </p:nvSpPr>
-        <p:spPr>
-          <a:xfrm>
-            <a:off x="6733121" y="4613199"/>
-            <a:ext cx="944034" cy="112889"/>
-          </a:xfrm>
-          <a:prstGeom prst="rect">
-            <a:avLst/>
-          </a:prstGeom>
-          <a:gradFill flip="none" rotWithShape="1">
-            <a:gsLst>
-              <a:gs pos="0">
-                <a:srgbClr val="E6E6E6"/>
-              </a:gs>
-              <a:gs pos="100000">
-                <a:srgbClr val="CECECE"/>
-              </a:gs>
-            </a:gsLst>
-            <a:lin ang="5400000" scaled="0"/>
-            <a:tileRect/>
-          </a:gradFill>
-          <a:ln>
-            <a:noFill/>
-          </a:ln>
-          <a:effectLst/>
-        </p:spPr>
-        <p:style>
-          <a:lnRef idx="1">
-            <a:schemeClr val="accent1"/>
-          </a:lnRef>
-          <a:fillRef idx="3">
-            <a:schemeClr val="accent1"/>
-          </a:fillRef>
-          <a:effectRef idx="2">
-            <a:schemeClr val="accent1"/>
-          </a:effectRef>
-          <a:fontRef idx="minor">
-            <a:schemeClr val="lt1"/>
-          </a:fontRef>
-        </p:style>
-        <p:txBody>
-          <a:bodyPr lIns="0" tIns="0" rIns="0" bIns="0" rtlCol="0" anchor="ctr"/>
-          <a:lstStyle/>
-          <a:p>
-            <a:r>
-              <a:rPr lang="es-ES" sz="500" b="1">
-                <a:solidFill>
-                  <a:schemeClr val="tx1"/>
-                </a:solidFill>
-              </a:rPr>
-              <a:t>      Opciones de visualizaci</a:t>
-            </a:r>
-            <a:r>
-              <a:rPr lang="es-ES" sz="500" b="1">
-                <a:solidFill>
-                  <a:schemeClr val="tx1"/>
-                </a:solidFill>
-              </a:rPr>
-              <a:t>ón</a:t>
-            </a:r>
-            <a:endParaRPr lang="es-ES" sz="500" b="1">
-              <a:solidFill>
-                <a:schemeClr val="tx1"/>
-              </a:solidFill>
-            </a:endParaRPr>
-          </a:p>
-        </p:txBody>
-      </p:sp>
-      <p:pic>
-        <p:nvPicPr>
-          <p:cNvPr id="59" name="Imagen 58" descr="Captura de pantalla 2015-06-25 a las 0.29.07.png"/>
-          <p:cNvPicPr>
-            <a:picLocks noChangeAspect="1"/>
-          </p:cNvPicPr>
-          <p:nvPr/>
-        </p:nvPicPr>
-        <p:blipFill>
-          <a:blip r:embed="rId4">
-            <a:extLst>
-              <a:ext uri="{28A0092B-C50C-407E-A947-70E740481C1C}">
-                <a14:useLocalDpi xmlns:a14="http://schemas.microsoft.com/office/drawing/2010/main" val="0"/>
-              </a:ext>
-            </a:extLst>
-          </a:blip>
-          <a:stretch>
-            <a:fillRect/>
-          </a:stretch>
-        </p:blipFill>
-        <p:spPr>
-          <a:xfrm>
-            <a:off x="7541692" y="4613199"/>
-            <a:ext cx="101600" cy="112889"/>
-          </a:xfrm>
-          <a:prstGeom prst="rect">
-            <a:avLst/>
-          </a:prstGeom>
-        </p:spPr>
-      </p:pic>
-      <p:sp>
-        <p:nvSpPr>
-          <p:cNvPr id="60" name="Rectángulo 59"/>
-          <p:cNvSpPr/>
-          <p:nvPr/>
-        </p:nvSpPr>
-        <p:spPr>
-          <a:xfrm>
-            <a:off x="5507571" y="4613199"/>
-            <a:ext cx="296332" cy="130341"/>
-          </a:xfrm>
-          <a:prstGeom prst="rect">
-            <a:avLst/>
-          </a:prstGeom>
-          <a:gradFill flip="none" rotWithShape="1">
-            <a:gsLst>
-              <a:gs pos="0">
-                <a:srgbClr val="E6E6E6"/>
-              </a:gs>
-              <a:gs pos="100000">
-                <a:srgbClr val="CECECE"/>
-              </a:gs>
-            </a:gsLst>
-            <a:lin ang="5400000" scaled="0"/>
-            <a:tileRect/>
-          </a:gradFill>
-          <a:ln>
-            <a:noFill/>
-          </a:ln>
-          <a:effectLst/>
-        </p:spPr>
-        <p:style>
-          <a:lnRef idx="1">
-            <a:schemeClr val="accent1"/>
-          </a:lnRef>
-          <a:fillRef idx="3">
-            <a:schemeClr val="accent1"/>
-          </a:fillRef>
-          <a:effectRef idx="2">
-            <a:schemeClr val="accent1"/>
-          </a:effectRef>
-          <a:fontRef idx="minor">
-            <a:schemeClr val="lt1"/>
-          </a:fontRef>
-        </p:style>
-        <p:txBody>
-          <a:bodyPr lIns="0" tIns="0" rIns="0" bIns="0" rtlCol="0" anchor="ctr"/>
-          <a:lstStyle/>
-          <a:p>
-            <a:r>
-              <a:rPr lang="es-ES" sz="500" b="1">
-                <a:solidFill>
-                  <a:schemeClr val="tx1"/>
-                </a:solidFill>
-              </a:rPr>
-              <a:t>     Modo:</a:t>
-            </a:r>
-          </a:p>
-        </p:txBody>
-      </p:sp>
-      <p:sp>
-        <p:nvSpPr>
-          <p:cNvPr id="61" name="Rectángulo 60"/>
-          <p:cNvSpPr/>
-          <p:nvPr/>
-        </p:nvSpPr>
-        <p:spPr>
-          <a:xfrm>
-            <a:off x="5850472" y="4613199"/>
-            <a:ext cx="143932" cy="130341"/>
-          </a:xfrm>
-          <a:prstGeom prst="rect">
-            <a:avLst/>
-          </a:prstGeom>
-          <a:gradFill flip="none" rotWithShape="1">
-            <a:gsLst>
-              <a:gs pos="0">
-                <a:srgbClr val="E6E6E6"/>
-              </a:gs>
-              <a:gs pos="100000">
-                <a:srgbClr val="CECECE"/>
-              </a:gs>
-            </a:gsLst>
-            <a:lin ang="5400000" scaled="0"/>
-            <a:tileRect/>
-          </a:gradFill>
-          <a:ln>
-            <a:noFill/>
-          </a:ln>
-          <a:effectLst/>
-        </p:spPr>
-        <p:style>
-          <a:lnRef idx="1">
-            <a:schemeClr val="accent1"/>
-          </a:lnRef>
-          <a:fillRef idx="3">
-            <a:schemeClr val="accent1"/>
-          </a:fillRef>
-          <a:effectRef idx="2">
-            <a:schemeClr val="accent1"/>
-          </a:effectRef>
-          <a:fontRef idx="minor">
-            <a:schemeClr val="lt1"/>
-          </a:fontRef>
-        </p:style>
-        <p:txBody>
-          <a:bodyPr lIns="0" tIns="0" rIns="0" bIns="0" rtlCol="0" anchor="ctr"/>
-          <a:lstStyle/>
-          <a:p>
-            <a:pPr algn="ctr"/>
-            <a:r>
-              <a:rPr lang="es-ES" sz="500" b="1">
-                <a:solidFill>
-                  <a:schemeClr val="tx1"/>
-                </a:solidFill>
-              </a:rPr>
-              <a:t>A</a:t>
-            </a:r>
-          </a:p>
-        </p:txBody>
-      </p:sp>
-      <p:sp>
-        <p:nvSpPr>
-          <p:cNvPr id="62" name="Rectángulo 61"/>
-          <p:cNvSpPr/>
-          <p:nvPr/>
-        </p:nvSpPr>
-        <p:spPr>
-          <a:xfrm>
-            <a:off x="6002872" y="4613199"/>
-            <a:ext cx="143932" cy="130341"/>
-          </a:xfrm>
-          <a:prstGeom prst="rect">
-            <a:avLst/>
-          </a:prstGeom>
-          <a:gradFill flip="none" rotWithShape="1">
-            <a:gsLst>
-              <a:gs pos="0">
-                <a:srgbClr val="E6E6E6"/>
-              </a:gs>
-              <a:gs pos="100000">
-                <a:srgbClr val="CECECE"/>
-              </a:gs>
-            </a:gsLst>
-            <a:lin ang="5400000" scaled="0"/>
-            <a:tileRect/>
-          </a:gradFill>
-          <a:ln>
-            <a:noFill/>
-          </a:ln>
-          <a:effectLst/>
-        </p:spPr>
-        <p:style>
-          <a:lnRef idx="1">
-            <a:schemeClr val="accent1"/>
-          </a:lnRef>
-          <a:fillRef idx="3">
-            <a:schemeClr val="accent1"/>
-          </a:fillRef>
-          <a:effectRef idx="2">
-            <a:schemeClr val="accent1"/>
-          </a:effectRef>
-          <a:fontRef idx="minor">
-            <a:schemeClr val="lt1"/>
-          </a:fontRef>
-        </p:style>
-        <p:txBody>
-          <a:bodyPr lIns="0" tIns="0" rIns="0" bIns="0" rtlCol="0" anchor="ctr"/>
-          <a:lstStyle/>
-          <a:p>
-            <a:pPr algn="ctr"/>
-            <a:r>
-              <a:rPr lang="es-ES" sz="500" b="1">
-                <a:solidFill>
-                  <a:schemeClr val="tx1"/>
-                </a:solidFill>
-              </a:rPr>
-              <a:t>B</a:t>
-            </a:r>
-          </a:p>
-        </p:txBody>
-      </p:sp>
-      <p:sp>
-        <p:nvSpPr>
-          <p:cNvPr id="63" name="Rectángulo 62"/>
-          <p:cNvSpPr/>
-          <p:nvPr/>
-        </p:nvSpPr>
-        <p:spPr>
-          <a:xfrm>
-            <a:off x="6153155" y="4613109"/>
-            <a:ext cx="143932" cy="130341"/>
-          </a:xfrm>
-          <a:prstGeom prst="rect">
-            <a:avLst/>
-          </a:prstGeom>
-          <a:gradFill flip="none" rotWithShape="1">
-            <a:gsLst>
-              <a:gs pos="0">
-                <a:srgbClr val="E6E6E6"/>
-              </a:gs>
-              <a:gs pos="100000">
-                <a:srgbClr val="CECECE"/>
-              </a:gs>
-            </a:gsLst>
-            <a:lin ang="5400000" scaled="0"/>
-            <a:tileRect/>
-          </a:gradFill>
-          <a:ln>
-            <a:noFill/>
-          </a:ln>
-          <a:effectLst/>
-        </p:spPr>
-        <p:style>
-          <a:lnRef idx="1">
-            <a:schemeClr val="accent1"/>
-          </a:lnRef>
-          <a:fillRef idx="3">
-            <a:schemeClr val="accent1"/>
-          </a:fillRef>
-          <a:effectRef idx="2">
-            <a:schemeClr val="accent1"/>
-          </a:effectRef>
-          <a:fontRef idx="minor">
-            <a:schemeClr val="lt1"/>
-          </a:fontRef>
-        </p:style>
-        <p:txBody>
-          <a:bodyPr lIns="0" tIns="0" rIns="0" bIns="0" rtlCol="0" anchor="ctr"/>
-          <a:lstStyle/>
-          <a:p>
-            <a:pPr algn="ctr"/>
-            <a:r>
-              <a:rPr lang="es-ES" sz="500" b="1">
-                <a:solidFill>
-                  <a:schemeClr val="tx1"/>
-                </a:solidFill>
-              </a:rPr>
-              <a:t>C</a:t>
-            </a:r>
-          </a:p>
-        </p:txBody>
-      </p:sp>
-      <p:sp>
-        <p:nvSpPr>
-          <p:cNvPr id="64" name="Rectángulo 63"/>
-          <p:cNvSpPr/>
-          <p:nvPr/>
-        </p:nvSpPr>
-        <p:spPr>
-          <a:xfrm>
-            <a:off x="6305555" y="4613109"/>
-            <a:ext cx="143932" cy="130341"/>
-          </a:xfrm>
-          <a:prstGeom prst="rect">
-            <a:avLst/>
-          </a:prstGeom>
-          <a:gradFill flip="none" rotWithShape="1">
-            <a:gsLst>
-              <a:gs pos="0">
-                <a:srgbClr val="E6E6E6"/>
-              </a:gs>
-              <a:gs pos="100000">
-                <a:srgbClr val="CECECE"/>
-              </a:gs>
-            </a:gsLst>
-            <a:lin ang="5400000" scaled="0"/>
-            <a:tileRect/>
-          </a:gradFill>
-          <a:ln>
-            <a:noFill/>
-          </a:ln>
-          <a:effectLst/>
-        </p:spPr>
-        <p:style>
-          <a:lnRef idx="1">
-            <a:schemeClr val="accent1"/>
-          </a:lnRef>
-          <a:fillRef idx="3">
-            <a:schemeClr val="accent1"/>
-          </a:fillRef>
-          <a:effectRef idx="2">
-            <a:schemeClr val="accent1"/>
-          </a:effectRef>
-          <a:fontRef idx="minor">
-            <a:schemeClr val="lt1"/>
-          </a:fontRef>
-        </p:style>
-        <p:txBody>
-          <a:bodyPr lIns="0" tIns="0" rIns="0" bIns="0" rtlCol="0" anchor="ctr"/>
-          <a:lstStyle/>
-          <a:p>
-            <a:pPr algn="ctr"/>
-            <a:r>
-              <a:rPr lang="es-ES" sz="500" b="1">
-                <a:solidFill>
-                  <a:srgbClr val="953735"/>
-                </a:solidFill>
-              </a:rPr>
-              <a:t>D</a:t>
-            </a:r>
-          </a:p>
-        </p:txBody>
-      </p:sp>
-      <p:sp>
-        <p:nvSpPr>
-          <p:cNvPr id="65" name="Rectángulo 64"/>
-          <p:cNvSpPr/>
-          <p:nvPr/>
-        </p:nvSpPr>
-        <p:spPr>
-          <a:xfrm>
-            <a:off x="6455837" y="4613109"/>
-            <a:ext cx="143932" cy="130341"/>
-          </a:xfrm>
-          <a:prstGeom prst="rect">
-            <a:avLst/>
-          </a:prstGeom>
-          <a:gradFill flip="none" rotWithShape="1">
-            <a:gsLst>
-              <a:gs pos="0">
-                <a:srgbClr val="E6E6E6"/>
-              </a:gs>
-              <a:gs pos="100000">
-                <a:srgbClr val="CECECE"/>
-              </a:gs>
-            </a:gsLst>
-            <a:lin ang="5400000" scaled="0"/>
-            <a:tileRect/>
-          </a:gradFill>
-          <a:ln>
-            <a:noFill/>
-          </a:ln>
-          <a:effectLst/>
-        </p:spPr>
-        <p:style>
-          <a:lnRef idx="1">
-            <a:schemeClr val="accent1"/>
-          </a:lnRef>
-          <a:fillRef idx="3">
-            <a:schemeClr val="accent1"/>
-          </a:fillRef>
-          <a:effectRef idx="2">
-            <a:schemeClr val="accent1"/>
-          </a:effectRef>
-          <a:fontRef idx="minor">
-            <a:schemeClr val="lt1"/>
-          </a:fontRef>
-        </p:style>
-        <p:txBody>
-          <a:bodyPr lIns="0" tIns="0" rIns="0" bIns="0" rtlCol="0" anchor="ctr"/>
-          <a:lstStyle/>
-          <a:p>
-            <a:pPr algn="ctr"/>
-            <a:r>
-              <a:rPr lang="es-ES" sz="500" b="1">
-                <a:solidFill>
-                  <a:schemeClr val="tx1"/>
-                </a:solidFill>
-              </a:rPr>
-              <a:t>E</a:t>
-            </a:r>
-          </a:p>
-        </p:txBody>
-      </p:sp>
-      <p:pic>
-        <p:nvPicPr>
-          <p:cNvPr id="66" name="Imagen 65" descr="Captura de pantalla 2015-06-25 a las 0.44.51.png"/>
-          <p:cNvPicPr>
-            <a:picLocks noChangeAspect="1"/>
-          </p:cNvPicPr>
-          <p:nvPr/>
-        </p:nvPicPr>
-        <p:blipFill>
-          <a:blip r:embed="rId5">
-            <a:extLst>
-              <a:ext uri="{28A0092B-C50C-407E-A947-70E740481C1C}">
-                <a14:useLocalDpi xmlns:a14="http://schemas.microsoft.com/office/drawing/2010/main" val="0"/>
-              </a:ext>
-            </a:extLst>
-          </a:blip>
-          <a:stretch>
-            <a:fillRect/>
-          </a:stretch>
-        </p:blipFill>
-        <p:spPr>
-          <a:xfrm>
-            <a:off x="5524503" y="3312746"/>
-            <a:ext cx="1428747" cy="1299449"/>
-          </a:xfrm>
-          <a:prstGeom prst="rect">
-            <a:avLst/>
-          </a:prstGeom>
-        </p:spPr>
-      </p:pic>
-      <p:pic>
-        <p:nvPicPr>
-          <p:cNvPr id="67" name="Imagen 66" descr="Captura de pantalla 2015-06-25 a las 0.44.51.png"/>
-          <p:cNvPicPr>
-            <a:picLocks noChangeAspect="1"/>
-          </p:cNvPicPr>
-          <p:nvPr/>
-        </p:nvPicPr>
-        <p:blipFill>
-          <a:blip r:embed="rId5">
-            <a:extLst>
-              <a:ext uri="{28A0092B-C50C-407E-A947-70E740481C1C}">
-                <a14:useLocalDpi xmlns:a14="http://schemas.microsoft.com/office/drawing/2010/main" val="0"/>
-              </a:ext>
-            </a:extLst>
-          </a:blip>
-          <a:stretch>
-            <a:fillRect/>
-          </a:stretch>
-        </p:blipFill>
-        <p:spPr>
-          <a:xfrm>
-            <a:off x="6238876" y="3313750"/>
-            <a:ext cx="1428747" cy="1299449"/>
-          </a:xfrm>
-          <a:prstGeom prst="rect">
-            <a:avLst/>
-          </a:prstGeom>
-        </p:spPr>
-      </p:pic>
-      <p:pic>
-        <p:nvPicPr>
-          <p:cNvPr id="68" name="Imagen 67" descr="Captura de pantalla 2015-06-25 a las 0.47.22.png"/>
-          <p:cNvPicPr>
-            <a:picLocks noChangeAspect="1"/>
-          </p:cNvPicPr>
-          <p:nvPr/>
-        </p:nvPicPr>
-        <p:blipFill>
-          <a:blip r:embed="rId6">
-            <a:extLst>
-              <a:ext uri="{28A0092B-C50C-407E-A947-70E740481C1C}">
-                <a14:useLocalDpi xmlns:a14="http://schemas.microsoft.com/office/drawing/2010/main" val="0"/>
-              </a:ext>
-            </a:extLst>
-          </a:blip>
-          <a:stretch>
-            <a:fillRect/>
-          </a:stretch>
-        </p:blipFill>
-        <p:spPr>
-          <a:xfrm>
-            <a:off x="6733121" y="3501562"/>
-            <a:ext cx="778931" cy="810088"/>
-          </a:xfrm>
-          <a:prstGeom prst="rect">
-            <a:avLst/>
-          </a:prstGeom>
-        </p:spPr>
-      </p:pic>
-      <p:sp>
-        <p:nvSpPr>
-          <p:cNvPr id="69" name="Llamada con línea 1 68"/>
-          <p:cNvSpPr/>
-          <p:nvPr/>
-        </p:nvSpPr>
-        <p:spPr>
-          <a:xfrm>
-            <a:off x="5191604" y="1567038"/>
-            <a:ext cx="1116067" cy="1049214"/>
-          </a:xfrm>
-          <a:prstGeom prst="borderCallout1">
-            <a:avLst>
-              <a:gd name="adj1" fmla="val 201808"/>
-              <a:gd name="adj2" fmla="val 163066"/>
-              <a:gd name="adj3" fmla="val 99287"/>
-              <a:gd name="adj4" fmla="val 48963"/>
-            </a:avLst>
-          </a:prstGeom>
-        </p:spPr>
-        <p:style>
-          <a:lnRef idx="1">
-            <a:schemeClr val="accent1"/>
-          </a:lnRef>
-          <a:fillRef idx="3">
-            <a:schemeClr val="accent1"/>
-          </a:fillRef>
-          <a:effectRef idx="2">
-            <a:schemeClr val="accent1"/>
-          </a:effectRef>
-          <a:fontRef idx="minor">
-            <a:schemeClr val="lt1"/>
-          </a:fontRef>
-        </p:style>
-        <p:txBody>
-          <a:bodyPr rtlCol="0" anchor="ctr"/>
-          <a:lstStyle/>
-          <a:p>
-            <a:pPr algn="ctr"/>
-            <a:r>
-              <a:rPr lang="es-ES" sz="800"/>
-              <a:t>Opci</a:t>
-            </a:r>
-            <a:r>
-              <a:rPr lang="es-ES" sz="800"/>
-              <a:t>ón lupa: El ratón se convierte en una lupa para ver los bichos con más detalle</a:t>
-            </a:r>
-            <a:endParaRPr lang="es-ES" sz="800"/>
-          </a:p>
-        </p:txBody>
-      </p:sp>
-      <p:pic>
-        <p:nvPicPr>
-          <p:cNvPr id="70" name="Imagen 69" descr="Captura de pantalla 2015-06-25 a las 0.54.10.png"/>
-          <p:cNvPicPr>
-            <a:picLocks noChangeAspect="1"/>
-          </p:cNvPicPr>
-          <p:nvPr/>
-        </p:nvPicPr>
-        <p:blipFill>
-          <a:blip r:embed="rId7">
-            <a:extLst>
-              <a:ext uri="{28A0092B-C50C-407E-A947-70E740481C1C}">
-                <a14:useLocalDpi xmlns:a14="http://schemas.microsoft.com/office/drawing/2010/main" val="0"/>
-              </a:ext>
-            </a:extLst>
-          </a:blip>
-          <a:stretch>
-            <a:fillRect/>
-          </a:stretch>
-        </p:blipFill>
-        <p:spPr>
-          <a:xfrm>
-            <a:off x="2629083" y="3598900"/>
-            <a:ext cx="1336405" cy="1425499"/>
-          </a:xfrm>
-          <a:prstGeom prst="rect">
-            <a:avLst/>
-          </a:prstGeom>
-        </p:spPr>
-      </p:pic>
-      <p:pic>
-        <p:nvPicPr>
-          <p:cNvPr id="71" name="Imagen 70" descr="Captura de pantalla 2015-06-25 a las 0.54.24.png"/>
-          <p:cNvPicPr>
-            <a:picLocks noChangeAspect="1"/>
-          </p:cNvPicPr>
-          <p:nvPr/>
-        </p:nvPicPr>
-        <p:blipFill>
-          <a:blip r:embed="rId8">
-            <a:extLst>
-              <a:ext uri="{28A0092B-C50C-407E-A947-70E740481C1C}">
-                <a14:useLocalDpi xmlns:a14="http://schemas.microsoft.com/office/drawing/2010/main" val="0"/>
-              </a:ext>
-            </a:extLst>
-          </a:blip>
-          <a:stretch>
-            <a:fillRect/>
-          </a:stretch>
-        </p:blipFill>
-        <p:spPr>
-          <a:xfrm>
-            <a:off x="1593850" y="1578142"/>
-            <a:ext cx="2179432" cy="1285708"/>
-          </a:xfrm>
-          <a:prstGeom prst="rect">
-            <a:avLst/>
-          </a:prstGeom>
-        </p:spPr>
-      </p:pic>
-      <p:sp>
-        <p:nvSpPr>
-          <p:cNvPr id="73" name="Rectángulo 72"/>
-          <p:cNvSpPr/>
-          <p:nvPr/>
-        </p:nvSpPr>
-        <p:spPr>
-          <a:xfrm>
-            <a:off x="3018373" y="3598900"/>
-            <a:ext cx="448732" cy="103270"/>
-          </a:xfrm>
-          <a:prstGeom prst="rect">
-            <a:avLst/>
-          </a:prstGeom>
-          <a:gradFill flip="none" rotWithShape="1">
-            <a:gsLst>
-              <a:gs pos="0">
-                <a:srgbClr val="E6E6E6"/>
-              </a:gs>
-              <a:gs pos="100000">
-                <a:srgbClr val="CECECE"/>
-              </a:gs>
-            </a:gsLst>
-            <a:lin ang="5400000" scaled="0"/>
-            <a:tileRect/>
-          </a:gradFill>
-          <a:ln>
-            <a:noFill/>
-          </a:ln>
-          <a:effectLst/>
-        </p:spPr>
-        <p:style>
-          <a:lnRef idx="1">
-            <a:schemeClr val="accent1"/>
-          </a:lnRef>
-          <a:fillRef idx="3">
-            <a:schemeClr val="accent1"/>
-          </a:fillRef>
-          <a:effectRef idx="2">
-            <a:schemeClr val="accent1"/>
-          </a:effectRef>
-          <a:fontRef idx="minor">
-            <a:schemeClr val="lt1"/>
-          </a:fontRef>
-        </p:style>
-        <p:txBody>
-          <a:bodyPr lIns="0" tIns="0" rIns="0" bIns="0" rtlCol="0" anchor="ctr"/>
-          <a:lstStyle/>
-          <a:p>
-            <a:pPr algn="ctr"/>
-            <a:r>
-              <a:rPr lang="es-ES" sz="500" b="1">
-                <a:solidFill>
-                  <a:schemeClr val="tx1"/>
-                </a:solidFill>
-              </a:rPr>
-              <a:t>Mapa:</a:t>
-            </a:r>
-          </a:p>
-        </p:txBody>
-      </p:sp>
-      <p:sp>
-        <p:nvSpPr>
-          <p:cNvPr id="74" name="Rectángulo 73"/>
-          <p:cNvSpPr/>
-          <p:nvPr/>
-        </p:nvSpPr>
-        <p:spPr>
-          <a:xfrm>
-            <a:off x="3467105" y="3598900"/>
-            <a:ext cx="313267" cy="96920"/>
-          </a:xfrm>
-          <a:prstGeom prst="rect">
-            <a:avLst/>
-          </a:prstGeom>
-          <a:gradFill flip="none" rotWithShape="1">
-            <a:gsLst>
-              <a:gs pos="0">
-                <a:srgbClr val="E6E6E6"/>
-              </a:gs>
-              <a:gs pos="100000">
-                <a:srgbClr val="CECECE"/>
-              </a:gs>
-            </a:gsLst>
-            <a:lin ang="5400000" scaled="0"/>
-            <a:tileRect/>
-          </a:gradFill>
-          <a:ln>
-            <a:noFill/>
-          </a:ln>
-          <a:effectLst/>
-        </p:spPr>
-        <p:style>
-          <a:lnRef idx="1">
-            <a:schemeClr val="accent1"/>
-          </a:lnRef>
-          <a:fillRef idx="3">
-            <a:schemeClr val="accent1"/>
-          </a:fillRef>
-          <a:effectRef idx="2">
-            <a:schemeClr val="accent1"/>
-          </a:effectRef>
-          <a:fontRef idx="minor">
-            <a:schemeClr val="lt1"/>
-          </a:fontRef>
-        </p:style>
-        <p:txBody>
-          <a:bodyPr lIns="0" tIns="0" rIns="0" bIns="0" rtlCol="0" anchor="ctr"/>
-          <a:lstStyle/>
-          <a:p>
-            <a:r>
-              <a:rPr lang="es-ES" sz="500" b="1">
-                <a:solidFill>
-                  <a:schemeClr val="tx1"/>
-                </a:solidFill>
-              </a:rPr>
-              <a:t>      </a:t>
-            </a:r>
-            <a:r>
-              <a:rPr lang="es-ES" sz="500" b="1">
-                <a:solidFill>
-                  <a:srgbClr val="953735"/>
-                </a:solidFill>
-              </a:rPr>
-              <a:t>5</a:t>
-            </a:r>
-          </a:p>
-        </p:txBody>
-      </p:sp>
-      <p:pic>
-        <p:nvPicPr>
-          <p:cNvPr id="75" name="Imagen 74" descr="Captura de pantalla 2015-06-25 a las 0.29.07.png"/>
-          <p:cNvPicPr>
-            <a:picLocks noChangeAspect="1"/>
-          </p:cNvPicPr>
-          <p:nvPr/>
-        </p:nvPicPr>
-        <p:blipFill>
-          <a:blip r:embed="rId4">
-            <a:extLst>
-              <a:ext uri="{28A0092B-C50C-407E-A947-70E740481C1C}">
-                <a14:useLocalDpi xmlns:a14="http://schemas.microsoft.com/office/drawing/2010/main" val="0"/>
-              </a:ext>
-            </a:extLst>
-          </a:blip>
-          <a:stretch>
-            <a:fillRect/>
-          </a:stretch>
-        </p:blipFill>
-        <p:spPr>
-          <a:xfrm>
-            <a:off x="3678772" y="3596998"/>
-            <a:ext cx="84662" cy="94069"/>
-          </a:xfrm>
-          <a:prstGeom prst="rect">
-            <a:avLst/>
-          </a:prstGeom>
-        </p:spPr>
-      </p:pic>
-      <p:sp>
-        <p:nvSpPr>
-          <p:cNvPr id="76" name="Llamada con línea 1 75"/>
-          <p:cNvSpPr/>
-          <p:nvPr/>
-        </p:nvSpPr>
-        <p:spPr>
-          <a:xfrm>
-            <a:off x="4112874" y="2892684"/>
-            <a:ext cx="1078730" cy="930665"/>
-          </a:xfrm>
-          <a:prstGeom prst="borderCallout1">
-            <a:avLst>
-              <a:gd name="adj1" fmla="val 78132"/>
-              <a:gd name="adj2" fmla="val -34882"/>
-              <a:gd name="adj3" fmla="val 50161"/>
-              <a:gd name="adj4" fmla="val -778"/>
-            </a:avLst>
-          </a:prstGeom>
-        </p:spPr>
-        <p:style>
-          <a:lnRef idx="1">
-            <a:schemeClr val="accent1"/>
-          </a:lnRef>
-          <a:fillRef idx="3">
-            <a:schemeClr val="accent1"/>
-          </a:fillRef>
-          <a:effectRef idx="2">
-            <a:schemeClr val="accent1"/>
-          </a:effectRef>
-          <a:fontRef idx="minor">
-            <a:schemeClr val="lt1"/>
-          </a:fontRef>
-        </p:style>
-        <p:txBody>
-          <a:bodyPr rtlCol="0" anchor="ctr"/>
-          <a:lstStyle/>
-          <a:p>
-            <a:pPr algn="ctr"/>
-            <a:r>
-              <a:rPr lang="es-ES" sz="600"/>
-              <a:t>Otra posible ventana m</a:t>
-            </a:r>
-            <a:r>
-              <a:rPr lang="es-ES" sz="600"/>
-              <a:t>ás sencilla. El resto de botones están ocultos y aparecen cuando pinchamos en el desplegable</a:t>
-            </a:r>
-            <a:endParaRPr lang="es-ES" sz="600"/>
-          </a:p>
-        </p:txBody>
-      </p:sp>
-      <p:sp>
-        <p:nvSpPr>
-          <p:cNvPr id="77" name="Llamada con línea 1 76"/>
-          <p:cNvSpPr/>
-          <p:nvPr/>
-        </p:nvSpPr>
-        <p:spPr>
-          <a:xfrm>
-            <a:off x="3973751" y="1567038"/>
-            <a:ext cx="1078730" cy="1049213"/>
-          </a:xfrm>
-          <a:prstGeom prst="borderCallout1">
-            <a:avLst>
-              <a:gd name="adj1" fmla="val 79153"/>
-              <a:gd name="adj2" fmla="val -81386"/>
-              <a:gd name="adj3" fmla="val 53041"/>
-              <a:gd name="adj4" fmla="val -1661"/>
-            </a:avLst>
-          </a:prstGeom>
-        </p:spPr>
-        <p:style>
-          <a:lnRef idx="1">
-            <a:schemeClr val="accent1"/>
-          </a:lnRef>
-          <a:fillRef idx="3">
-            <a:schemeClr val="accent1"/>
-          </a:fillRef>
-          <a:effectRef idx="2">
-            <a:schemeClr val="accent1"/>
-          </a:effectRef>
-          <a:fontRef idx="minor">
-            <a:schemeClr val="lt1"/>
-          </a:fontRef>
-        </p:style>
-        <p:txBody>
-          <a:bodyPr rtlCol="0" anchor="ctr"/>
-          <a:lstStyle/>
-          <a:p>
-            <a:pPr algn="ctr"/>
-            <a:r>
-              <a:rPr lang="es-ES" sz="800"/>
-              <a:t>S</a:t>
-            </a:r>
-            <a:r>
-              <a:rPr lang="es-ES" sz="800"/>
-              <a:t>ólo estaríamos viendo una región del biotopo. Pero podemos desplazar la vista con el ratón, igual que en Googlemaps</a:t>
-            </a:r>
-            <a:endParaRPr lang="es-ES" sz="800"/>
-          </a:p>
-        </p:txBody>
-      </p:sp>
-      <p:pic>
-        <p:nvPicPr>
-          <p:cNvPr id="79" name="Imagen 78" descr="Captura de pantalla 2015-06-25 a las 8.57.16.png"/>
-          <p:cNvPicPr>
-            <a:picLocks noChangeAspect="1"/>
-          </p:cNvPicPr>
-          <p:nvPr/>
-        </p:nvPicPr>
-        <p:blipFill>
-          <a:blip r:embed="rId9">
-            <a:extLst>
-              <a:ext uri="{28A0092B-C50C-407E-A947-70E740481C1C}">
-                <a14:useLocalDpi xmlns:a14="http://schemas.microsoft.com/office/drawing/2010/main" val="0"/>
-              </a:ext>
-            </a:extLst>
-          </a:blip>
-          <a:stretch>
-            <a:fillRect/>
-          </a:stretch>
-        </p:blipFill>
-        <p:spPr>
-          <a:xfrm>
-            <a:off x="2230390" y="5418774"/>
-            <a:ext cx="2832678" cy="173674"/>
-          </a:xfrm>
-          <a:prstGeom prst="rect">
-            <a:avLst/>
-          </a:prstGeom>
-        </p:spPr>
-      </p:pic>
-      <p:pic>
-        <p:nvPicPr>
-          <p:cNvPr id="80" name="Imagen 79" descr="Captura de pantalla 2015-06-25 a las 8.59.42.png"/>
-          <p:cNvPicPr>
-            <a:picLocks noChangeAspect="1"/>
-          </p:cNvPicPr>
-          <p:nvPr/>
-        </p:nvPicPr>
-        <p:blipFill>
-          <a:blip r:embed="rId10">
-            <a:extLst>
-              <a:ext uri="{28A0092B-C50C-407E-A947-70E740481C1C}">
-                <a14:useLocalDpi xmlns:a14="http://schemas.microsoft.com/office/drawing/2010/main" val="0"/>
-              </a:ext>
-            </a:extLst>
-          </a:blip>
-          <a:stretch>
-            <a:fillRect/>
-          </a:stretch>
-        </p:blipFill>
-        <p:spPr>
-          <a:xfrm>
-            <a:off x="5050465" y="5418800"/>
-            <a:ext cx="1902786" cy="173648"/>
-          </a:xfrm>
-          <a:prstGeom prst="rect">
-            <a:avLst/>
-          </a:prstGeom>
-        </p:spPr>
-      </p:pic>
-      <p:sp>
-        <p:nvSpPr>
-          <p:cNvPr id="81" name="CuadroTexto 80"/>
-          <p:cNvSpPr txBox="1"/>
-          <p:nvPr/>
-        </p:nvSpPr>
-        <p:spPr>
-          <a:xfrm>
-            <a:off x="4660908" y="5387050"/>
-            <a:ext cx="808563" cy="215444"/>
-          </a:xfrm>
-          <a:prstGeom prst="rect">
-            <a:avLst/>
-          </a:prstGeom>
-          <a:noFill/>
-        </p:spPr>
-        <p:txBody>
-          <a:bodyPr wrap="square" rtlCol="0">
-            <a:spAutoFit/>
-          </a:bodyPr>
-          <a:lstStyle/>
-          <a:p>
-            <a:r>
-              <a:rPr lang="es-ES" sz="600">
-                <a:solidFill>
-                  <a:schemeClr val="bg1">
-                    <a:lumMod val="50000"/>
-                  </a:schemeClr>
-                </a:solidFill>
-              </a:rPr>
-              <a:t>Cycles:       </a:t>
-            </a:r>
-            <a:r>
-              <a:rPr lang="es-ES" sz="800">
-                <a:solidFill>
-                  <a:srgbClr val="15A221"/>
-                </a:solidFill>
-                <a:latin typeface="Arial Hebrew Scholar"/>
-                <a:cs typeface="Arial Hebrew Scholar"/>
-              </a:rPr>
-              <a:t>20354</a:t>
-            </a:r>
-          </a:p>
-        </p:txBody>
-      </p:sp>
-      <p:sp>
-        <p:nvSpPr>
-          <p:cNvPr id="82" name="Rectángulo 81"/>
-          <p:cNvSpPr/>
-          <p:nvPr/>
-        </p:nvSpPr>
-        <p:spPr>
-          <a:xfrm>
-            <a:off x="4733925" y="5425150"/>
-            <a:ext cx="612775" cy="155575"/>
-          </a:xfrm>
-          <a:prstGeom prst="rect">
-            <a:avLst/>
-          </a:prstGeom>
-          <a:noFill/>
-          <a:ln>
-            <a:solidFill>
-              <a:schemeClr val="bg2">
-                <a:lumMod val="50000"/>
-              </a:schemeClr>
-            </a:solidFill>
-          </a:ln>
-          <a:effectLst/>
-        </p:spPr>
-        <p:style>
-          <a:lnRef idx="1">
-            <a:schemeClr val="accent1"/>
-          </a:lnRef>
-          <a:fillRef idx="3">
-            <a:schemeClr val="accent1"/>
-          </a:fillRef>
-          <a:effectRef idx="2">
-            <a:schemeClr val="accent1"/>
-          </a:effectRef>
-          <a:fontRef idx="minor">
-            <a:schemeClr val="lt1"/>
-          </a:fontRef>
-        </p:style>
-        <p:txBody>
-          <a:bodyPr rtlCol="0" anchor="ctr"/>
-          <a:lstStyle/>
-          <a:p>
-            <a:pPr algn="ctr"/>
-            <a:endParaRPr lang="es-ES"/>
-          </a:p>
-        </p:txBody>
-      </p:sp>
-      <p:pic>
-        <p:nvPicPr>
-          <p:cNvPr id="83" name="Imagen 82" descr="simple-player-buttons.png"/>
-          <p:cNvPicPr>
-            <a:picLocks noChangeAspect="1"/>
-          </p:cNvPicPr>
-          <p:nvPr/>
-        </p:nvPicPr>
-        <p:blipFill>
-          <a:blip r:embed="rId11">
-            <a:extLst>
-              <a:ext uri="{28A0092B-C50C-407E-A947-70E740481C1C}">
-                <a14:useLocalDpi xmlns:a14="http://schemas.microsoft.com/office/drawing/2010/main" val="0"/>
-              </a:ext>
-            </a:extLst>
-          </a:blip>
-          <a:stretch>
-            <a:fillRect/>
-          </a:stretch>
-        </p:blipFill>
-        <p:spPr>
-          <a:xfrm>
-            <a:off x="5421316" y="5440999"/>
-            <a:ext cx="1493834" cy="135311"/>
-          </a:xfrm>
-          <a:prstGeom prst="rect">
-            <a:avLst/>
-          </a:prstGeom>
-        </p:spPr>
-      </p:pic>
-      <p:sp>
-        <p:nvSpPr>
-          <p:cNvPr id="85" name="Llamada con línea 1 84"/>
-          <p:cNvSpPr/>
-          <p:nvPr/>
-        </p:nvSpPr>
-        <p:spPr>
-          <a:xfrm>
-            <a:off x="4343401" y="4883150"/>
-            <a:ext cx="848203" cy="279400"/>
-          </a:xfrm>
-          <a:prstGeom prst="borderCallout1">
-            <a:avLst>
-              <a:gd name="adj1" fmla="val 104095"/>
-              <a:gd name="adj2" fmla="val 75985"/>
-              <a:gd name="adj3" fmla="val 207054"/>
-              <a:gd name="adj4" fmla="val 132837"/>
-            </a:avLst>
-          </a:prstGeom>
-        </p:spPr>
-        <p:style>
-          <a:lnRef idx="1">
-            <a:schemeClr val="accent1"/>
-          </a:lnRef>
-          <a:fillRef idx="3">
-            <a:schemeClr val="accent1"/>
-          </a:fillRef>
-          <a:effectRef idx="2">
-            <a:schemeClr val="accent1"/>
-          </a:effectRef>
-          <a:fontRef idx="minor">
-            <a:schemeClr val="lt1"/>
-          </a:fontRef>
-        </p:style>
-        <p:txBody>
-          <a:bodyPr rtlCol="0" anchor="ctr"/>
-          <a:lstStyle/>
-          <a:p>
-            <a:pPr algn="ctr"/>
-            <a:r>
-              <a:rPr lang="es-ES" sz="600"/>
-              <a:t>Bot</a:t>
-            </a:r>
-            <a:r>
-              <a:rPr lang="es-ES" sz="600"/>
-              <a:t>ón para revertir la dirección del tiempo</a:t>
-            </a:r>
-            <a:endParaRPr lang="es-ES" sz="600"/>
-          </a:p>
-        </p:txBody>
-      </p:sp>
-      <p:sp>
-        <p:nvSpPr>
-          <p:cNvPr id="86" name="Llamada con línea 1 85"/>
-          <p:cNvSpPr/>
-          <p:nvPr/>
-        </p:nvSpPr>
-        <p:spPr>
-          <a:xfrm>
-            <a:off x="5338771" y="4883150"/>
-            <a:ext cx="1665284" cy="279400"/>
-          </a:xfrm>
-          <a:prstGeom prst="borderCallout1">
-            <a:avLst>
-              <a:gd name="adj1" fmla="val 104095"/>
-              <a:gd name="adj2" fmla="val 75985"/>
-              <a:gd name="adj3" fmla="val 212736"/>
-              <a:gd name="adj4" fmla="val 89558"/>
-            </a:avLst>
-          </a:prstGeom>
-        </p:spPr>
-        <p:style>
-          <a:lnRef idx="1">
-            <a:schemeClr val="accent1"/>
-          </a:lnRef>
-          <a:fillRef idx="3">
-            <a:schemeClr val="accent1"/>
-          </a:fillRef>
-          <a:effectRef idx="2">
-            <a:schemeClr val="accent1"/>
-          </a:effectRef>
-          <a:fontRef idx="minor">
-            <a:schemeClr val="lt1"/>
-          </a:fontRef>
-        </p:style>
-        <p:txBody>
-          <a:bodyPr rtlCol="0" anchor="ctr"/>
-          <a:lstStyle/>
-          <a:p>
-            <a:pPr algn="ctr"/>
-            <a:r>
-              <a:rPr lang="es-ES" sz="600"/>
-              <a:t>En este bot</a:t>
-            </a:r>
-            <a:r>
-              <a:rPr lang="es-ES" sz="600"/>
-              <a:t>ón se despliegan opciones, como la velocidad a la que se muestra la evolución del ecosistema (ciclos por segundo)</a:t>
-            </a:r>
-            <a:endParaRPr lang="es-ES" sz="600"/>
-          </a:p>
-        </p:txBody>
-      </p:sp>
-      <p:sp>
-        <p:nvSpPr>
-          <p:cNvPr id="87" name="Llamada con línea 1 86"/>
-          <p:cNvSpPr/>
-          <p:nvPr/>
-        </p:nvSpPr>
-        <p:spPr>
-          <a:xfrm>
-            <a:off x="1655234" y="3299178"/>
-            <a:ext cx="736600" cy="1050572"/>
-          </a:xfrm>
-          <a:prstGeom prst="borderCallout1">
-            <a:avLst>
-              <a:gd name="adj1" fmla="val -3268"/>
-              <a:gd name="adj2" fmla="val 36495"/>
-              <a:gd name="adj3" fmla="val -34151"/>
-              <a:gd name="adj4" fmla="val 83219"/>
-            </a:avLst>
-          </a:prstGeom>
-        </p:spPr>
-        <p:style>
-          <a:lnRef idx="1">
-            <a:schemeClr val="accent1"/>
-          </a:lnRef>
-          <a:fillRef idx="3">
-            <a:schemeClr val="accent1"/>
-          </a:fillRef>
-          <a:effectRef idx="2">
-            <a:schemeClr val="accent1"/>
-          </a:effectRef>
-          <a:fontRef idx="minor">
-            <a:schemeClr val="lt1"/>
-          </a:fontRef>
-        </p:style>
-        <p:txBody>
-          <a:bodyPr rtlCol="0" anchor="ctr"/>
-          <a:lstStyle/>
-          <a:p>
-            <a:pPr algn="ctr"/>
-            <a:r>
-              <a:rPr lang="es-ES" sz="600"/>
-              <a:t>Botones configurables: En cada uno guardamos una configuraci</a:t>
-            </a:r>
-            <a:r>
-              <a:rPr lang="es-ES" sz="600"/>
-              <a:t>ón de visualización diferente (diferentes colores para cada característica, por ejemplo)</a:t>
-            </a:r>
-            <a:endParaRPr lang="es-ES" sz="600"/>
-          </a:p>
-        </p:txBody>
-      </p:sp>
-      <p:sp>
-        <p:nvSpPr>
-          <p:cNvPr id="88" name="Llamada con línea 1 87"/>
-          <p:cNvSpPr/>
-          <p:nvPr/>
-        </p:nvSpPr>
-        <p:spPr>
-          <a:xfrm>
-            <a:off x="1536700" y="4597400"/>
-            <a:ext cx="915357" cy="622300"/>
-          </a:xfrm>
-          <a:prstGeom prst="borderCallout1">
-            <a:avLst>
-              <a:gd name="adj1" fmla="val 104095"/>
-              <a:gd name="adj2" fmla="val 75985"/>
-              <a:gd name="adj3" fmla="val 143206"/>
-              <a:gd name="adj4" fmla="val 129768"/>
-            </a:avLst>
-          </a:prstGeom>
-        </p:spPr>
-        <p:style>
-          <a:lnRef idx="1">
-            <a:schemeClr val="accent1"/>
-          </a:lnRef>
-          <a:fillRef idx="3">
-            <a:schemeClr val="accent1"/>
-          </a:fillRef>
-          <a:effectRef idx="2">
-            <a:schemeClr val="accent1"/>
-          </a:effectRef>
-          <a:fontRef idx="minor">
-            <a:schemeClr val="lt1"/>
-          </a:fontRef>
-        </p:style>
-        <p:txBody>
-          <a:bodyPr rtlCol="0" anchor="ctr"/>
-          <a:lstStyle/>
-          <a:p>
-            <a:pPr algn="ctr"/>
-            <a:r>
-              <a:rPr lang="es-ES" sz="600"/>
-              <a:t>Time controller: </a:t>
-            </a:r>
-          </a:p>
-          <a:p>
-            <a:pPr algn="ctr"/>
-            <a:r>
-              <a:rPr lang="es-ES" sz="600"/>
-              <a:t>Esto es para desplazarse en el tiempo a un momento concreto</a:t>
-            </a:r>
-          </a:p>
-        </p:txBody>
-      </p:sp>
-      <p:sp>
-        <p:nvSpPr>
-          <p:cNvPr id="89" name="Llamada con línea 1 88"/>
-          <p:cNvSpPr/>
-          <p:nvPr/>
-        </p:nvSpPr>
-        <p:spPr>
-          <a:xfrm>
-            <a:off x="0" y="4032444"/>
-            <a:ext cx="1003300" cy="711006"/>
-          </a:xfrm>
-          <a:prstGeom prst="borderCallout1">
-            <a:avLst>
-              <a:gd name="adj1" fmla="val -581"/>
-              <a:gd name="adj2" fmla="val 45462"/>
-              <a:gd name="adj3" fmla="val -167224"/>
-              <a:gd name="adj4" fmla="val 53754"/>
-            </a:avLst>
-          </a:prstGeom>
-        </p:spPr>
-        <p:style>
-          <a:lnRef idx="1">
-            <a:schemeClr val="accent1"/>
-          </a:lnRef>
-          <a:fillRef idx="3">
-            <a:schemeClr val="accent1"/>
-          </a:fillRef>
-          <a:effectRef idx="2">
-            <a:schemeClr val="accent1"/>
-          </a:effectRef>
-          <a:fontRef idx="minor">
-            <a:schemeClr val="lt1"/>
-          </a:fontRef>
-        </p:style>
-        <p:txBody>
-          <a:bodyPr rtlCol="0" anchor="ctr"/>
-          <a:lstStyle/>
-          <a:p>
-            <a:pPr algn="ctr"/>
-            <a:r>
-              <a:rPr lang="es-ES" sz="600"/>
-              <a:t>Habr</a:t>
-            </a:r>
-            <a:r>
-              <a:rPr lang="es-ES" sz="600"/>
-              <a:t>á una lista de “outputs”. Un output puede ser una gráfica, un mapa, un label con un texto o una ventana de salida de texto como una consola</a:t>
-            </a:r>
-            <a:endParaRPr lang="es-ES" sz="600"/>
-          </a:p>
-        </p:txBody>
-      </p:sp>
-      <p:cxnSp>
-        <p:nvCxnSpPr>
-          <p:cNvPr id="91" name="Conector recto 90"/>
-          <p:cNvCxnSpPr>
-            <a:stCxn id="89" idx="3"/>
-          </p:cNvCxnSpPr>
-          <p:nvPr/>
-        </p:nvCxnSpPr>
-        <p:spPr>
-          <a:xfrm flipV="1">
-            <a:off x="501650" y="2314408"/>
-            <a:ext cx="255868" cy="1718036"/>
-          </a:xfrm>
-          <a:prstGeom prst="line">
-            <a:avLst/>
-          </a:prstGeom>
-          <a:ln w="9525"/>
-        </p:spPr>
-        <p:style>
-          <a:lnRef idx="2">
-            <a:schemeClr val="accent1"/>
-          </a:lnRef>
-          <a:fillRef idx="0">
-            <a:schemeClr val="accent1"/>
-          </a:fillRef>
-          <a:effectRef idx="1">
-            <a:schemeClr val="accent1"/>
-          </a:effectRef>
-          <a:fontRef idx="minor">
-            <a:schemeClr val="tx1"/>
-          </a:fontRef>
-        </p:style>
-      </p:cxnSp>
-      <p:pic>
-        <p:nvPicPr>
-          <p:cNvPr id="94" name="Imagen 93" descr="Captura de pantalla 2015-06-25 a las 9.53.11.png"/>
-          <p:cNvPicPr>
-            <a:picLocks noChangeAspect="1"/>
-          </p:cNvPicPr>
-          <p:nvPr/>
-        </p:nvPicPr>
-        <p:blipFill>
-          <a:blip r:embed="rId12">
-            <a:extLst>
-              <a:ext uri="{28A0092B-C50C-407E-A947-70E740481C1C}">
-                <a14:useLocalDpi xmlns:a14="http://schemas.microsoft.com/office/drawing/2010/main" val="0"/>
-              </a:ext>
-            </a:extLst>
-          </a:blip>
-          <a:stretch>
-            <a:fillRect/>
-          </a:stretch>
-        </p:blipFill>
-        <p:spPr>
-          <a:xfrm>
-            <a:off x="6561964" y="1578142"/>
-            <a:ext cx="1959456" cy="1056402"/>
-          </a:xfrm>
-          <a:prstGeom prst="rect">
-            <a:avLst/>
-          </a:prstGeom>
-        </p:spPr>
-      </p:pic>
-      <p:sp>
-        <p:nvSpPr>
-          <p:cNvPr id="95" name="Rectángulo 94"/>
-          <p:cNvSpPr/>
-          <p:nvPr/>
-        </p:nvSpPr>
-        <p:spPr>
-          <a:xfrm>
-            <a:off x="8181403" y="2369591"/>
-            <a:ext cx="257748" cy="123991"/>
-          </a:xfrm>
-          <a:prstGeom prst="rect">
-            <a:avLst/>
-          </a:prstGeom>
-          <a:gradFill flip="none" rotWithShape="1">
-            <a:gsLst>
-              <a:gs pos="0">
-                <a:srgbClr val="E6E6E6"/>
-              </a:gs>
-              <a:gs pos="100000">
-                <a:srgbClr val="CECECE"/>
-              </a:gs>
-            </a:gsLst>
-            <a:lin ang="5400000" scaled="0"/>
-            <a:tileRect/>
-          </a:gradFill>
-          <a:ln>
-            <a:noFill/>
-          </a:ln>
-          <a:effectLst/>
-        </p:spPr>
-        <p:style>
-          <a:lnRef idx="1">
-            <a:schemeClr val="accent1"/>
-          </a:lnRef>
-          <a:fillRef idx="3">
-            <a:schemeClr val="accent1"/>
-          </a:fillRef>
-          <a:effectRef idx="2">
-            <a:schemeClr val="accent1"/>
-          </a:effectRef>
-          <a:fontRef idx="minor">
-            <a:schemeClr val="lt1"/>
-          </a:fontRef>
-        </p:style>
-        <p:txBody>
-          <a:bodyPr lIns="0" tIns="0" rIns="0" bIns="0" rtlCol="0" anchor="ctr"/>
-          <a:lstStyle/>
-          <a:p>
-            <a:r>
-              <a:rPr lang="es-ES" sz="500" b="1">
-                <a:solidFill>
-                  <a:schemeClr val="tx1"/>
-                </a:solidFill>
-              </a:rPr>
-              <a:t>  </a:t>
-            </a:r>
-            <a:r>
-              <a:rPr lang="es-ES" sz="400" b="1">
-                <a:solidFill>
-                  <a:srgbClr val="953735"/>
-                </a:solidFill>
-              </a:rPr>
-              <a:t>Opciones</a:t>
-            </a:r>
-          </a:p>
-        </p:txBody>
-      </p:sp>
-      <p:pic>
-        <p:nvPicPr>
-          <p:cNvPr id="96" name="Imagen 95" descr="Captura de pantalla 2015-06-25 a las 0.29.07.png"/>
-          <p:cNvPicPr>
-            <a:picLocks noChangeAspect="1"/>
-          </p:cNvPicPr>
-          <p:nvPr/>
-        </p:nvPicPr>
-        <p:blipFill>
-          <a:blip r:embed="rId4">
-            <a:extLst>
-              <a:ext uri="{28A0092B-C50C-407E-A947-70E740481C1C}">
-                <a14:useLocalDpi xmlns:a14="http://schemas.microsoft.com/office/drawing/2010/main" val="0"/>
-              </a:ext>
-            </a:extLst>
-          </a:blip>
-          <a:stretch>
-            <a:fillRect/>
-          </a:stretch>
-        </p:blipFill>
-        <p:spPr>
-          <a:xfrm>
-            <a:off x="8361318" y="2369590"/>
-            <a:ext cx="111593" cy="123992"/>
-          </a:xfrm>
-          <a:prstGeom prst="rect">
-            <a:avLst/>
-          </a:prstGeom>
-        </p:spPr>
-      </p:pic>
-      <p:sp>
-        <p:nvSpPr>
-          <p:cNvPr id="97" name="Llamada con línea 1 96"/>
-          <p:cNvSpPr/>
-          <p:nvPr/>
-        </p:nvSpPr>
-        <p:spPr>
-          <a:xfrm>
-            <a:off x="7877175" y="3058543"/>
-            <a:ext cx="1047933" cy="481582"/>
-          </a:xfrm>
-          <a:prstGeom prst="borderCallout1">
-            <a:avLst>
-              <a:gd name="adj1" fmla="val -122382"/>
-              <a:gd name="adj2" fmla="val 39954"/>
-              <a:gd name="adj3" fmla="val -305"/>
-              <a:gd name="adj4" fmla="val 49742"/>
-            </a:avLst>
-          </a:prstGeom>
-        </p:spPr>
-        <p:style>
-          <a:lnRef idx="1">
-            <a:schemeClr val="accent1"/>
-          </a:lnRef>
-          <a:fillRef idx="3">
-            <a:schemeClr val="accent1"/>
-          </a:fillRef>
-          <a:effectRef idx="2">
-            <a:schemeClr val="accent1"/>
-          </a:effectRef>
-          <a:fontRef idx="minor">
-            <a:schemeClr val="lt1"/>
-          </a:fontRef>
-        </p:style>
-        <p:txBody>
-          <a:bodyPr rtlCol="0" anchor="ctr"/>
-          <a:lstStyle/>
-          <a:p>
-            <a:pPr algn="ctr"/>
-            <a:r>
-              <a:rPr lang="es-ES" sz="500"/>
-              <a:t>Para no perder espacio en la ventana, todas las opciones de visualizaci</a:t>
-            </a:r>
-            <a:r>
-              <a:rPr lang="es-ES" sz="500"/>
-              <a:t>ón pueden estar en un desplegable, o simplemente en un botón que abra un cuadro de diálogo</a:t>
-            </a:r>
-            <a:endParaRPr lang="es-ES" sz="500"/>
-          </a:p>
-        </p:txBody>
-      </p:sp>
-    </p:spTree>
-    <p:extLst>
-      <p:ext uri="{BB962C8B-B14F-4D97-AF65-F5344CB8AC3E}">
-        <p14:creationId xmlns:p14="http://schemas.microsoft.com/office/powerpoint/2010/main" val="3180304276"/>
-      </p:ext>
-    </p:extLst>
-  </p:cSld>
-  <p:clrMapOvr>
-    <a:masterClrMapping/>
-  </p:clrMapOvr>
-  <p:timing>
-    <p:tnLst>
-      <p:par>
-        <p:cTn xmlns:p14="http://schemas.microsoft.com/office/powerpoint/2010/main" id="1" dur="indefinite" restart="never" nodeType="tmRoot"/>
-      </p:par>
-    </p:tnLst>
-  </p:timing>
 </p:sld>
 </file>
 

--- a/Boceto 1 interfaz Ecosystem.pptx
+++ b/Boceto 1 interfaz Ecosystem.pptx
@@ -292,7 +292,7 @@
           <a:lstStyle/>
           <a:p>
             <a:fld id="{9D02C456-6DC5-1243-AFD7-9791F71C6DBC}" type="datetimeFigureOut">
-              <a:t>24/6/15</a:t>
+              <a:t>25/6/15</a:t>
             </a:fld>
             <a:endParaRPr lang="es-ES"/>
           </a:p>
@@ -2702,7 +2702,7 @@
           </a:lstStyle>
           <a:p>
             <a:fld id="{9D02C456-6DC5-1243-AFD7-9791F71C6DBC}" type="datetimeFigureOut">
-              <a:t>24/6/15</a:t>
+              <a:t>25/6/15</a:t>
             </a:fld>
             <a:endParaRPr lang="es-ES"/>
           </a:p>
@@ -3115,14 +3115,14 @@
         <p:spPr>
           <a:xfrm>
             <a:off x="2743200" y="245533"/>
-            <a:ext cx="1566333" cy="414867"/>
+            <a:ext cx="4303645" cy="414867"/>
           </a:xfrm>
           <a:prstGeom prst="borderCallout1">
             <a:avLst>
               <a:gd name="adj1" fmla="val 51403"/>
               <a:gd name="adj2" fmla="val 316"/>
-              <a:gd name="adj3" fmla="val 430867"/>
-              <a:gd name="adj4" fmla="val -145901"/>
+              <a:gd name="adj3" fmla="val 549361"/>
+              <a:gd name="adj4" fmla="val -53836"/>
             </a:avLst>
           </a:prstGeom>
         </p:spPr>
@@ -3146,14 +3146,9 @@
           <a:p>
             <a:pPr algn="ctr"/>
             <a:r>
-              <a:rPr lang="es-ES" sz="600"/>
-              <a:t>Molar</a:t>
-            </a:r>
-            <a:r>
-              <a:rPr lang="es-ES" sz="600"/>
-              <a:t>ía un diseño parecido al del photoshop, con una barra de botones a un lado</a:t>
-            </a:r>
-            <a:endParaRPr lang="es-ES" sz="600"/>
+              <a:rPr lang="es-ES" sz="1200"/>
+              <a:t>Molaría un diseño parecido al del photoshop, con una barra de botones a un lado</a:t>
+            </a:r>
           </a:p>
         </p:txBody>
       </p:sp>
@@ -3472,15 +3467,15 @@
         </p:nvSpPr>
         <p:spPr>
           <a:xfrm>
-            <a:off x="3893824" y="5022552"/>
-            <a:ext cx="1566333" cy="414867"/>
+            <a:off x="3893824" y="4731215"/>
+            <a:ext cx="2436349" cy="569171"/>
           </a:xfrm>
           <a:prstGeom prst="borderCallout1">
             <a:avLst>
               <a:gd name="adj1" fmla="val 51403"/>
               <a:gd name="adj2" fmla="val 316"/>
-              <a:gd name="adj3" fmla="val -6081"/>
-              <a:gd name="adj4" fmla="val -85087"/>
+              <a:gd name="adj3" fmla="val 68143"/>
+              <a:gd name="adj4" fmla="val -55534"/>
             </a:avLst>
           </a:prstGeom>
         </p:spPr>
@@ -3502,16 +3497,11 @@
           <a:bodyPr rtlCol="0" anchor="ctr"/>
           <a:lstStyle/>
           <a:p>
-            <a:pPr algn="ctr"/>
-            <a:r>
-              <a:rPr lang="es-ES" sz="600"/>
-              <a:t>En este visor</a:t>
-            </a:r>
-            <a:r>
-              <a:rPr lang="es-ES" sz="600"/>
-              <a:t> aparece el biotopo al completo. El recuadro azul marca qué zona del biotopo abarca el otro visor</a:t>
-            </a:r>
-            <a:endParaRPr lang="es-ES" sz="600"/>
+            <a:pPr algn="just"/>
+            <a:r>
+              <a:rPr lang="es-ES" sz="1000"/>
+              <a:t>En este visor aparece el biotopo al completo. El recuadro azul marca qué zona del biotopo abarca el otro visor</a:t>
+            </a:r>
           </a:p>
         </p:txBody>
       </p:sp>
@@ -3845,8 +3835,8 @@
         </p:nvSpPr>
         <p:spPr>
           <a:xfrm>
-            <a:off x="4825893" y="2206125"/>
-            <a:ext cx="1566333" cy="414867"/>
+            <a:off x="4825893" y="1960143"/>
+            <a:ext cx="1734286" cy="660849"/>
           </a:xfrm>
           <a:prstGeom prst="borderCallout1">
             <a:avLst>
@@ -3877,14 +3867,9 @@
           <a:p>
             <a:pPr algn="ctr"/>
             <a:r>
-              <a:rPr lang="es-ES" sz="600"/>
-              <a:t>Cada ventana puede mostrar  un </a:t>
-            </a:r>
-            <a:r>
-              <a:rPr lang="es-ES" sz="600"/>
-              <a:t>área distinta del biotopo</a:t>
-            </a:r>
-            <a:endParaRPr lang="es-ES" sz="600"/>
+              <a:rPr lang="es-ES" sz="1000"/>
+              <a:t>Cada ventana puede mostrar  un área distinta del biotopo</a:t>
+            </a:r>
           </a:p>
         </p:txBody>
       </p:sp>
@@ -4422,23 +4407,7 @@
                   <a:schemeClr val="tx1"/>
                 </a:solidFill>
               </a:rPr>
-              <a:t>Estad</a:t>
-            </a:r>
-            <a:r>
-              <a:rPr lang="es-ES" sz="500" b="1">
-                <a:solidFill>
-                  <a:schemeClr val="tx1"/>
-                </a:solidFill>
-              </a:rPr>
-              <a:t>ística</a:t>
-            </a:r>
-            <a:r>
-              <a:rPr lang="es-ES" sz="500" b="1">
-                <a:solidFill>
-                  <a:schemeClr val="tx1"/>
-                </a:solidFill>
-              </a:rPr>
-              <a:t>s</a:t>
+              <a:t>Estadísticas</a:t>
             </a:r>
           </a:p>
         </p:txBody>
@@ -5278,25 +5247,8 @@
                   </a:schemeClr>
                 </a:solidFill>
               </a:rPr>
-              <a:t>(Aqu</a:t>
-            </a:r>
-            <a:r>
-              <a:rPr lang="es-ES" sz="800">
-                <a:solidFill>
-                  <a:schemeClr val="bg1">
-                    <a:lumMod val="85000"/>
-                  </a:schemeClr>
-                </a:solidFill>
-              </a:rPr>
-              <a:t>í los bichos)</a:t>
-            </a:r>
-            <a:endParaRPr lang="es-ES" sz="800">
-              <a:solidFill>
-                <a:schemeClr val="bg1">
-                  <a:lumMod val="85000"/>
-                </a:schemeClr>
-              </a:solidFill>
-            </a:endParaRPr>
+              <a:t>(Aquí los bichos)</a:t>
+            </a:r>
           </a:p>
         </p:txBody>
       </p:sp>
@@ -5355,21 +5307,8 @@
                   <a:schemeClr val="tx1"/>
                 </a:solidFill>
               </a:rPr>
-              <a:t>      Opciones de visualizaci</a:t>
-            </a:r>
-            <a:r>
-              <a:rPr lang="es-ES" sz="500" b="1">
-                <a:solidFill>
-                  <a:schemeClr val="tx1"/>
-                </a:solidFill>
-              </a:rPr>
-              <a:t>ón</a:t>
-            </a:r>
-            <a:endParaRPr lang="es-ES" sz="500" b="1">
-              <a:solidFill>
-                <a:schemeClr val="tx1"/>
-              </a:solidFill>
-            </a:endParaRPr>
+              <a:t>      Opciones de visualización</a:t>
+            </a:r>
           </a:p>
         </p:txBody>
       </p:sp>
@@ -6038,25 +5977,8 @@
                   </a:schemeClr>
                 </a:solidFill>
               </a:rPr>
-              <a:t>(Aqu</a:t>
-            </a:r>
-            <a:r>
-              <a:rPr lang="es-ES" sz="800">
-                <a:solidFill>
-                  <a:schemeClr val="bg1">
-                    <a:lumMod val="85000"/>
-                  </a:schemeClr>
-                </a:solidFill>
-              </a:rPr>
-              <a:t>í los bichos)</a:t>
-            </a:r>
-            <a:endParaRPr lang="es-ES" sz="800">
-              <a:solidFill>
-                <a:schemeClr val="bg1">
-                  <a:lumMod val="85000"/>
-                </a:schemeClr>
-              </a:solidFill>
-            </a:endParaRPr>
+              <a:t>(Aquí los bichos)</a:t>
+            </a:r>
           </a:p>
         </p:txBody>
       </p:sp>
@@ -6115,21 +6037,8 @@
                   <a:schemeClr val="tx1"/>
                 </a:solidFill>
               </a:rPr>
-              <a:t>      Opciones de visualizaci</a:t>
-            </a:r>
-            <a:r>
-              <a:rPr lang="es-ES" sz="500" b="1">
-                <a:solidFill>
-                  <a:schemeClr val="tx1"/>
-                </a:solidFill>
-              </a:rPr>
-              <a:t>ón</a:t>
-            </a:r>
-            <a:endParaRPr lang="es-ES" sz="500" b="1">
-              <a:solidFill>
-                <a:schemeClr val="tx1"/>
-              </a:solidFill>
-            </a:endParaRPr>
+              <a:t>      Opciones de visualización</a:t>
+            </a:r>
           </a:p>
         </p:txBody>
       </p:sp>
@@ -6659,13 +6568,8 @@
             <a:pPr algn="ctr"/>
             <a:r>
               <a:rPr lang="es-ES" sz="800"/>
-              <a:t>Opci</a:t>
-            </a:r>
-            <a:r>
-              <a:rPr lang="es-ES" sz="800"/>
-              <a:t>ón lupa: El ratón se convierte en una lupa para ver los bichos con más detalle</a:t>
-            </a:r>
-            <a:endParaRPr lang="es-ES" sz="800"/>
+              <a:t>Opción lupa: El ratón se convierte en una lupa para ver los bichos con más detalle</a:t>
+            </a:r>
           </a:p>
         </p:txBody>
       </p:sp>
@@ -6929,13 +6833,8 @@
             <a:pPr algn="ctr"/>
             <a:r>
               <a:rPr lang="es-ES" sz="600"/>
-              <a:t>Otra posible ventana m</a:t>
-            </a:r>
-            <a:r>
-              <a:rPr lang="es-ES" sz="600"/>
-              <a:t>ás sencilla. El resto de botones están ocultos y aparecen cuando pinchamos en el desplegable</a:t>
-            </a:r>
-            <a:endParaRPr lang="es-ES" sz="600"/>
+              <a:t>Otra posible ventana más sencilla. El resto de botones están ocultos y aparecen cuando pinchamos en el desplegable</a:t>
+            </a:r>
           </a:p>
         </p:txBody>
       </p:sp>
@@ -6980,13 +6879,8 @@
             <a:pPr algn="ctr"/>
             <a:r>
               <a:rPr lang="es-ES" sz="800"/>
-              <a:t>S</a:t>
-            </a:r>
-            <a:r>
-              <a:rPr lang="es-ES" sz="800"/>
-              <a:t>ólo estaríamos viendo una región del biotopo. Pero podemos desplazar la vista con el ratón, igual que en Googlemaps</a:t>
-            </a:r>
-            <a:endParaRPr lang="es-ES" sz="800"/>
+              <a:t>Sólo estaríamos viendo una región del biotopo. Pero podemos desplazar la vista con el ratón, igual que en Googlemaps</a:t>
+            </a:r>
           </a:p>
         </p:txBody>
       </p:sp>
@@ -7213,13 +7107,8 @@
             <a:pPr algn="ctr"/>
             <a:r>
               <a:rPr lang="es-ES" sz="600"/>
-              <a:t>Bot</a:t>
-            </a:r>
-            <a:r>
-              <a:rPr lang="es-ES" sz="600"/>
-              <a:t>ón para revertir la dirección del tiempo</a:t>
-            </a:r>
-            <a:endParaRPr lang="es-ES" sz="600"/>
+              <a:t>Botón para revertir la dirección del tiempo</a:t>
+            </a:r>
           </a:p>
         </p:txBody>
       </p:sp>
@@ -7264,13 +7153,8 @@
             <a:pPr algn="ctr"/>
             <a:r>
               <a:rPr lang="es-ES" sz="600"/>
-              <a:t>En este bot</a:t>
-            </a:r>
-            <a:r>
-              <a:rPr lang="es-ES" sz="600"/>
-              <a:t>ón se despliegan opciones, como la velocidad a la que se muestra la evolución del ecosistema (ciclos por segundo)</a:t>
-            </a:r>
-            <a:endParaRPr lang="es-ES" sz="600"/>
+              <a:t>En este botón se despliegan opciones, como la velocidad a la que se muestra la evolución del ecosistema (ciclos por segundo)</a:t>
+            </a:r>
           </a:p>
         </p:txBody>
       </p:sp>
@@ -7315,13 +7199,8 @@
             <a:pPr algn="ctr"/>
             <a:r>
               <a:rPr lang="es-ES" sz="600"/>
-              <a:t>Botones configurables: En cada uno guardamos una configuraci</a:t>
-            </a:r>
-            <a:r>
-              <a:rPr lang="es-ES" sz="600"/>
-              <a:t>ón de visualización diferente (diferentes colores para cada característica, por ejemplo)</a:t>
-            </a:r>
-            <a:endParaRPr lang="es-ES" sz="600"/>
+              <a:t>Botones configurables: En cada uno guardamos una configuración de visualización diferente (diferentes colores para cada característica, por ejemplo)</a:t>
+            </a:r>
           </a:p>
         </p:txBody>
       </p:sp>
@@ -7419,13 +7298,8 @@
             <a:pPr algn="ctr"/>
             <a:r>
               <a:rPr lang="es-ES" sz="600"/>
-              <a:t>Aqu</a:t>
-            </a:r>
-            <a:r>
-              <a:rPr lang="es-ES" sz="600"/>
-              <a:t>í aparecen los distintos ecosistemas que conforman un experimento</a:t>
-            </a:r>
-            <a:endParaRPr lang="es-ES" sz="600"/>
+              <a:t>Aquí aparecen los distintos ecosistemas que conforman un experimento</a:t>
+            </a:r>
           </a:p>
         </p:txBody>
       </p:sp>
@@ -7631,13 +7505,8 @@
             <a:pPr algn="ctr"/>
             <a:r>
               <a:rPr lang="es-ES" sz="500"/>
-              <a:t>Para no perder espacio en la ventana, todas las opciones de visualizaci</a:t>
-            </a:r>
-            <a:r>
-              <a:rPr lang="es-ES" sz="500"/>
-              <a:t>ón pueden estar en un desplegable, o simplemente en un botón que abra un cuadro de diálogo</a:t>
-            </a:r>
-            <a:endParaRPr lang="es-ES" sz="500"/>
+              <a:t>Para no perder espacio en la ventana, todas las opciones de visualización pueden estar en un desplegable, o simplemente en un botón que abra un cuadro de diálogo</a:t>
+            </a:r>
           </a:p>
         </p:txBody>
       </p:sp>
@@ -7712,13 +7581,8 @@
             <a:pPr algn="ctr"/>
             <a:r>
               <a:rPr lang="es-ES" sz="600"/>
-              <a:t>Ventana de eventos: Seleccionamos qu</a:t>
-            </a:r>
-            <a:r>
-              <a:rPr lang="es-ES" sz="600"/>
-              <a:t>é eventos queremos que muestre y van saliendo las notificaciones</a:t>
-            </a:r>
-            <a:endParaRPr lang="es-ES" sz="600"/>
+              <a:t>Ventana de eventos: Seleccionamos qué eventos queremos que muestre y van saliendo las notificaciones</a:t>
+            </a:r>
           </a:p>
         </p:txBody>
       </p:sp>
@@ -8009,8 +7873,8 @@
         </p:nvSpPr>
         <p:spPr>
           <a:xfrm>
-            <a:off x="5520640" y="4861849"/>
-            <a:ext cx="1843651" cy="686184"/>
+            <a:off x="5520640" y="4860353"/>
+            <a:ext cx="2699585" cy="1160086"/>
           </a:xfrm>
           <a:prstGeom prst="borderCallout1">
             <a:avLst>
@@ -8039,11 +7903,44 @@
           <a:bodyPr rtlCol="0" anchor="ctr"/>
           <a:lstStyle/>
           <a:p>
+            <a:endParaRPr lang="es-ES" sz="1050">
+              <a:solidFill>
+                <a:srgbClr val="000000"/>
+              </a:solidFill>
+            </a:endParaRPr>
+          </a:p>
+          <a:p>
+            <a:r>
+              <a:rPr lang="es-ES" sz="1050">
+                <a:solidFill>
+                  <a:srgbClr val="000000"/>
+                </a:solidFill>
+              </a:rPr>
+              <a:t>Labels:</a:t>
+            </a:r>
+          </a:p>
+          <a:p>
+            <a:r>
+              <a:rPr lang="es-ES" sz="1050"/>
+              <a:t>Cada cierto tiempo se actualiza el dato. Normalmente ser</a:t>
+            </a:r>
+            <a:r>
+              <a:rPr lang="es-ES" sz="1050"/>
+              <a:t>á una estadística.</a:t>
+            </a:r>
+          </a:p>
+          <a:p>
+            <a:r>
+              <a:rPr lang="es-ES" sz="1050"/>
+              <a:t>Pinchando con el botón derecho o en algún otro sitio, deberíamos poder configurar cada cuánto tiempo se actualiza la estadística.</a:t>
+            </a:r>
+          </a:p>
+          <a:p>
+            <a:endParaRPr lang="es-ES" sz="1050"/>
+          </a:p>
+          <a:p>
             <a:pPr algn="ctr"/>
-            <a:r>
-              <a:rPr lang="es-ES" sz="1050"/>
-              <a:t>Labels</a:t>
-            </a:r>
+            <a:endParaRPr lang="es-ES" sz="1050"/>
           </a:p>
         </p:txBody>
       </p:sp>
@@ -8055,8 +7952,8 @@
         </p:nvSpPr>
         <p:spPr>
           <a:xfrm>
-            <a:off x="6164680" y="2699658"/>
-            <a:ext cx="1843651" cy="686184"/>
+            <a:off x="6164680" y="2050149"/>
+            <a:ext cx="2635561" cy="1780129"/>
           </a:xfrm>
           <a:prstGeom prst="borderCallout1">
             <a:avLst>
@@ -8085,11 +7982,58 @@
           <a:bodyPr rtlCol="0" anchor="ctr"/>
           <a:lstStyle/>
           <a:p>
-            <a:pPr algn="ctr"/>
+            <a:r>
+              <a:rPr lang="es-ES" sz="1050">
+                <a:solidFill>
+                  <a:srgbClr val="000000"/>
+                </a:solidFill>
+              </a:rPr>
+              <a:t>Consola de eventos:</a:t>
+            </a:r>
+          </a:p>
+          <a:p>
             <a:r>
               <a:rPr lang="es-ES" sz="1050"/>
-              <a:t>Consola de eventos</a:t>
-            </a:r>
+              <a:t>Aparecen los datos de manera secuencial y va quedando un registro de los datos que han ido saliendo.</a:t>
+            </a:r>
+          </a:p>
+          <a:p>
+            <a:r>
+              <a:rPr lang="es-ES" sz="1050"/>
+              <a:t>Podr</a:t>
+            </a:r>
+            <a:r>
+              <a:rPr lang="es-ES" sz="1050"/>
+              <a:t>íamos configurarlo para que, si salen más de 100 eventos seguidos similares, que salga solamente un resumen. Por ejemplo:</a:t>
+            </a:r>
+          </a:p>
+          <a:p>
+            <a:endParaRPr lang="es-ES" sz="1050">
+              <a:solidFill>
+                <a:schemeClr val="bg1">
+                  <a:lumMod val="85000"/>
+                </a:schemeClr>
+              </a:solidFill>
+            </a:endParaRPr>
+          </a:p>
+          <a:p>
+            <a:r>
+              <a:rPr lang="es-ES" sz="1050">
+                <a:solidFill>
+                  <a:schemeClr val="bg1">
+                    <a:lumMod val="85000"/>
+                  </a:schemeClr>
+                </a:solidFill>
+              </a:rPr>
+              <a:t>274 deaths by overheat</a:t>
+            </a:r>
+            <a:endParaRPr lang="es-ES" sz="1050">
+              <a:solidFill>
+                <a:schemeClr val="bg1">
+                  <a:lumMod val="85000"/>
+                </a:schemeClr>
+              </a:solidFill>
+            </a:endParaRPr>
           </a:p>
         </p:txBody>
       </p:sp>
@@ -8103,6 +8047,13 @@
   <p:clrMapOvr>
     <a:masterClrMapping/>
   </p:clrMapOvr>
+  <p:timing>
+    <p:tnLst>
+      <p:par>
+        <p:cTn xmlns:p14="http://schemas.microsoft.com/office/powerpoint/2010/main" id="1" dur="indefinite" restart="never" nodeType="tmRoot"/>
+      </p:par>
+    </p:tnLst>
+  </p:timing>
 </p:sld>
 </file>
 
@@ -8189,13 +8140,8 @@
             <a:pPr algn="ctr"/>
             <a:r>
               <a:rPr lang="es-ES" sz="900"/>
-              <a:t>Este es el programa GEOGEBRA. ¿Lo conoces? Mola un mont</a:t>
-            </a:r>
-            <a:r>
-              <a:rPr lang="es-ES" sz="900"/>
-              <a:t>ón. De aquí podemos tomar algunas ideas para organizar las cosas en Ecosystem</a:t>
-            </a:r>
-            <a:endParaRPr lang="es-ES" sz="900"/>
+              <a:t>Este es el programa GEOGEBRA. ¿Lo conoces? Mola un montón. De aquí podemos tomar algunas ideas para organizar las cosas en Ecosystem</a:t>
+            </a:r>
           </a:p>
         </p:txBody>
       </p:sp>
@@ -8315,13 +8261,8 @@
             <a:pPr algn="ctr"/>
             <a:r>
               <a:rPr lang="es-ES" sz="600"/>
-              <a:t>Aqu</a:t>
-            </a:r>
-            <a:r>
-              <a:rPr lang="es-ES" sz="600"/>
-              <a:t>í podemos poner una lista de todas las ventanas que hemos creado para visualizar el ecosistema. Cuando queremos que se muestre alguna de ellas (la mayoría las podemos tener casi siempre ocultas), le picamos en su casilla de verificación y aparece la ventana</a:t>
-            </a:r>
-            <a:endParaRPr lang="es-ES" sz="600"/>
+              <a:t>Aquí podemos poner una lista de todas las ventanas que hemos creado para visualizar el ecosistema. Cuando queremos que se muestre alguna de ellas (la mayoría las podemos tener casi siempre ocultas), le picamos en su casilla de verificación y aparece la ventana</a:t>
+            </a:r>
           </a:p>
         </p:txBody>
       </p:sp>
@@ -8335,6 +8276,13 @@
   <p:clrMapOvr>
     <a:masterClrMapping/>
   </p:clrMapOvr>
+  <p:timing>
+    <p:tnLst>
+      <p:par>
+        <p:cTn xmlns:p14="http://schemas.microsoft.com/office/powerpoint/2010/main" id="1" dur="indefinite" restart="never" nodeType="tmRoot"/>
+      </p:par>
+    </p:tnLst>
+  </p:timing>
 </p:sld>
 </file>
 

--- a/Boceto 1 interfaz Ecosystem.pptx
+++ b/Boceto 1 interfaz Ecosystem.pptx
@@ -11,6 +11,7 @@
     <p:sldId id="256" r:id="rId5"/>
     <p:sldId id="262" r:id="rId6"/>
     <p:sldId id="261" r:id="rId7"/>
+    <p:sldId id="263" r:id="rId8"/>
   </p:sldIdLst>
   <p:sldSz cx="9144000" cy="6858000" type="screen4x3"/>
   <p:notesSz cx="6858000" cy="9144000"/>
@@ -7265,7 +7266,7 @@
         </p:nvSpPr>
         <p:spPr>
           <a:xfrm>
-            <a:off x="0" y="4032444"/>
+            <a:off x="160000" y="4032444"/>
             <a:ext cx="915357" cy="564956"/>
           </a:xfrm>
           <a:prstGeom prst="borderCallout1">
@@ -7313,7 +7314,7 @@
         </p:nvCxnSpPr>
         <p:spPr>
           <a:xfrm flipV="1">
-            <a:off x="457679" y="2314408"/>
+            <a:off x="617679" y="2314408"/>
             <a:ext cx="299839" cy="1718036"/>
           </a:xfrm>
           <a:prstGeom prst="line">
@@ -7922,11 +7923,7 @@
           <a:p>
             <a:r>
               <a:rPr lang="es-ES" sz="1050"/>
-              <a:t>Cada cierto tiempo se actualiza el dato. Normalmente ser</a:t>
-            </a:r>
-            <a:r>
-              <a:rPr lang="es-ES" sz="1050"/>
-              <a:t>á una estadística.</a:t>
+              <a:t>Cada cierto tiempo se actualiza el dato. Normalmente será una estadística.</a:t>
             </a:r>
           </a:p>
           <a:p>
@@ -8000,11 +7997,7 @@
           <a:p>
             <a:r>
               <a:rPr lang="es-ES" sz="1050"/>
-              <a:t>Podr</a:t>
-            </a:r>
-            <a:r>
-              <a:rPr lang="es-ES" sz="1050"/>
-              <a:t>íamos configurarlo para que, si salen más de 100 eventos seguidos similares, que salga solamente un resumen. Por ejemplo:</a:t>
+              <a:t>Podríamos configurarlo para que, si salen más de 100 eventos seguidos similares, que salga solamente un resumen. Por ejemplo:</a:t>
             </a:r>
           </a:p>
           <a:p>
@@ -8027,13 +8020,6 @@
               </a:rPr>
               <a:t>274 deaths by overheat</a:t>
             </a:r>
-            <a:endParaRPr lang="es-ES" sz="1050">
-              <a:solidFill>
-                <a:schemeClr val="bg1">
-                  <a:lumMod val="85000"/>
-                </a:schemeClr>
-              </a:solidFill>
-            </a:endParaRPr>
           </a:p>
         </p:txBody>
       </p:sp>
@@ -8283,6 +8269,577 @@
       </p:par>
     </p:tnLst>
   </p:timing>
+</p:sld>
+</file>
+
+<file path=ppt/slides/slide7.xml><?xml version="1.0" encoding="utf-8"?>
+<p:sld xmlns:a="http://schemas.openxmlformats.org/drawingml/2006/main" xmlns:r="http://schemas.openxmlformats.org/officeDocument/2006/relationships" xmlns:p="http://schemas.openxmlformats.org/presentationml/2006/main">
+  <p:cSld>
+    <p:spTree>
+      <p:nvGrpSpPr>
+        <p:cNvPr id="1" name=""/>
+        <p:cNvGrpSpPr/>
+        <p:nvPr/>
+      </p:nvGrpSpPr>
+      <p:grpSpPr>
+        <a:xfrm>
+          <a:off x="0" y="0"/>
+          <a:ext cx="0" cy="0"/>
+          <a:chOff x="0" y="0"/>
+          <a:chExt cx="0" cy="0"/>
+        </a:xfrm>
+      </p:grpSpPr>
+      <p:sp>
+        <p:nvSpPr>
+          <p:cNvPr id="4" name="Rectángulo 3"/>
+          <p:cNvSpPr/>
+          <p:nvPr/>
+        </p:nvSpPr>
+        <p:spPr>
+          <a:xfrm>
+            <a:off x="1190033" y="320023"/>
+            <a:ext cx="7240197" cy="400029"/>
+          </a:xfrm>
+          <a:prstGeom prst="rect">
+            <a:avLst/>
+          </a:prstGeom>
+        </p:spPr>
+        <p:style>
+          <a:lnRef idx="1">
+            <a:schemeClr val="accent1"/>
+          </a:lnRef>
+          <a:fillRef idx="3">
+            <a:schemeClr val="accent1"/>
+          </a:fillRef>
+          <a:effectRef idx="2">
+            <a:schemeClr val="accent1"/>
+          </a:effectRef>
+          <a:fontRef idx="minor">
+            <a:schemeClr val="lt1"/>
+          </a:fontRef>
+        </p:style>
+        <p:txBody>
+          <a:bodyPr rtlCol="0" anchor="ctr"/>
+          <a:lstStyle/>
+          <a:p>
+            <a:pPr algn="ctr"/>
+            <a:r>
+              <a:rPr lang="es-ES" sz="1200"/>
+              <a:t>Para mostrar el biotopo y los organismos al mismo tiempo</a:t>
+            </a:r>
+          </a:p>
+        </p:txBody>
+      </p:sp>
+      <p:sp>
+        <p:nvSpPr>
+          <p:cNvPr id="5" name="Rectángulo 4"/>
+          <p:cNvSpPr/>
+          <p:nvPr/>
+        </p:nvSpPr>
+        <p:spPr>
+          <a:xfrm>
+            <a:off x="1340822" y="2550185"/>
+            <a:ext cx="1080030" cy="1070078"/>
+          </a:xfrm>
+          <a:prstGeom prst="rect">
+            <a:avLst/>
+          </a:prstGeom>
+          <a:solidFill>
+            <a:srgbClr val="0000FF"/>
+          </a:solidFill>
+          <a:ln>
+            <a:noFill/>
+          </a:ln>
+          <a:effectLst/>
+        </p:spPr>
+        <p:style>
+          <a:lnRef idx="1">
+            <a:schemeClr val="accent1"/>
+          </a:lnRef>
+          <a:fillRef idx="3">
+            <a:schemeClr val="accent1"/>
+          </a:fillRef>
+          <a:effectRef idx="2">
+            <a:schemeClr val="accent1"/>
+          </a:effectRef>
+          <a:fontRef idx="minor">
+            <a:schemeClr val="lt1"/>
+          </a:fontRef>
+        </p:style>
+        <p:txBody>
+          <a:bodyPr rtlCol="0" anchor="ctr"/>
+          <a:lstStyle/>
+          <a:p>
+            <a:pPr algn="ctr"/>
+            <a:endParaRPr lang="es-ES"/>
+          </a:p>
+        </p:txBody>
+      </p:sp>
+      <p:sp>
+        <p:nvSpPr>
+          <p:cNvPr id="6" name="Elipse 5"/>
+          <p:cNvSpPr/>
+          <p:nvPr/>
+        </p:nvSpPr>
+        <p:spPr>
+          <a:xfrm>
+            <a:off x="1340822" y="2550185"/>
+            <a:ext cx="1080030" cy="1070078"/>
+          </a:xfrm>
+          <a:prstGeom prst="ellipse">
+            <a:avLst/>
+          </a:prstGeom>
+          <a:solidFill>
+            <a:schemeClr val="accent3">
+              <a:lumMod val="75000"/>
+            </a:schemeClr>
+          </a:solidFill>
+          <a:ln>
+            <a:noFill/>
+          </a:ln>
+          <a:effectLst/>
+        </p:spPr>
+        <p:style>
+          <a:lnRef idx="1">
+            <a:schemeClr val="accent1"/>
+          </a:lnRef>
+          <a:fillRef idx="3">
+            <a:schemeClr val="accent1"/>
+          </a:fillRef>
+          <a:effectRef idx="2">
+            <a:schemeClr val="accent1"/>
+          </a:effectRef>
+          <a:fontRef idx="minor">
+            <a:schemeClr val="lt1"/>
+          </a:fontRef>
+        </p:style>
+        <p:txBody>
+          <a:bodyPr rtlCol="0" anchor="ctr"/>
+          <a:lstStyle/>
+          <a:p>
+            <a:pPr algn="ctr"/>
+            <a:endParaRPr lang="es-ES"/>
+          </a:p>
+        </p:txBody>
+      </p:sp>
+      <p:sp>
+        <p:nvSpPr>
+          <p:cNvPr id="7" name="Rectángulo 6"/>
+          <p:cNvSpPr/>
+          <p:nvPr/>
+        </p:nvSpPr>
+        <p:spPr>
+          <a:xfrm>
+            <a:off x="1340822" y="3630264"/>
+            <a:ext cx="1080030" cy="1070078"/>
+          </a:xfrm>
+          <a:prstGeom prst="rect">
+            <a:avLst/>
+          </a:prstGeom>
+          <a:solidFill>
+            <a:srgbClr val="593DD4"/>
+          </a:solidFill>
+          <a:ln>
+            <a:noFill/>
+          </a:ln>
+          <a:effectLst/>
+        </p:spPr>
+        <p:style>
+          <a:lnRef idx="1">
+            <a:schemeClr val="accent1"/>
+          </a:lnRef>
+          <a:fillRef idx="3">
+            <a:schemeClr val="accent1"/>
+          </a:fillRef>
+          <a:effectRef idx="2">
+            <a:schemeClr val="accent1"/>
+          </a:effectRef>
+          <a:fontRef idx="minor">
+            <a:schemeClr val="lt1"/>
+          </a:fontRef>
+        </p:style>
+        <p:txBody>
+          <a:bodyPr rtlCol="0" anchor="ctr"/>
+          <a:lstStyle/>
+          <a:p>
+            <a:pPr algn="ctr"/>
+            <a:endParaRPr lang="es-ES"/>
+          </a:p>
+        </p:txBody>
+      </p:sp>
+      <p:sp>
+        <p:nvSpPr>
+          <p:cNvPr id="8" name="Elipse 7"/>
+          <p:cNvSpPr/>
+          <p:nvPr/>
+        </p:nvSpPr>
+        <p:spPr>
+          <a:xfrm>
+            <a:off x="1605829" y="3890282"/>
+            <a:ext cx="530015" cy="540039"/>
+          </a:xfrm>
+          <a:prstGeom prst="ellipse">
+            <a:avLst/>
+          </a:prstGeom>
+          <a:solidFill>
+            <a:srgbClr val="FF6600"/>
+          </a:solidFill>
+          <a:ln>
+            <a:noFill/>
+          </a:ln>
+          <a:effectLst/>
+        </p:spPr>
+        <p:style>
+          <a:lnRef idx="1">
+            <a:schemeClr val="accent1"/>
+          </a:lnRef>
+          <a:fillRef idx="3">
+            <a:schemeClr val="accent1"/>
+          </a:fillRef>
+          <a:effectRef idx="2">
+            <a:schemeClr val="accent1"/>
+          </a:effectRef>
+          <a:fontRef idx="minor">
+            <a:schemeClr val="lt1"/>
+          </a:fontRef>
+        </p:style>
+        <p:txBody>
+          <a:bodyPr rtlCol="0" anchor="ctr"/>
+          <a:lstStyle/>
+          <a:p>
+            <a:pPr algn="ctr"/>
+            <a:endParaRPr lang="es-ES"/>
+          </a:p>
+        </p:txBody>
+      </p:sp>
+      <p:sp>
+        <p:nvSpPr>
+          <p:cNvPr id="9" name="Rectángulo 8"/>
+          <p:cNvSpPr/>
+          <p:nvPr/>
+        </p:nvSpPr>
+        <p:spPr>
+          <a:xfrm>
+            <a:off x="2430852" y="2550185"/>
+            <a:ext cx="1080030" cy="1070078"/>
+          </a:xfrm>
+          <a:prstGeom prst="rect">
+            <a:avLst/>
+          </a:prstGeom>
+          <a:solidFill>
+            <a:schemeClr val="accent5">
+              <a:lumMod val="75000"/>
+            </a:schemeClr>
+          </a:solidFill>
+          <a:ln>
+            <a:noFill/>
+          </a:ln>
+          <a:effectLst/>
+        </p:spPr>
+        <p:style>
+          <a:lnRef idx="1">
+            <a:schemeClr val="accent1"/>
+          </a:lnRef>
+          <a:fillRef idx="3">
+            <a:schemeClr val="accent1"/>
+          </a:fillRef>
+          <a:effectRef idx="2">
+            <a:schemeClr val="accent1"/>
+          </a:effectRef>
+          <a:fontRef idx="minor">
+            <a:schemeClr val="lt1"/>
+          </a:fontRef>
+        </p:style>
+        <p:txBody>
+          <a:bodyPr rtlCol="0" anchor="ctr"/>
+          <a:lstStyle/>
+          <a:p>
+            <a:pPr algn="ctr"/>
+            <a:endParaRPr lang="es-ES"/>
+          </a:p>
+        </p:txBody>
+      </p:sp>
+      <p:sp>
+        <p:nvSpPr>
+          <p:cNvPr id="10" name="Elipse 9"/>
+          <p:cNvSpPr/>
+          <p:nvPr/>
+        </p:nvSpPr>
+        <p:spPr>
+          <a:xfrm>
+            <a:off x="2650452" y="2770202"/>
+            <a:ext cx="619200" cy="620045"/>
+          </a:xfrm>
+          <a:prstGeom prst="ellipse">
+            <a:avLst/>
+          </a:prstGeom>
+          <a:solidFill>
+            <a:schemeClr val="accent3">
+              <a:lumMod val="75000"/>
+            </a:schemeClr>
+          </a:solidFill>
+          <a:ln>
+            <a:noFill/>
+          </a:ln>
+          <a:effectLst/>
+        </p:spPr>
+        <p:style>
+          <a:lnRef idx="1">
+            <a:schemeClr val="accent1"/>
+          </a:lnRef>
+          <a:fillRef idx="3">
+            <a:schemeClr val="accent1"/>
+          </a:fillRef>
+          <a:effectRef idx="2">
+            <a:schemeClr val="accent1"/>
+          </a:effectRef>
+          <a:fontRef idx="minor">
+            <a:schemeClr val="lt1"/>
+          </a:fontRef>
+        </p:style>
+        <p:txBody>
+          <a:bodyPr rtlCol="0" anchor="ctr"/>
+          <a:lstStyle/>
+          <a:p>
+            <a:pPr algn="ctr"/>
+            <a:endParaRPr lang="es-ES"/>
+          </a:p>
+        </p:txBody>
+      </p:sp>
+      <p:sp>
+        <p:nvSpPr>
+          <p:cNvPr id="11" name="Rectángulo 10"/>
+          <p:cNvSpPr/>
+          <p:nvPr/>
+        </p:nvSpPr>
+        <p:spPr>
+          <a:xfrm>
+            <a:off x="2430852" y="3630264"/>
+            <a:ext cx="1080030" cy="1070078"/>
+          </a:xfrm>
+          <a:prstGeom prst="rect">
+            <a:avLst/>
+          </a:prstGeom>
+          <a:solidFill>
+            <a:srgbClr val="593DD4"/>
+          </a:solidFill>
+          <a:ln>
+            <a:noFill/>
+          </a:ln>
+          <a:effectLst/>
+        </p:spPr>
+        <p:style>
+          <a:lnRef idx="1">
+            <a:schemeClr val="accent1"/>
+          </a:lnRef>
+          <a:fillRef idx="3">
+            <a:schemeClr val="accent1"/>
+          </a:fillRef>
+          <a:effectRef idx="2">
+            <a:schemeClr val="accent1"/>
+          </a:effectRef>
+          <a:fontRef idx="minor">
+            <a:schemeClr val="lt1"/>
+          </a:fontRef>
+        </p:style>
+        <p:txBody>
+          <a:bodyPr rtlCol="0" anchor="ctr"/>
+          <a:lstStyle/>
+          <a:p>
+            <a:pPr algn="ctr"/>
+            <a:endParaRPr lang="es-ES"/>
+          </a:p>
+        </p:txBody>
+      </p:sp>
+      <p:sp>
+        <p:nvSpPr>
+          <p:cNvPr id="12" name="Elipse 11"/>
+          <p:cNvSpPr/>
+          <p:nvPr/>
+        </p:nvSpPr>
+        <p:spPr>
+          <a:xfrm>
+            <a:off x="2550854" y="3750273"/>
+            <a:ext cx="820800" cy="820058"/>
+          </a:xfrm>
+          <a:prstGeom prst="ellipse">
+            <a:avLst/>
+          </a:prstGeom>
+          <a:solidFill>
+            <a:schemeClr val="accent3">
+              <a:lumMod val="60000"/>
+              <a:lumOff val="40000"/>
+            </a:schemeClr>
+          </a:solidFill>
+          <a:ln>
+            <a:noFill/>
+          </a:ln>
+          <a:effectLst/>
+        </p:spPr>
+        <p:style>
+          <a:lnRef idx="1">
+            <a:schemeClr val="accent1"/>
+          </a:lnRef>
+          <a:fillRef idx="3">
+            <a:schemeClr val="accent1"/>
+          </a:fillRef>
+          <a:effectRef idx="2">
+            <a:schemeClr val="accent1"/>
+          </a:effectRef>
+          <a:fontRef idx="minor">
+            <a:schemeClr val="lt1"/>
+          </a:fontRef>
+        </p:style>
+        <p:txBody>
+          <a:bodyPr rtlCol="0" anchor="ctr"/>
+          <a:lstStyle/>
+          <a:p>
+            <a:pPr algn="ctr"/>
+            <a:endParaRPr lang="es-ES"/>
+          </a:p>
+        </p:txBody>
+      </p:sp>
+      <p:sp>
+        <p:nvSpPr>
+          <p:cNvPr id="13" name="Llamada con línea 1 12"/>
+          <p:cNvSpPr/>
+          <p:nvPr/>
+        </p:nvSpPr>
+        <p:spPr>
+          <a:xfrm>
+            <a:off x="4770916" y="2390174"/>
+            <a:ext cx="2700074" cy="620045"/>
+          </a:xfrm>
+          <a:prstGeom prst="borderCallout1">
+            <a:avLst>
+              <a:gd name="adj1" fmla="val 54234"/>
+              <a:gd name="adj2" fmla="val -926"/>
+              <a:gd name="adj3" fmla="val 113307"/>
+              <a:gd name="adj4" fmla="val -61296"/>
+            </a:avLst>
+          </a:prstGeom>
+        </p:spPr>
+        <p:style>
+          <a:lnRef idx="1">
+            <a:schemeClr val="accent1"/>
+          </a:lnRef>
+          <a:fillRef idx="3">
+            <a:schemeClr val="accent1"/>
+          </a:fillRef>
+          <a:effectRef idx="2">
+            <a:schemeClr val="accent1"/>
+          </a:effectRef>
+          <a:fontRef idx="minor">
+            <a:schemeClr val="lt1"/>
+          </a:fontRef>
+        </p:style>
+        <p:txBody>
+          <a:bodyPr rtlCol="0" anchor="ctr"/>
+          <a:lstStyle/>
+          <a:p>
+            <a:pPr algn="ctr"/>
+            <a:r>
+              <a:rPr lang="es-ES" sz="1100"/>
+              <a:t>Organismos redondos (¿o cuadrados?), con distintos tamaños y colores</a:t>
+            </a:r>
+          </a:p>
+        </p:txBody>
+      </p:sp>
+      <p:sp>
+        <p:nvSpPr>
+          <p:cNvPr id="14" name="Llamada con línea 1 13"/>
+          <p:cNvSpPr/>
+          <p:nvPr/>
+        </p:nvSpPr>
+        <p:spPr>
+          <a:xfrm>
+            <a:off x="5303326" y="3880281"/>
+            <a:ext cx="3257694" cy="620045"/>
+          </a:xfrm>
+          <a:prstGeom prst="borderCallout1">
+            <a:avLst>
+              <a:gd name="adj1" fmla="val 54234"/>
+              <a:gd name="adj2" fmla="val -926"/>
+              <a:gd name="adj3" fmla="val 113307"/>
+              <a:gd name="adj4" fmla="val -61296"/>
+            </a:avLst>
+          </a:prstGeom>
+        </p:spPr>
+        <p:style>
+          <a:lnRef idx="1">
+            <a:schemeClr val="accent1"/>
+          </a:lnRef>
+          <a:fillRef idx="3">
+            <a:schemeClr val="accent1"/>
+          </a:fillRef>
+          <a:effectRef idx="2">
+            <a:schemeClr val="accent1"/>
+          </a:effectRef>
+          <a:fontRef idx="minor">
+            <a:schemeClr val="lt1"/>
+          </a:fontRef>
+        </p:style>
+        <p:txBody>
+          <a:bodyPr rtlCol="0" anchor="ctr"/>
+          <a:lstStyle/>
+          <a:p>
+            <a:pPr algn="ctr"/>
+            <a:r>
+              <a:rPr lang="es-ES" sz="1100"/>
+              <a:t>Cada casilla del biotopo de un color diferente, en funci</a:t>
+            </a:r>
+            <a:r>
+              <a:rPr lang="es-ES" sz="1100"/>
+              <a:t>ón de la concentración de las distintas sustancias, o la altitud, la temperatura, etc...</a:t>
+            </a:r>
+            <a:endParaRPr lang="es-ES" sz="1100"/>
+          </a:p>
+        </p:txBody>
+      </p:sp>
+      <p:sp>
+        <p:nvSpPr>
+          <p:cNvPr id="15" name="CuadroTexto 14"/>
+          <p:cNvSpPr txBox="1"/>
+          <p:nvPr/>
+        </p:nvSpPr>
+        <p:spPr>
+          <a:xfrm>
+            <a:off x="1190033" y="5130374"/>
+            <a:ext cx="7370987" cy="646331"/>
+          </a:xfrm>
+          <a:prstGeom prst="rect">
+            <a:avLst/>
+          </a:prstGeom>
+          <a:noFill/>
+        </p:spPr>
+        <p:txBody>
+          <a:bodyPr wrap="square" rtlCol="0">
+            <a:spAutoFit/>
+          </a:bodyPr>
+          <a:lstStyle/>
+          <a:p>
+            <a:r>
+              <a:rPr lang="es-ES"/>
+              <a:t>De todas formas, para no complicar la cosa, se pueden tener los organismos en una ventana y las caracter</a:t>
+            </a:r>
+            <a:r>
+              <a:rPr lang="es-ES"/>
+              <a:t>ísticas del biotopo en otra</a:t>
+            </a:r>
+            <a:endParaRPr lang="es-ES"/>
+          </a:p>
+        </p:txBody>
+      </p:sp>
+    </p:spTree>
+    <p:extLst>
+      <p:ext uri="{BB962C8B-B14F-4D97-AF65-F5344CB8AC3E}">
+        <p14:creationId xmlns:p14="http://schemas.microsoft.com/office/powerpoint/2010/main" val="3308012761"/>
+      </p:ext>
+    </p:extLst>
+  </p:cSld>
+  <p:clrMapOvr>
+    <a:masterClrMapping/>
+  </p:clrMapOvr>
 </p:sld>
 </file>
 
